--- a/Beer Study.pptx
+++ b/Beer Study.pptx
@@ -5,7 +5,7 @@
     <p:sldMasterId id="2147483648" r:id="rId1"/>
   </p:sldMasterIdLst>
   <p:notesMasterIdLst>
-    <p:notesMasterId r:id="rId19"/>
+    <p:notesMasterId r:id="rId20"/>
   </p:notesMasterIdLst>
   <p:sldIdLst>
     <p:sldId id="256" r:id="rId2"/>
@@ -21,10 +21,11 @@
     <p:sldId id="270" r:id="rId12"/>
     <p:sldId id="271" r:id="rId13"/>
     <p:sldId id="272" r:id="rId14"/>
-    <p:sldId id="273" r:id="rId15"/>
-    <p:sldId id="274" r:id="rId16"/>
-    <p:sldId id="275" r:id="rId17"/>
-    <p:sldId id="276" r:id="rId18"/>
+    <p:sldId id="277" r:id="rId15"/>
+    <p:sldId id="273" r:id="rId16"/>
+    <p:sldId id="274" r:id="rId17"/>
+    <p:sldId id="275" r:id="rId18"/>
+    <p:sldId id="276" r:id="rId19"/>
   </p:sldIdLst>
   <p:sldSz cx="9144000" cy="5143500" type="screen16x9"/>
   <p:notesSz cx="6858000" cy="9144000"/>
@@ -5060,6 +5061,99 @@
           <p:cNvPr id="2" name="Title 1">
             <a:extLst>
               <a:ext uri="{FF2B5EF4-FFF2-40B4-BE49-F238E27FC236}">
+                <a16:creationId xmlns:a16="http://schemas.microsoft.com/office/drawing/2014/main" id="{80989926-90C4-45AF-90BD-76DED211D51B}"/>
+              </a:ext>
+            </a:extLst>
+          </p:cNvPr>
+          <p:cNvSpPr>
+            <a:spLocks noGrp="1"/>
+          </p:cNvSpPr>
+          <p:nvPr>
+            <p:ph type="title"/>
+          </p:nvPr>
+        </p:nvSpPr>
+        <p:spPr/>
+        <p:txBody>
+          <a:bodyPr vert="horz" lIns="91440" tIns="45720" rIns="91440" bIns="45720" rtlCol="0" anchor="ctr">
+            <a:normAutofit fontScale="90000"/>
+          </a:bodyPr>
+          <a:lstStyle/>
+          <a:p>
+            <a:r>
+              <a:rPr lang="en-US" b="1" dirty="0">
+                <a:latin typeface="Arial" panose="020B0604020202020204" pitchFamily="34" charset="0"/>
+                <a:cs typeface="Arial" panose="020B0604020202020204" pitchFamily="34" charset="0"/>
+              </a:rPr>
+              <a:t>Modeling bitterness and alcoholic content relationship</a:t>
+            </a:r>
+          </a:p>
+        </p:txBody>
+      </p:sp>
+      <p:pic>
+        <p:nvPicPr>
+          <p:cNvPr id="3" name="Picture 2">
+            <a:extLst>
+              <a:ext uri="{FF2B5EF4-FFF2-40B4-BE49-F238E27FC236}">
+                <a16:creationId xmlns:a16="http://schemas.microsoft.com/office/drawing/2014/main" id="{B2C4DB83-7AC0-49C8-8C18-1F0FD28E323F}"/>
+              </a:ext>
+            </a:extLst>
+          </p:cNvPr>
+          <p:cNvPicPr>
+            <a:picLocks noChangeAspect="1"/>
+          </p:cNvPicPr>
+          <p:nvPr/>
+        </p:nvPicPr>
+        <p:blipFill>
+          <a:blip r:embed="rId2"/>
+          <a:stretch>
+            <a:fillRect/>
+          </a:stretch>
+        </p:blipFill>
+        <p:spPr>
+          <a:xfrm>
+            <a:off x="448965" y="1197406"/>
+            <a:ext cx="5676900" cy="3886200"/>
+          </a:xfrm>
+          <a:prstGeom prst="rect">
+            <a:avLst/>
+          </a:prstGeom>
+        </p:spPr>
+      </p:pic>
+    </p:spTree>
+    <p:extLst>
+      <p:ext uri="{BB962C8B-B14F-4D97-AF65-F5344CB8AC3E}">
+        <p14:creationId xmlns:p14="http://schemas.microsoft.com/office/powerpoint/2010/main" val="4128867459"/>
+      </p:ext>
+    </p:extLst>
+  </p:cSld>
+  <p:clrMapOvr>
+    <a:masterClrMapping/>
+  </p:clrMapOvr>
+</p:sld>
+</file>
+
+<file path=ppt/slides/slide15.xml><?xml version="1.0" encoding="utf-8"?>
+<p:sld xmlns:a="http://schemas.openxmlformats.org/drawingml/2006/main" xmlns:r="http://schemas.openxmlformats.org/officeDocument/2006/relationships" xmlns:p="http://schemas.openxmlformats.org/presentationml/2006/main">
+  <p:cSld>
+    <p:spTree>
+      <p:nvGrpSpPr>
+        <p:cNvPr id="1" name=""/>
+        <p:cNvGrpSpPr/>
+        <p:nvPr/>
+      </p:nvGrpSpPr>
+      <p:grpSpPr>
+        <a:xfrm>
+          <a:off x="0" y="0"/>
+          <a:ext cx="0" cy="0"/>
+          <a:chOff x="0" y="0"/>
+          <a:chExt cx="0" cy="0"/>
+        </a:xfrm>
+      </p:grpSpPr>
+      <p:sp>
+        <p:nvSpPr>
+          <p:cNvPr id="2" name="Title 1">
+            <a:extLst>
+              <a:ext uri="{FF2B5EF4-FFF2-40B4-BE49-F238E27FC236}">
                 <a16:creationId xmlns:a16="http://schemas.microsoft.com/office/drawing/2014/main" id="{FB8ADA96-59D7-4682-8855-471B901C67A2}"/>
               </a:ext>
             </a:extLst>
@@ -5357,7 +5451,7 @@
 </p:sld>
 </file>
 
-<file path=ppt/slides/slide15.xml><?xml version="1.0" encoding="utf-8"?>
+<file path=ppt/slides/slide16.xml><?xml version="1.0" encoding="utf-8"?>
 <p:sld xmlns:a="http://schemas.openxmlformats.org/drawingml/2006/main" xmlns:r="http://schemas.openxmlformats.org/officeDocument/2006/relationships" xmlns:p="http://schemas.openxmlformats.org/presentationml/2006/main">
   <p:cSld>
     <p:spTree>
@@ -5676,7 +5770,7 @@
 </p:sld>
 </file>
 
-<file path=ppt/slides/slide16.xml><?xml version="1.0" encoding="utf-8"?>
+<file path=ppt/slides/slide17.xml><?xml version="1.0" encoding="utf-8"?>
 <p:sld xmlns:a="http://schemas.openxmlformats.org/drawingml/2006/main" xmlns:r="http://schemas.openxmlformats.org/officeDocument/2006/relationships" xmlns:p="http://schemas.openxmlformats.org/presentationml/2006/main">
   <p:cSld>
     <p:bg>
@@ -5820,7 +5914,7 @@
 </p:sld>
 </file>
 
-<file path=ppt/slides/slide17.xml><?xml version="1.0" encoding="utf-8"?>
+<file path=ppt/slides/slide18.xml><?xml version="1.0" encoding="utf-8"?>
 <p:sld xmlns:a="http://schemas.openxmlformats.org/drawingml/2006/main" xmlns:r="http://schemas.openxmlformats.org/officeDocument/2006/relationships" xmlns:p="http://schemas.openxmlformats.org/presentationml/2006/main">
   <p:cSld>
     <p:spTree>

--- a/Beer Study.pptx
+++ b/Beer Study.pptx
@@ -5,7 +5,7 @@
     <p:sldMasterId id="2147483648" r:id="rId1"/>
   </p:sldMasterIdLst>
   <p:notesMasterIdLst>
-    <p:notesMasterId r:id="rId20"/>
+    <p:notesMasterId r:id="rId22"/>
   </p:notesMasterIdLst>
   <p:sldIdLst>
     <p:sldId id="256" r:id="rId2"/>
@@ -26,6 +26,8 @@
     <p:sldId id="274" r:id="rId17"/>
     <p:sldId id="275" r:id="rId18"/>
     <p:sldId id="276" r:id="rId19"/>
+    <p:sldId id="278" r:id="rId20"/>
+    <p:sldId id="279" r:id="rId21"/>
   </p:sldIdLst>
   <p:sldSz cx="9144000" cy="5143500" type="screen16x9"/>
   <p:notesSz cx="6858000" cy="9144000"/>
@@ -4114,22 +4116,36 @@
         </p:nvSpPr>
         <p:spPr>
           <a:xfrm>
-            <a:off x="143555" y="281175"/>
+            <a:off x="-314560" y="281175"/>
             <a:ext cx="7560866" cy="572644"/>
           </a:xfrm>
         </p:spPr>
         <p:txBody>
           <a:bodyPr vert="horz" lIns="91440" tIns="45720" rIns="91440" bIns="45720" rtlCol="0" anchor="ctr">
-            <a:normAutofit fontScale="90000"/>
+            <a:noAutofit/>
           </a:bodyPr>
           <a:lstStyle/>
           <a:p>
-            <a:r>
-              <a:rPr lang="en-US" b="1" dirty="0">
+            <a:pPr algn="ctr"/>
+            <a:r>
+              <a:rPr lang="en-US" sz="2800" b="1" dirty="0">
                 <a:latin typeface="Arial" panose="020B0604020202020204" pitchFamily="34" charset="0"/>
                 <a:cs typeface="Arial" panose="020B0604020202020204" pitchFamily="34" charset="0"/>
               </a:rPr>
-              <a:t>Plot of Median ABV and IBU by State</a:t>
+              <a:t>Plot of Median ABV and IBU by </a:t>
+            </a:r>
+            <a:br>
+              <a:rPr lang="en-US" sz="2800" b="1" dirty="0">
+                <a:latin typeface="Arial" panose="020B0604020202020204" pitchFamily="34" charset="0"/>
+                <a:cs typeface="Arial" panose="020B0604020202020204" pitchFamily="34" charset="0"/>
+              </a:rPr>
+            </a:br>
+            <a:r>
+              <a:rPr lang="en-US" sz="2800" b="1" dirty="0">
+                <a:latin typeface="Arial" panose="020B0604020202020204" pitchFamily="34" charset="0"/>
+                <a:cs typeface="Arial" panose="020B0604020202020204" pitchFamily="34" charset="0"/>
+              </a:rPr>
+              <a:t>State</a:t>
             </a:r>
           </a:p>
         </p:txBody>
@@ -6045,6 +6061,116 @@
 </p:sld>
 </file>
 
+<file path=ppt/slides/slide19.xml><?xml version="1.0" encoding="utf-8"?>
+<p:sld xmlns:a="http://schemas.openxmlformats.org/drawingml/2006/main" xmlns:r="http://schemas.openxmlformats.org/officeDocument/2006/relationships" xmlns:p="http://schemas.openxmlformats.org/presentationml/2006/main">
+  <p:cSld>
+    <p:spTree>
+      <p:nvGrpSpPr>
+        <p:cNvPr id="1" name=""/>
+        <p:cNvGrpSpPr/>
+        <p:nvPr/>
+      </p:nvGrpSpPr>
+      <p:grpSpPr>
+        <a:xfrm>
+          <a:off x="0" y="0"/>
+          <a:ext cx="0" cy="0"/>
+          <a:chOff x="0" y="0"/>
+          <a:chExt cx="0" cy="0"/>
+        </a:xfrm>
+      </p:grpSpPr>
+      <p:sp>
+        <p:nvSpPr>
+          <p:cNvPr id="2" name="Title 1">
+            <a:extLst>
+              <a:ext uri="{FF2B5EF4-FFF2-40B4-BE49-F238E27FC236}">
+                <a16:creationId xmlns:a16="http://schemas.microsoft.com/office/drawing/2014/main" id="{A33D5582-CA3A-449F-A327-68402DD6C163}"/>
+              </a:ext>
+            </a:extLst>
+          </p:cNvPr>
+          <p:cNvSpPr>
+            <a:spLocks noGrp="1"/>
+          </p:cNvSpPr>
+          <p:nvPr>
+            <p:ph type="title"/>
+          </p:nvPr>
+        </p:nvSpPr>
+        <p:spPr/>
+        <p:txBody>
+          <a:bodyPr vert="horz" lIns="91440" tIns="45720" rIns="91440" bIns="45720" rtlCol="0" anchor="ctr">
+            <a:normAutofit fontScale="90000"/>
+          </a:bodyPr>
+          <a:lstStyle/>
+          <a:p>
+            <a:r>
+              <a:rPr lang="en-US" b="1" dirty="0">
+                <a:latin typeface="Arial" panose="020B0604020202020204" pitchFamily="34" charset="0"/>
+                <a:cs typeface="Arial" panose="020B0604020202020204" pitchFamily="34" charset="0"/>
+              </a:rPr>
+              <a:t>Conclusion</a:t>
+            </a:r>
+          </a:p>
+        </p:txBody>
+      </p:sp>
+      <p:sp>
+        <p:nvSpPr>
+          <p:cNvPr id="3" name="Content Placeholder 2">
+            <a:extLst>
+              <a:ext uri="{FF2B5EF4-FFF2-40B4-BE49-F238E27FC236}">
+                <a16:creationId xmlns:a16="http://schemas.microsoft.com/office/drawing/2014/main" id="{2A150C97-F502-4A9A-AFA5-C655164C78DC}"/>
+              </a:ext>
+            </a:extLst>
+          </p:cNvPr>
+          <p:cNvSpPr>
+            <a:spLocks noGrp="1"/>
+          </p:cNvSpPr>
+          <p:nvPr>
+            <p:ph idx="1"/>
+          </p:nvPr>
+        </p:nvSpPr>
+        <p:spPr>
+          <a:xfrm>
+            <a:off x="448965" y="1197406"/>
+            <a:ext cx="6566315" cy="3358356"/>
+          </a:xfrm>
+        </p:spPr>
+        <p:txBody>
+          <a:bodyPr/>
+          <a:lstStyle/>
+          <a:p>
+            <a:r>
+              <a:rPr lang="en-US" dirty="0">
+                <a:solidFill>
+                  <a:schemeClr val="tx1"/>
+                </a:solidFill>
+              </a:rPr>
+              <a:t>Relationship between the International Bitterness Unit (IBU) and Alcohol Content by Volume (ABV)</a:t>
+            </a:r>
+          </a:p>
+          <a:p>
+            <a:r>
+              <a:rPr lang="en-US" dirty="0">
+                <a:solidFill>
+                  <a:schemeClr val="tx1"/>
+                </a:solidFill>
+              </a:rPr>
+              <a:t>Boost sales by catering to the preferences  of those who drinks Budweiser </a:t>
+            </a:r>
+          </a:p>
+        </p:txBody>
+      </p:sp>
+    </p:spTree>
+    <p:extLst>
+      <p:ext uri="{BB962C8B-B14F-4D97-AF65-F5344CB8AC3E}">
+        <p14:creationId xmlns:p14="http://schemas.microsoft.com/office/powerpoint/2010/main" val="3725932851"/>
+      </p:ext>
+    </p:extLst>
+  </p:cSld>
+  <p:clrMapOvr>
+    <a:masterClrMapping/>
+  </p:clrMapOvr>
+</p:sld>
+</file>
+
 <file path=ppt/slides/slide2.xml><?xml version="1.0" encoding="utf-8"?>
 <p:sld xmlns:a="http://schemas.openxmlformats.org/drawingml/2006/main" xmlns:r="http://schemas.openxmlformats.org/officeDocument/2006/relationships" xmlns:p="http://schemas.openxmlformats.org/presentationml/2006/main">
   <p:cSld>
@@ -6169,6 +6295,99 @@
     <p:extLst>
       <p:ext uri="{BB962C8B-B14F-4D97-AF65-F5344CB8AC3E}">
         <p14:creationId xmlns:p14="http://schemas.microsoft.com/office/powerpoint/2010/main" val="1101633878"/>
+      </p:ext>
+    </p:extLst>
+  </p:cSld>
+  <p:clrMapOvr>
+    <a:masterClrMapping/>
+  </p:clrMapOvr>
+</p:sld>
+</file>
+
+<file path=ppt/slides/slide20.xml><?xml version="1.0" encoding="utf-8"?>
+<p:sld xmlns:a="http://schemas.openxmlformats.org/drawingml/2006/main" xmlns:r="http://schemas.openxmlformats.org/officeDocument/2006/relationships" xmlns:p="http://schemas.openxmlformats.org/presentationml/2006/main">
+  <p:cSld>
+    <p:spTree>
+      <p:nvGrpSpPr>
+        <p:cNvPr id="1" name=""/>
+        <p:cNvGrpSpPr/>
+        <p:nvPr/>
+      </p:nvGrpSpPr>
+      <p:grpSpPr>
+        <a:xfrm>
+          <a:off x="0" y="0"/>
+          <a:ext cx="0" cy="0"/>
+          <a:chOff x="0" y="0"/>
+          <a:chExt cx="0" cy="0"/>
+        </a:xfrm>
+      </p:grpSpPr>
+      <p:sp>
+        <p:nvSpPr>
+          <p:cNvPr id="4" name="Rectangle 3">
+            <a:extLst>
+              <a:ext uri="{FF2B5EF4-FFF2-40B4-BE49-F238E27FC236}">
+                <a16:creationId xmlns:a16="http://schemas.microsoft.com/office/drawing/2014/main" id="{3EEE446A-D233-4A4A-AC70-DB512911F789}"/>
+              </a:ext>
+            </a:extLst>
+          </p:cNvPr>
+          <p:cNvSpPr/>
+          <p:nvPr/>
+        </p:nvSpPr>
+        <p:spPr>
+          <a:xfrm>
+            <a:off x="2434130" y="1848475"/>
+            <a:ext cx="2438489" cy="1446550"/>
+          </a:xfrm>
+          <a:prstGeom prst="rect">
+            <a:avLst/>
+          </a:prstGeom>
+          <a:noFill/>
+        </p:spPr>
+        <p:txBody>
+          <a:bodyPr wrap="none" lIns="91440" tIns="45720" rIns="91440" bIns="45720">
+            <a:spAutoFit/>
+          </a:bodyPr>
+          <a:lstStyle/>
+          <a:p>
+            <a:pPr algn="ctr"/>
+            <a:r>
+              <a:rPr lang="en-US" sz="8800" b="1" dirty="0">
+                <a:ln w="12700">
+                  <a:solidFill>
+                    <a:schemeClr val="tx2">
+                      <a:lumMod val="75000"/>
+                    </a:schemeClr>
+                  </a:solidFill>
+                  <a:prstDash val="solid"/>
+                </a:ln>
+                <a:pattFill prst="dkUpDiag">
+                  <a:fgClr>
+                    <a:schemeClr val="tx2"/>
+                  </a:fgClr>
+                  <a:bgClr>
+                    <a:schemeClr val="tx2">
+                      <a:lumMod val="20000"/>
+                      <a:lumOff val="80000"/>
+                    </a:schemeClr>
+                  </a:bgClr>
+                </a:pattFill>
+                <a:effectLst>
+                  <a:outerShdw dist="38100" dir="2640000" algn="bl" rotWithShape="0">
+                    <a:schemeClr val="tx2">
+                      <a:lumMod val="75000"/>
+                    </a:schemeClr>
+                  </a:outerShdw>
+                </a:effectLst>
+              </a:rPr>
+              <a:t>Q&amp;A</a:t>
+            </a:r>
+          </a:p>
+        </p:txBody>
+      </p:sp>
+    </p:spTree>
+    <p:extLst>
+      <p:ext uri="{BB962C8B-B14F-4D97-AF65-F5344CB8AC3E}">
+        <p14:creationId xmlns:p14="http://schemas.microsoft.com/office/powerpoint/2010/main" val="2472871259"/>
       </p:ext>
     </p:extLst>
   </p:cSld>
@@ -6269,11 +6488,16 @@
           <a:p>
             <a:r>
               <a:rPr lang="en-US" b="1" dirty="0">
+                <a:solidFill>
+                  <a:schemeClr val="tx1"/>
+                </a:solidFill>
                 <a:latin typeface="Arial" panose="020B0604020202020204" pitchFamily="34" charset="0"/>
                 <a:cs typeface="Arial" panose="020B0604020202020204" pitchFamily="34" charset="0"/>
               </a:rPr>
-              <a:t>Suggesting</a:t>
-            </a:r>
+              <a:t>Analysis of Variance by Region</a:t>
+            </a:r>
+          </a:p>
+          <a:p>
             <a:r>
               <a:rPr lang="en-US" b="1" dirty="0">
                 <a:solidFill>
@@ -6282,8 +6506,17 @@
                 <a:latin typeface="Arial" panose="020B0604020202020204" pitchFamily="34" charset="0"/>
                 <a:cs typeface="Arial" panose="020B0604020202020204" pitchFamily="34" charset="0"/>
               </a:rPr>
-              <a:t> business idea </a:t>
-            </a:r>
+              <a:t>Regression Model</a:t>
+            </a:r>
+          </a:p>
+          <a:p>
+            <a:endParaRPr lang="en-US" b="1" dirty="0">
+              <a:solidFill>
+                <a:schemeClr val="tx1"/>
+              </a:solidFill>
+              <a:latin typeface="Arial" panose="020B0604020202020204" pitchFamily="34" charset="0"/>
+              <a:cs typeface="Arial" panose="020B0604020202020204" pitchFamily="34" charset="0"/>
+            </a:endParaRPr>
           </a:p>
           <a:p>
             <a:endParaRPr lang="en-US" b="1" dirty="0">
@@ -9844,48 +10077,6 @@
           </a:graphicData>
         </a:graphic>
       </p:graphicFrame>
-      <p:sp>
-        <p:nvSpPr>
-          <p:cNvPr id="10" name="TextBox 9">
-            <a:extLst>
-              <a:ext uri="{FF2B5EF4-FFF2-40B4-BE49-F238E27FC236}">
-                <a16:creationId xmlns:a16="http://schemas.microsoft.com/office/drawing/2014/main" id="{8D8A87F9-6927-4D0B-A41E-99D792247761}"/>
-              </a:ext>
-            </a:extLst>
-          </p:cNvPr>
-          <p:cNvSpPr txBox="1"/>
-          <p:nvPr/>
-        </p:nvSpPr>
-        <p:spPr>
-          <a:xfrm>
-            <a:off x="601670" y="4404210"/>
-            <a:ext cx="4275740" cy="646331"/>
-          </a:xfrm>
-          <a:prstGeom prst="rect">
-            <a:avLst/>
-          </a:prstGeom>
-          <a:noFill/>
-        </p:spPr>
-        <p:txBody>
-          <a:bodyPr wrap="square" rtlCol="0">
-            <a:spAutoFit/>
-          </a:bodyPr>
-          <a:lstStyle/>
-          <a:p>
-            <a:r>
-              <a:rPr lang="en-US"/>
-              <a:t>BrewPerState &lt;- table(Breweries$State)</a:t>
-            </a:r>
-          </a:p>
-          <a:p>
-            <a:r>
-              <a:rPr lang="en-US"/>
-              <a:t>BrewPerState </a:t>
-            </a:r>
-            <a:endParaRPr lang="en-US" dirty="0"/>
-          </a:p>
-        </p:txBody>
-      </p:sp>
     </p:spTree>
     <p:extLst>
       <p:ext uri="{BB962C8B-B14F-4D97-AF65-F5344CB8AC3E}">

--- a/Beer Study.pptx
+++ b/Beer Study.pptx
@@ -227,7 +227,7 @@
           <a:p>
             <a:fld id="{8804A2DC-EA9B-4788-A95D-B4E5D9EA756F}" type="datetimeFigureOut">
               <a:rPr lang="en-US" smtClean="0"/>
-              <a:t>2/27/2019</a:t>
+              <a:t>2/28/2019</a:t>
             </a:fld>
             <a:endParaRPr lang="en-US"/>
           </a:p>
@@ -706,7 +706,7 @@
             <a:fld id="{53074F12-AA26-4AC8-9962-C36BB8F32554}" type="datetimeFigureOut">
               <a:rPr lang="en-US" smtClean="0"/>
               <a:pPr/>
-              <a:t>2/27/2019</a:t>
+              <a:t>2/28/2019</a:t>
             </a:fld>
             <a:endParaRPr lang="en-US"/>
           </a:p>
@@ -960,7 +960,7 @@
             <a:fld id="{53074F12-AA26-4AC8-9962-C36BB8F32554}" type="datetimeFigureOut">
               <a:rPr lang="en-US" smtClean="0"/>
               <a:pPr/>
-              <a:t>2/27/2019</a:t>
+              <a:t>2/28/2019</a:t>
             </a:fld>
             <a:endParaRPr lang="en-US"/>
           </a:p>
@@ -1130,7 +1130,7 @@
             <a:fld id="{53074F12-AA26-4AC8-9962-C36BB8F32554}" type="datetimeFigureOut">
               <a:rPr lang="en-US" smtClean="0"/>
               <a:pPr/>
-              <a:t>2/27/2019</a:t>
+              <a:t>2/28/2019</a:t>
             </a:fld>
             <a:endParaRPr lang="en-US"/>
           </a:p>
@@ -1310,7 +1310,7 @@
             <a:fld id="{53074F12-AA26-4AC8-9962-C36BB8F32554}" type="datetimeFigureOut">
               <a:rPr lang="en-US" smtClean="0"/>
               <a:pPr/>
-              <a:t>2/27/2019</a:t>
+              <a:t>2/28/2019</a:t>
             </a:fld>
             <a:endParaRPr lang="en-US"/>
           </a:p>
@@ -1592,7 +1592,7 @@
             <a:fld id="{53074F12-AA26-4AC8-9962-C36BB8F32554}" type="datetimeFigureOut">
               <a:rPr lang="en-US" smtClean="0"/>
               <a:pPr/>
-              <a:t>2/27/2019</a:t>
+              <a:t>2/28/2019</a:t>
             </a:fld>
             <a:endParaRPr lang="en-US"/>
           </a:p>
@@ -1839,7 +1839,7 @@
             <a:fld id="{53074F12-AA26-4AC8-9962-C36BB8F32554}" type="datetimeFigureOut">
               <a:rPr lang="en-US" smtClean="0"/>
               <a:pPr/>
-              <a:t>2/27/2019</a:t>
+              <a:t>2/28/2019</a:t>
             </a:fld>
             <a:endParaRPr lang="en-US"/>
           </a:p>
@@ -2086,7 +2086,7 @@
             <a:fld id="{53074F12-AA26-4AC8-9962-C36BB8F32554}" type="datetimeFigureOut">
               <a:rPr lang="en-US" smtClean="0"/>
               <a:pPr/>
-              <a:t>2/27/2019</a:t>
+              <a:t>2/28/2019</a:t>
             </a:fld>
             <a:endParaRPr lang="en-US"/>
           </a:p>
@@ -2373,7 +2373,7 @@
             <a:fld id="{53074F12-AA26-4AC8-9962-C36BB8F32554}" type="datetimeFigureOut">
               <a:rPr lang="en-US" smtClean="0"/>
               <a:pPr/>
-              <a:t>2/27/2019</a:t>
+              <a:t>2/28/2019</a:t>
             </a:fld>
             <a:endParaRPr lang="en-US"/>
           </a:p>
@@ -2860,7 +2860,7 @@
             <a:fld id="{53074F12-AA26-4AC8-9962-C36BB8F32554}" type="datetimeFigureOut">
               <a:rPr lang="en-US" smtClean="0"/>
               <a:pPr/>
-              <a:t>2/27/2019</a:t>
+              <a:t>2/28/2019</a:t>
             </a:fld>
             <a:endParaRPr lang="en-US"/>
           </a:p>
@@ -2979,7 +2979,7 @@
             <a:fld id="{53074F12-AA26-4AC8-9962-C36BB8F32554}" type="datetimeFigureOut">
               <a:rPr lang="en-US" smtClean="0"/>
               <a:pPr/>
-              <a:t>2/27/2019</a:t>
+              <a:t>2/28/2019</a:t>
             </a:fld>
             <a:endParaRPr lang="en-US"/>
           </a:p>
@@ -3076,7 +3076,7 @@
             <a:fld id="{53074F12-AA26-4AC8-9962-C36BB8F32554}" type="datetimeFigureOut">
               <a:rPr lang="en-US" smtClean="0"/>
               <a:pPr/>
-              <a:t>2/27/2019</a:t>
+              <a:t>2/28/2019</a:t>
             </a:fld>
             <a:endParaRPr lang="en-US"/>
           </a:p>
@@ -3353,7 +3353,7 @@
             <a:fld id="{53074F12-AA26-4AC8-9962-C36BB8F32554}" type="datetimeFigureOut">
               <a:rPr lang="en-US" smtClean="0"/>
               <a:pPr/>
-              <a:t>2/27/2019</a:t>
+              <a:t>2/28/2019</a:t>
             </a:fld>
             <a:endParaRPr lang="en-US"/>
           </a:p>
@@ -3575,7 +3575,7 @@
             <a:fld id="{53074F12-AA26-4AC8-9962-C36BB8F32554}" type="datetimeFigureOut">
               <a:rPr lang="en-US" smtClean="0"/>
               <a:pPr/>
-              <a:t>2/27/2019</a:t>
+              <a:t>2/28/2019</a:t>
             </a:fld>
             <a:endParaRPr lang="en-US"/>
           </a:p>
@@ -4557,7 +4557,7 @@
                 <a:latin typeface="Arial" panose="020B0604020202020204" pitchFamily="34" charset="0"/>
                 <a:cs typeface="Arial" panose="020B0604020202020204" pitchFamily="34" charset="0"/>
               </a:rPr>
-              <a:t>ME    0.067</a:t>
+              <a:t>CO    0.128</a:t>
             </a:r>
           </a:p>
           <a:p>
@@ -4575,15 +4575,22 @@
           <a:p>
             <a:pPr lvl="1"/>
             <a:r>
-              <a:rPr lang="en-US" dirty="0">
+              <a:rPr lang="en-US">
                 <a:solidFill>
                   <a:schemeClr val="tx1"/>
                 </a:solidFill>
                 <a:latin typeface="Arial" panose="020B0604020202020204" pitchFamily="34" charset="0"/>
                 <a:cs typeface="Arial" panose="020B0604020202020204" pitchFamily="34" charset="0"/>
               </a:rPr>
-              <a:t>ME     61</a:t>
-            </a:r>
+              <a:t>OR     138</a:t>
+            </a:r>
+            <a:endParaRPr lang="en-US" dirty="0">
+              <a:solidFill>
+                <a:schemeClr val="tx1"/>
+              </a:solidFill>
+              <a:latin typeface="Arial" panose="020B0604020202020204" pitchFamily="34" charset="0"/>
+              <a:cs typeface="Arial" panose="020B0604020202020204" pitchFamily="34" charset="0"/>
+            </a:endParaRPr>
           </a:p>
         </p:txBody>
       </p:sp>

--- a/Beer Study.pptx
+++ b/Beer Study.pptx
@@ -4533,7 +4533,9 @@
         </p:nvSpPr>
         <p:spPr/>
         <p:txBody>
-          <a:bodyPr/>
+          <a:bodyPr>
+            <a:normAutofit fontScale="77500" lnSpcReduction="20000"/>
+          </a:bodyPr>
           <a:lstStyle/>
           <a:p>
             <a:r>
@@ -4557,7 +4559,20 @@
                 <a:latin typeface="Arial" panose="020B0604020202020204" pitchFamily="34" charset="0"/>
                 <a:cs typeface="Arial" panose="020B0604020202020204" pitchFamily="34" charset="0"/>
               </a:rPr>
-              <a:t>CO    0.128</a:t>
+              <a:t>Colorado    0.128</a:t>
+            </a:r>
+          </a:p>
+          <a:p>
+            <a:pPr lvl="1"/>
+            <a:r>
+              <a:rPr lang="en-US" dirty="0">
+                <a:solidFill>
+                  <a:schemeClr val="tx1"/>
+                </a:solidFill>
+                <a:latin typeface="Arial" panose="020B0604020202020204" pitchFamily="34" charset="0"/>
+                <a:cs typeface="Arial" panose="020B0604020202020204" pitchFamily="34" charset="0"/>
+              </a:rPr>
+              <a:t>Upslope Brewing Company for beer Lee Hill Series Vol. 5</a:t>
             </a:r>
           </a:p>
           <a:p>
@@ -4575,22 +4590,28 @@
           <a:p>
             <a:pPr lvl="1"/>
             <a:r>
-              <a:rPr lang="en-US">
+              <a:rPr lang="en-US" dirty="0">
                 <a:solidFill>
                   <a:schemeClr val="tx1"/>
                 </a:solidFill>
                 <a:latin typeface="Arial" panose="020B0604020202020204" pitchFamily="34" charset="0"/>
                 <a:cs typeface="Arial" panose="020B0604020202020204" pitchFamily="34" charset="0"/>
               </a:rPr>
-              <a:t>OR     138</a:t>
-            </a:r>
-            <a:endParaRPr lang="en-US" dirty="0">
-              <a:solidFill>
-                <a:schemeClr val="tx1"/>
-              </a:solidFill>
-              <a:latin typeface="Arial" panose="020B0604020202020204" pitchFamily="34" charset="0"/>
-              <a:cs typeface="Arial" panose="020B0604020202020204" pitchFamily="34" charset="0"/>
-            </a:endParaRPr>
+              <a:t>Oregon    138</a:t>
+            </a:r>
+          </a:p>
+          <a:p>
+            <a:pPr lvl="1"/>
+            <a:r>
+              <a:rPr lang="en-US" dirty="0">
+                <a:solidFill>
+                  <a:schemeClr val="tx1"/>
+                </a:solidFill>
+                <a:latin typeface="Arial" panose="020B0604020202020204" pitchFamily="34" charset="0"/>
+                <a:cs typeface="Arial" panose="020B0604020202020204" pitchFamily="34" charset="0"/>
+              </a:rPr>
+              <a:t>Astoria Brewing Company for beer Bitter Bitch Imperial IPA</a:t>
+            </a:r>
           </a:p>
         </p:txBody>
       </p:sp>
@@ -5190,7 +5211,7 @@
         </p:nvSpPr>
         <p:spPr>
           <a:xfrm>
-            <a:off x="143555" y="433880"/>
+            <a:off x="-9150" y="281175"/>
             <a:ext cx="7177135" cy="572644"/>
           </a:xfrm>
         </p:spPr>
@@ -5200,12 +5221,26 @@
           </a:bodyPr>
           <a:lstStyle/>
           <a:p>
+            <a:pPr algn="ctr"/>
             <a:r>
               <a:rPr lang="en-US" b="1" dirty="0">
                 <a:latin typeface="Arial" panose="020B0604020202020204" pitchFamily="34" charset="0"/>
                 <a:cs typeface="Arial" panose="020B0604020202020204" pitchFamily="34" charset="0"/>
               </a:rPr>
-              <a:t>ABV and IBU Histogram per Region</a:t>
+              <a:t>ABV and IBU Histogram per </a:t>
+            </a:r>
+            <a:br>
+              <a:rPr lang="en-US" b="1" dirty="0">
+                <a:latin typeface="Arial" panose="020B0604020202020204" pitchFamily="34" charset="0"/>
+                <a:cs typeface="Arial" panose="020B0604020202020204" pitchFamily="34" charset="0"/>
+              </a:rPr>
+            </a:br>
+            <a:r>
+              <a:rPr lang="en-US" b="1" dirty="0">
+                <a:latin typeface="Arial" panose="020B0604020202020204" pitchFamily="34" charset="0"/>
+                <a:cs typeface="Arial" panose="020B0604020202020204" pitchFamily="34" charset="0"/>
+              </a:rPr>
+              <a:t>Region</a:t>
             </a:r>
           </a:p>
         </p:txBody>
@@ -5904,7 +5939,7 @@
         <p:spPr>
           <a:xfrm>
             <a:off x="448964" y="3335275"/>
-            <a:ext cx="6260905" cy="646331"/>
+            <a:ext cx="6260905" cy="923330"/>
           </a:xfrm>
           <a:prstGeom prst="rect">
             <a:avLst/>
@@ -5919,7 +5954,7 @@
           <a:p>
             <a:r>
               <a:rPr lang="en-US" dirty="0"/>
-              <a:t>There is no evidence showing that at confidence level of 0.05 the mean of ABV in each region are the same (P-Value = 0.02)</a:t>
+              <a:t>There is evidence showing that at confidence level of 0.05 at least the mean of ABV of two regions are different (P-Value = 0.02)</a:t>
             </a:r>
           </a:p>
         </p:txBody>
@@ -6034,7 +6069,7 @@
         <p:spPr>
           <a:xfrm>
             <a:off x="296260" y="3487980"/>
-            <a:ext cx="6108200" cy="646331"/>
+            <a:ext cx="6108200" cy="923330"/>
           </a:xfrm>
           <a:prstGeom prst="rect">
             <a:avLst/>
@@ -6048,10 +6083,9 @@
           <a:lstStyle/>
           <a:p>
             <a:r>
-              <a:rPr lang="en-US"/>
-              <a:t>There is no evidence showing that at confidence level of 0.05 the mean of IBU in each region are the same (P-Value = 0.0031) </a:t>
-            </a:r>
-            <a:endParaRPr lang="en-US" dirty="0"/>
+              <a:rPr lang="en-US" dirty="0"/>
+              <a:t>There is strong evidence showing that at confidence level of 0.05 at least the mean of IBU of two regions are different(P-Value = 0.0031) </a:t>
+            </a:r>
           </a:p>
         </p:txBody>
       </p:sp>
@@ -7741,10 +7775,79 @@
                     <a:p>
                       <a:pPr algn="ctr" fontAlgn="b"/>
                       <a:r>
+                        <a:rPr lang="en-US" sz="1000" u="none" strike="noStrike" dirty="0">
+                          <a:effectLst/>
+                        </a:rPr>
+                        <a:t>39</a:t>
+                      </a:r>
+                      <a:endParaRPr lang="en-US" sz="1000" b="1" i="0" u="none" strike="noStrike" dirty="0">
+                        <a:solidFill>
+                          <a:srgbClr val="000000"/>
+                        </a:solidFill>
+                        <a:effectLst/>
+                        <a:latin typeface="Arial" panose="020B0604020202020204" pitchFamily="34" charset="0"/>
+                      </a:endParaRPr>
+                    </a:p>
+                  </a:txBody>
+                  <a:tcPr marL="3175" marR="3175" marT="3175" marB="0" anchor="b"/>
+                </a:tc>
+                <a:tc>
+                  <a:txBody>
+                    <a:bodyPr/>
+                    <a:lstStyle/>
+                    <a:p>
+                      <a:pPr algn="ctr" fontAlgn="b"/>
+                      <a:r>
+                        <a:rPr lang="en-US" sz="1000" u="none" strike="noStrike" dirty="0">
+                          <a:effectLst/>
+                        </a:rPr>
+                        <a:t>47</a:t>
+                      </a:r>
+                      <a:endParaRPr lang="en-US" sz="1000" b="1" i="0" u="none" strike="noStrike" dirty="0">
+                        <a:solidFill>
+                          <a:srgbClr val="000000"/>
+                        </a:solidFill>
+                        <a:effectLst/>
+                        <a:latin typeface="Arial" panose="020B0604020202020204" pitchFamily="34" charset="0"/>
+                      </a:endParaRPr>
+                    </a:p>
+                  </a:txBody>
+                  <a:tcPr marL="3175" marR="3175" marT="3175" marB="0" anchor="b"/>
+                </a:tc>
+                <a:tc>
+                  <a:txBody>
+                    <a:bodyPr/>
+                    <a:lstStyle/>
+                    <a:p>
+                      <a:pPr algn="ctr" fontAlgn="b"/>
+                      <a:r>
+                        <a:rPr lang="en-US" sz="1000" u="none" strike="noStrike" dirty="0">
+                          <a:effectLst/>
+                        </a:rPr>
+                        <a:t>8</a:t>
+                      </a:r>
+                      <a:endParaRPr lang="en-US" sz="1000" b="1" i="0" u="none" strike="noStrike" dirty="0">
+                        <a:solidFill>
+                          <a:srgbClr val="000000"/>
+                        </a:solidFill>
+                        <a:effectLst/>
+                        <a:latin typeface="Arial" panose="020B0604020202020204" pitchFamily="34" charset="0"/>
+                      </a:endParaRPr>
+                    </a:p>
+                  </a:txBody>
+                  <a:tcPr marL="3175" marR="3175" marT="3175" marB="0" anchor="b"/>
+                </a:tc>
+                <a:tc>
+                  <a:txBody>
+                    <a:bodyPr/>
+                    <a:lstStyle/>
+                    <a:p>
+                      <a:pPr algn="ctr" fontAlgn="b"/>
+                      <a:r>
                         <a:rPr lang="en-US" sz="1000" u="none" strike="noStrike">
                           <a:effectLst/>
                         </a:rPr>
-                        <a:t>39</a:t>
+                        <a:t>1</a:t>
                       </a:r>
                       <a:endParaRPr lang="en-US" sz="1000" b="1" i="0" u="none" strike="noStrike">
                         <a:solidFill>
@@ -7767,7 +7870,7 @@
                         <a:rPr lang="en-US" sz="1000" u="none" strike="noStrike">
                           <a:effectLst/>
                         </a:rPr>
-                        <a:t>47</a:t>
+                        <a:t>2</a:t>
                       </a:r>
                       <a:endParaRPr lang="en-US" sz="1000" b="1" i="0" u="none" strike="noStrike">
                         <a:solidFill>
@@ -7790,7 +7893,7 @@
                         <a:rPr lang="en-US" sz="1000" u="none" strike="noStrike">
                           <a:effectLst/>
                         </a:rPr>
-                        <a:t>8</a:t>
+                        <a:t>15</a:t>
                       </a:r>
                       <a:endParaRPr lang="en-US" sz="1000" b="1" i="0" u="none" strike="noStrike">
                         <a:solidFill>
@@ -7813,7 +7916,7 @@
                         <a:rPr lang="en-US" sz="1000" u="none" strike="noStrike">
                           <a:effectLst/>
                         </a:rPr>
-                        <a:t>1</a:t>
+                        <a:t>7</a:t>
                       </a:r>
                       <a:endParaRPr lang="en-US" sz="1000" b="1" i="0" u="none" strike="noStrike">
                         <a:solidFill>
@@ -7836,7 +7939,7 @@
                         <a:rPr lang="en-US" sz="1000" u="none" strike="noStrike">
                           <a:effectLst/>
                         </a:rPr>
-                        <a:t>2</a:t>
+                        <a:t>4</a:t>
                       </a:r>
                       <a:endParaRPr lang="en-US" sz="1000" b="1" i="0" u="none" strike="noStrike">
                         <a:solidFill>
@@ -7849,6 +7952,13 @@
                   </a:txBody>
                   <a:tcPr marL="3175" marR="3175" marT="3175" marB="0" anchor="b"/>
                 </a:tc>
+                <a:extLst>
+                  <a:ext uri="{0D108BD9-81ED-4DB2-BD59-A6C34878D82A}">
+                    <a16:rowId xmlns:a16="http://schemas.microsoft.com/office/drawing/2014/main" val="4223265847"/>
+                  </a:ext>
+                </a:extLst>
+              </a:tr>
+              <a:tr h="213787">
                 <a:tc>
                   <a:txBody>
                     <a:bodyPr/>
@@ -7859,7 +7969,7 @@
                         <a:rPr lang="en-US" sz="1000" u="none" strike="noStrike">
                           <a:effectLst/>
                         </a:rPr>
-                        <a:t>15</a:t>
+                        <a:t>IA</a:t>
                       </a:r>
                       <a:endParaRPr lang="en-US" sz="1000" b="1" i="0" u="none" strike="noStrike">
                         <a:solidFill>
@@ -7882,7 +7992,7 @@
                         <a:rPr lang="en-US" sz="1000" u="none" strike="noStrike">
                           <a:effectLst/>
                         </a:rPr>
-                        <a:t>7</a:t>
+                        <a:t>ID</a:t>
                       </a:r>
                       <a:endParaRPr lang="en-US" sz="1000" b="1" i="0" u="none" strike="noStrike">
                         <a:solidFill>
@@ -7902,10 +8012,33 @@
                     <a:p>
                       <a:pPr algn="ctr" fontAlgn="b"/>
                       <a:r>
+                        <a:rPr lang="en-US" sz="1000" u="none" strike="noStrike" dirty="0">
+                          <a:effectLst/>
+                        </a:rPr>
+                        <a:t>IL</a:t>
+                      </a:r>
+                      <a:endParaRPr lang="en-US" sz="1000" b="1" i="0" u="none" strike="noStrike" dirty="0">
+                        <a:solidFill>
+                          <a:srgbClr val="000000"/>
+                        </a:solidFill>
+                        <a:effectLst/>
+                        <a:latin typeface="Arial" panose="020B0604020202020204" pitchFamily="34" charset="0"/>
+                      </a:endParaRPr>
+                    </a:p>
+                  </a:txBody>
+                  <a:tcPr marL="3175" marR="3175" marT="3175" marB="0" anchor="b"/>
+                </a:tc>
+                <a:tc>
+                  <a:txBody>
+                    <a:bodyPr/>
+                    <a:lstStyle/>
+                    <a:p>
+                      <a:pPr algn="ctr" fontAlgn="b"/>
+                      <a:r>
                         <a:rPr lang="en-US" sz="1000" u="none" strike="noStrike">
                           <a:effectLst/>
                         </a:rPr>
-                        <a:t>4</a:t>
+                        <a:t>IN</a:t>
                       </a:r>
                       <a:endParaRPr lang="en-US" sz="1000" b="1" i="0" u="none" strike="noStrike">
                         <a:solidFill>
@@ -7918,13 +8051,6 @@
                   </a:txBody>
                   <a:tcPr marL="3175" marR="3175" marT="3175" marB="0" anchor="b"/>
                 </a:tc>
-                <a:extLst>
-                  <a:ext uri="{0D108BD9-81ED-4DB2-BD59-A6C34878D82A}">
-                    <a16:rowId xmlns:a16="http://schemas.microsoft.com/office/drawing/2014/main" val="4223265847"/>
-                  </a:ext>
-                </a:extLst>
-              </a:tr>
-              <a:tr h="213787">
                 <a:tc>
                   <a:txBody>
                     <a:bodyPr/>
@@ -7935,7 +8061,7 @@
                         <a:rPr lang="en-US" sz="1000" u="none" strike="noStrike">
                           <a:effectLst/>
                         </a:rPr>
-                        <a:t>IA</a:t>
+                        <a:t>KS</a:t>
                       </a:r>
                       <a:endParaRPr lang="en-US" sz="1000" b="1" i="0" u="none" strike="noStrike">
                         <a:solidFill>
@@ -7958,7 +8084,7 @@
                         <a:rPr lang="en-US" sz="1000" u="none" strike="noStrike">
                           <a:effectLst/>
                         </a:rPr>
-                        <a:t>ID</a:t>
+                        <a:t>KY</a:t>
                       </a:r>
                       <a:endParaRPr lang="en-US" sz="1000" b="1" i="0" u="none" strike="noStrike">
                         <a:solidFill>
@@ -7978,10 +8104,224 @@
                     <a:p>
                       <a:pPr algn="ctr" fontAlgn="b"/>
                       <a:r>
+                        <a:rPr lang="en-US" sz="1000" u="none" strike="noStrike">
+                          <a:effectLst/>
+                        </a:rPr>
+                        <a:t>LA</a:t>
+                      </a:r>
+                      <a:endParaRPr lang="en-US" sz="1000" b="1" i="0" u="none" strike="noStrike">
+                        <a:solidFill>
+                          <a:srgbClr val="000000"/>
+                        </a:solidFill>
+                        <a:effectLst/>
+                        <a:latin typeface="Arial" panose="020B0604020202020204" pitchFamily="34" charset="0"/>
+                      </a:endParaRPr>
+                    </a:p>
+                  </a:txBody>
+                  <a:tcPr marL="3175" marR="3175" marT="3175" marB="0" anchor="b"/>
+                </a:tc>
+                <a:tc>
+                  <a:txBody>
+                    <a:bodyPr/>
+                    <a:lstStyle/>
+                    <a:p>
+                      <a:pPr algn="ctr" fontAlgn="b"/>
+                      <a:r>
+                        <a:rPr lang="en-US" sz="1000" u="none" strike="noStrike">
+                          <a:effectLst/>
+                        </a:rPr>
+                        <a:t>MA</a:t>
+                      </a:r>
+                      <a:endParaRPr lang="en-US" sz="1000" b="1" i="0" u="none" strike="noStrike">
+                        <a:solidFill>
+                          <a:srgbClr val="000000"/>
+                        </a:solidFill>
+                        <a:effectLst/>
+                        <a:latin typeface="Arial" panose="020B0604020202020204" pitchFamily="34" charset="0"/>
+                      </a:endParaRPr>
+                    </a:p>
+                  </a:txBody>
+                  <a:tcPr marL="3175" marR="3175" marT="3175" marB="0" anchor="b"/>
+                </a:tc>
+                <a:tc>
+                  <a:txBody>
+                    <a:bodyPr/>
+                    <a:lstStyle/>
+                    <a:p>
+                      <a:pPr algn="ctr" fontAlgn="b"/>
+                      <a:r>
+                        <a:rPr lang="en-US" sz="1000" u="none" strike="noStrike">
+                          <a:effectLst/>
+                        </a:rPr>
+                        <a:t>MD</a:t>
+                      </a:r>
+                      <a:endParaRPr lang="en-US" sz="1000" b="1" i="0" u="none" strike="noStrike">
+                        <a:solidFill>
+                          <a:srgbClr val="000000"/>
+                        </a:solidFill>
+                        <a:effectLst/>
+                        <a:latin typeface="Arial" panose="020B0604020202020204" pitchFamily="34" charset="0"/>
+                      </a:endParaRPr>
+                    </a:p>
+                  </a:txBody>
+                  <a:tcPr marL="3175" marR="3175" marT="3175" marB="0" anchor="b"/>
+                </a:tc>
+                <a:tc>
+                  <a:txBody>
+                    <a:bodyPr/>
+                    <a:lstStyle/>
+                    <a:p>
+                      <a:pPr algn="ctr" fontAlgn="b"/>
+                      <a:r>
+                        <a:rPr lang="en-US" sz="1000" u="none" strike="noStrike">
+                          <a:effectLst/>
+                        </a:rPr>
+                        <a:t>ME</a:t>
+                      </a:r>
+                      <a:endParaRPr lang="en-US" sz="1000" b="1" i="0" u="none" strike="noStrike">
+                        <a:solidFill>
+                          <a:srgbClr val="000000"/>
+                        </a:solidFill>
+                        <a:effectLst/>
+                        <a:latin typeface="Arial" panose="020B0604020202020204" pitchFamily="34" charset="0"/>
+                      </a:endParaRPr>
+                    </a:p>
+                  </a:txBody>
+                  <a:tcPr marL="3175" marR="3175" marT="3175" marB="0" anchor="b"/>
+                </a:tc>
+                <a:tc>
+                  <a:txBody>
+                    <a:bodyPr/>
+                    <a:lstStyle/>
+                    <a:p>
+                      <a:pPr algn="ctr" fontAlgn="b"/>
+                      <a:r>
+                        <a:rPr lang="en-US" sz="1000" u="none" strike="noStrike">
+                          <a:effectLst/>
+                        </a:rPr>
+                        <a:t>MI</a:t>
+                      </a:r>
+                      <a:endParaRPr lang="en-US" sz="1000" b="1" i="0" u="none" strike="noStrike">
+                        <a:solidFill>
+                          <a:srgbClr val="000000"/>
+                        </a:solidFill>
+                        <a:effectLst/>
+                        <a:latin typeface="Arial" panose="020B0604020202020204" pitchFamily="34" charset="0"/>
+                      </a:endParaRPr>
+                    </a:p>
+                  </a:txBody>
+                  <a:tcPr marL="3175" marR="3175" marT="3175" marB="0" anchor="b"/>
+                </a:tc>
+                <a:tc>
+                  <a:txBody>
+                    <a:bodyPr/>
+                    <a:lstStyle/>
+                    <a:p>
+                      <a:pPr algn="ctr" fontAlgn="b"/>
+                      <a:r>
+                        <a:rPr lang="en-US" sz="1000" u="none" strike="noStrike">
+                          <a:effectLst/>
+                        </a:rPr>
+                        <a:t>MN</a:t>
+                      </a:r>
+                      <a:endParaRPr lang="en-US" sz="1000" b="1" i="0" u="none" strike="noStrike">
+                        <a:solidFill>
+                          <a:srgbClr val="000000"/>
+                        </a:solidFill>
+                        <a:effectLst/>
+                        <a:latin typeface="Arial" panose="020B0604020202020204" pitchFamily="34" charset="0"/>
+                      </a:endParaRPr>
+                    </a:p>
+                  </a:txBody>
+                  <a:tcPr marL="3175" marR="3175" marT="3175" marB="0" anchor="b"/>
+                </a:tc>
+                <a:extLst>
+                  <a:ext uri="{0D108BD9-81ED-4DB2-BD59-A6C34878D82A}">
+                    <a16:rowId xmlns:a16="http://schemas.microsoft.com/office/drawing/2014/main" val="4279814043"/>
+                  </a:ext>
+                </a:extLst>
+              </a:tr>
+              <a:tr h="213787">
+                <a:tc>
+                  <a:txBody>
+                    <a:bodyPr/>
+                    <a:lstStyle/>
+                    <a:p>
+                      <a:pPr algn="ctr" fontAlgn="b"/>
+                      <a:r>
+                        <a:rPr lang="en-US" sz="1000" u="none" strike="noStrike">
+                          <a:effectLst/>
+                        </a:rPr>
+                        <a:t>5</a:t>
+                      </a:r>
+                      <a:endParaRPr lang="en-US" sz="1000" b="1" i="0" u="none" strike="noStrike">
+                        <a:solidFill>
+                          <a:srgbClr val="000000"/>
+                        </a:solidFill>
+                        <a:effectLst/>
+                        <a:latin typeface="Arial" panose="020B0604020202020204" pitchFamily="34" charset="0"/>
+                      </a:endParaRPr>
+                    </a:p>
+                  </a:txBody>
+                  <a:tcPr marL="3175" marR="3175" marT="3175" marB="0" anchor="b"/>
+                </a:tc>
+                <a:tc>
+                  <a:txBody>
+                    <a:bodyPr/>
+                    <a:lstStyle/>
+                    <a:p>
+                      <a:pPr algn="ctr" fontAlgn="b"/>
+                      <a:r>
+                        <a:rPr lang="en-US" sz="1000" u="none" strike="noStrike">
+                          <a:effectLst/>
+                        </a:rPr>
+                        <a:t>5</a:t>
+                      </a:r>
+                      <a:endParaRPr lang="en-US" sz="1000" b="1" i="0" u="none" strike="noStrike">
+                        <a:solidFill>
+                          <a:srgbClr val="000000"/>
+                        </a:solidFill>
+                        <a:effectLst/>
+                        <a:latin typeface="Arial" panose="020B0604020202020204" pitchFamily="34" charset="0"/>
+                      </a:endParaRPr>
+                    </a:p>
+                  </a:txBody>
+                  <a:tcPr marL="3175" marR="3175" marT="3175" marB="0" anchor="b"/>
+                </a:tc>
+                <a:tc>
+                  <a:txBody>
+                    <a:bodyPr/>
+                    <a:lstStyle/>
+                    <a:p>
+                      <a:pPr algn="ctr" fontAlgn="b"/>
+                      <a:r>
+                        <a:rPr lang="en-US" sz="1000" u="none" strike="noStrike">
+                          <a:effectLst/>
+                        </a:rPr>
+                        <a:t>18</a:t>
+                      </a:r>
+                      <a:endParaRPr lang="en-US" sz="1000" b="1" i="0" u="none" strike="noStrike">
+                        <a:solidFill>
+                          <a:srgbClr val="000000"/>
+                        </a:solidFill>
+                        <a:effectLst/>
+                        <a:latin typeface="Arial" panose="020B0604020202020204" pitchFamily="34" charset="0"/>
+                      </a:endParaRPr>
+                    </a:p>
+                  </a:txBody>
+                  <a:tcPr marL="3175" marR="3175" marT="3175" marB="0" anchor="b"/>
+                </a:tc>
+                <a:tc>
+                  <a:txBody>
+                    <a:bodyPr/>
+                    <a:lstStyle/>
+                    <a:p>
+                      <a:pPr algn="ctr" fontAlgn="b"/>
+                      <a:r>
                         <a:rPr lang="en-US" sz="1000" u="none" strike="noStrike" dirty="0">
                           <a:effectLst/>
                         </a:rPr>
-                        <a:t>IL</a:t>
+                        <a:t>22</a:t>
                       </a:r>
                       <a:endParaRPr lang="en-US" sz="1000" b="1" i="0" u="none" strike="noStrike" dirty="0">
                         <a:solidFill>
@@ -8001,10 +8341,33 @@
                     <a:p>
                       <a:pPr algn="ctr" fontAlgn="b"/>
                       <a:r>
+                        <a:rPr lang="en-US" sz="1000" u="none" strike="noStrike" dirty="0">
+                          <a:effectLst/>
+                        </a:rPr>
+                        <a:t>3</a:t>
+                      </a:r>
+                      <a:endParaRPr lang="en-US" sz="1000" b="1" i="0" u="none" strike="noStrike" dirty="0">
+                        <a:solidFill>
+                          <a:srgbClr val="000000"/>
+                        </a:solidFill>
+                        <a:effectLst/>
+                        <a:latin typeface="Arial" panose="020B0604020202020204" pitchFamily="34" charset="0"/>
+                      </a:endParaRPr>
+                    </a:p>
+                  </a:txBody>
+                  <a:tcPr marL="3175" marR="3175" marT="3175" marB="0" anchor="b"/>
+                </a:tc>
+                <a:tc>
+                  <a:txBody>
+                    <a:bodyPr/>
+                    <a:lstStyle/>
+                    <a:p>
+                      <a:pPr algn="ctr" fontAlgn="b"/>
+                      <a:r>
                         <a:rPr lang="en-US" sz="1000" u="none" strike="noStrike">
                           <a:effectLst/>
                         </a:rPr>
-                        <a:t>IN</a:t>
+                        <a:t>4</a:t>
                       </a:r>
                       <a:endParaRPr lang="en-US" sz="1000" b="1" i="0" u="none" strike="noStrike">
                         <a:solidFill>
@@ -8027,7 +8390,7 @@
                         <a:rPr lang="en-US" sz="1000" u="none" strike="noStrike">
                           <a:effectLst/>
                         </a:rPr>
-                        <a:t>KS</a:t>
+                        <a:t>5</a:t>
                       </a:r>
                       <a:endParaRPr lang="en-US" sz="1000" b="1" i="0" u="none" strike="noStrike">
                         <a:solidFill>
@@ -8050,7 +8413,7 @@
                         <a:rPr lang="en-US" sz="1000" u="none" strike="noStrike">
                           <a:effectLst/>
                         </a:rPr>
-                        <a:t>KY</a:t>
+                        <a:t>23</a:t>
                       </a:r>
                       <a:endParaRPr lang="en-US" sz="1000" b="1" i="0" u="none" strike="noStrike">
                         <a:solidFill>
@@ -8073,7 +8436,7 @@
                         <a:rPr lang="en-US" sz="1000" u="none" strike="noStrike">
                           <a:effectLst/>
                         </a:rPr>
-                        <a:t>LA</a:t>
+                        <a:t>7</a:t>
                       </a:r>
                       <a:endParaRPr lang="en-US" sz="1000" b="1" i="0" u="none" strike="noStrike">
                         <a:solidFill>
@@ -8096,7 +8459,7 @@
                         <a:rPr lang="en-US" sz="1000" u="none" strike="noStrike">
                           <a:effectLst/>
                         </a:rPr>
-                        <a:t>MA</a:t>
+                        <a:t>9</a:t>
                       </a:r>
                       <a:endParaRPr lang="en-US" sz="1000" b="1" i="0" u="none" strike="noStrike">
                         <a:solidFill>
@@ -8119,7 +8482,7 @@
                         <a:rPr lang="en-US" sz="1000" u="none" strike="noStrike">
                           <a:effectLst/>
                         </a:rPr>
-                        <a:t>MD</a:t>
+                        <a:t>32</a:t>
                       </a:r>
                       <a:endParaRPr lang="en-US" sz="1000" b="1" i="0" u="none" strike="noStrike">
                         <a:solidFill>
@@ -8142,7 +8505,7 @@
                         <a:rPr lang="en-US" sz="1000" u="none" strike="noStrike">
                           <a:effectLst/>
                         </a:rPr>
-                        <a:t>ME</a:t>
+                        <a:t>12</a:t>
                       </a:r>
                       <a:endParaRPr lang="en-US" sz="1000" b="1" i="0" u="none" strike="noStrike">
                         <a:solidFill>
@@ -8155,6 +8518,13 @@
                   </a:txBody>
                   <a:tcPr marL="3175" marR="3175" marT="3175" marB="0" anchor="b"/>
                 </a:tc>
+                <a:extLst>
+                  <a:ext uri="{0D108BD9-81ED-4DB2-BD59-A6C34878D82A}">
+                    <a16:rowId xmlns:a16="http://schemas.microsoft.com/office/drawing/2014/main" val="1872016988"/>
+                  </a:ext>
+                </a:extLst>
+              </a:tr>
+              <a:tr h="213787">
                 <a:tc>
                   <a:txBody>
                     <a:bodyPr/>
@@ -8165,7 +8535,7 @@
                         <a:rPr lang="en-US" sz="1000" u="none" strike="noStrike">
                           <a:effectLst/>
                         </a:rPr>
-                        <a:t>MI</a:t>
+                        <a:t>MO</a:t>
                       </a:r>
                       <a:endParaRPr lang="en-US" sz="1000" b="1" i="0" u="none" strike="noStrike">
                         <a:solidFill>
@@ -8183,12 +8553,35 @@
                     <a:bodyPr/>
                     <a:lstStyle/>
                     <a:p>
+                      <a:pPr algn="ctr" fontAlgn="ctr"/>
+                      <a:r>
+                        <a:rPr lang="en-US" sz="1000" u="none" strike="noStrike">
+                          <a:effectLst/>
+                        </a:rPr>
+                        <a:t>MS</a:t>
+                      </a:r>
+                      <a:endParaRPr lang="en-US" sz="1000" b="1" i="0" u="none" strike="noStrike">
+                        <a:solidFill>
+                          <a:srgbClr val="333333"/>
+                        </a:solidFill>
+                        <a:effectLst/>
+                        <a:latin typeface="Arial" panose="020B0604020202020204" pitchFamily="34" charset="0"/>
+                      </a:endParaRPr>
+                    </a:p>
+                  </a:txBody>
+                  <a:tcPr marL="3175" marR="3175" marT="3175" marB="0" anchor="ctr"/>
+                </a:tc>
+                <a:tc>
+                  <a:txBody>
+                    <a:bodyPr/>
+                    <a:lstStyle/>
+                    <a:p>
                       <a:pPr algn="ctr" fontAlgn="b"/>
                       <a:r>
                         <a:rPr lang="en-US" sz="1000" u="none" strike="noStrike">
                           <a:effectLst/>
                         </a:rPr>
-                        <a:t>MN</a:t>
+                        <a:t>MT</a:t>
                       </a:r>
                       <a:endParaRPr lang="en-US" sz="1000" b="1" i="0" u="none" strike="noStrike">
                         <a:solidFill>
@@ -8201,13 +8594,6 @@
                   </a:txBody>
                   <a:tcPr marL="3175" marR="3175" marT="3175" marB="0" anchor="b"/>
                 </a:tc>
-                <a:extLst>
-                  <a:ext uri="{0D108BD9-81ED-4DB2-BD59-A6C34878D82A}">
-                    <a16:rowId xmlns:a16="http://schemas.microsoft.com/office/drawing/2014/main" val="4279814043"/>
-                  </a:ext>
-                </a:extLst>
-              </a:tr>
-              <a:tr h="213787">
                 <a:tc>
                   <a:txBody>
                     <a:bodyPr/>
@@ -8218,7 +8604,7 @@
                         <a:rPr lang="en-US" sz="1000" u="none" strike="noStrike">
                           <a:effectLst/>
                         </a:rPr>
-                        <a:t>5</a:t>
+                        <a:t>NC</a:t>
                       </a:r>
                       <a:endParaRPr lang="en-US" sz="1000" b="1" i="0" u="none" strike="noStrike">
                         <a:solidFill>
@@ -8238,10 +8624,33 @@
                     <a:p>
                       <a:pPr algn="ctr" fontAlgn="b"/>
                       <a:r>
+                        <a:rPr lang="en-US" sz="1000" u="none" strike="noStrike" dirty="0">
+                          <a:effectLst/>
+                        </a:rPr>
+                        <a:t>ND</a:t>
+                      </a:r>
+                      <a:endParaRPr lang="en-US" sz="1000" b="1" i="0" u="none" strike="noStrike" dirty="0">
+                        <a:solidFill>
+                          <a:srgbClr val="000000"/>
+                        </a:solidFill>
+                        <a:effectLst/>
+                        <a:latin typeface="Arial" panose="020B0604020202020204" pitchFamily="34" charset="0"/>
+                      </a:endParaRPr>
+                    </a:p>
+                  </a:txBody>
+                  <a:tcPr marL="3175" marR="3175" marT="3175" marB="0" anchor="b"/>
+                </a:tc>
+                <a:tc>
+                  <a:txBody>
+                    <a:bodyPr/>
+                    <a:lstStyle/>
+                    <a:p>
+                      <a:pPr algn="ctr" fontAlgn="b"/>
+                      <a:r>
                         <a:rPr lang="en-US" sz="1000" u="none" strike="noStrike">
                           <a:effectLst/>
                         </a:rPr>
-                        <a:t>5</a:t>
+                        <a:t>NE</a:t>
                       </a:r>
                       <a:endParaRPr lang="en-US" sz="1000" b="1" i="0" u="none" strike="noStrike">
                         <a:solidFill>
@@ -8264,7 +8673,7 @@
                         <a:rPr lang="en-US" sz="1000" u="none" strike="noStrike">
                           <a:effectLst/>
                         </a:rPr>
-                        <a:t>18</a:t>
+                        <a:t>NH</a:t>
                       </a:r>
                       <a:endParaRPr lang="en-US" sz="1000" b="1" i="0" u="none" strike="noStrike">
                         <a:solidFill>
@@ -8284,10 +8693,247 @@
                     <a:p>
                       <a:pPr algn="ctr" fontAlgn="b"/>
                       <a:r>
+                        <a:rPr lang="en-US" sz="1000" u="none" strike="noStrike">
+                          <a:effectLst/>
+                        </a:rPr>
+                        <a:t>NJ</a:t>
+                      </a:r>
+                      <a:endParaRPr lang="en-US" sz="1000" b="1" i="0" u="none" strike="noStrike">
+                        <a:solidFill>
+                          <a:srgbClr val="000000"/>
+                        </a:solidFill>
+                        <a:effectLst/>
+                        <a:latin typeface="Arial" panose="020B0604020202020204" pitchFamily="34" charset="0"/>
+                      </a:endParaRPr>
+                    </a:p>
+                  </a:txBody>
+                  <a:tcPr marL="3175" marR="3175" marT="3175" marB="0" anchor="b"/>
+                </a:tc>
+                <a:tc>
+                  <a:txBody>
+                    <a:bodyPr/>
+                    <a:lstStyle/>
+                    <a:p>
+                      <a:pPr algn="ctr" fontAlgn="b"/>
+                      <a:r>
+                        <a:rPr lang="en-US" sz="1000" u="none" strike="noStrike">
+                          <a:effectLst/>
+                        </a:rPr>
+                        <a:t>NM</a:t>
+                      </a:r>
+                      <a:endParaRPr lang="en-US" sz="1000" b="1" i="0" u="none" strike="noStrike">
+                        <a:solidFill>
+                          <a:srgbClr val="000000"/>
+                        </a:solidFill>
+                        <a:effectLst/>
+                        <a:latin typeface="Arial" panose="020B0604020202020204" pitchFamily="34" charset="0"/>
+                      </a:endParaRPr>
+                    </a:p>
+                  </a:txBody>
+                  <a:tcPr marL="3175" marR="3175" marT="3175" marB="0" anchor="b"/>
+                </a:tc>
+                <a:tc>
+                  <a:txBody>
+                    <a:bodyPr/>
+                    <a:lstStyle/>
+                    <a:p>
+                      <a:pPr algn="ctr" fontAlgn="b"/>
+                      <a:r>
+                        <a:rPr lang="en-US" sz="1000" u="none" strike="noStrike">
+                          <a:effectLst/>
+                        </a:rPr>
+                        <a:t>NV</a:t>
+                      </a:r>
+                      <a:endParaRPr lang="en-US" sz="1000" b="1" i="0" u="none" strike="noStrike">
+                        <a:solidFill>
+                          <a:srgbClr val="000000"/>
+                        </a:solidFill>
+                        <a:effectLst/>
+                        <a:latin typeface="Arial" panose="020B0604020202020204" pitchFamily="34" charset="0"/>
+                      </a:endParaRPr>
+                    </a:p>
+                  </a:txBody>
+                  <a:tcPr marL="3175" marR="3175" marT="3175" marB="0" anchor="b"/>
+                </a:tc>
+                <a:tc>
+                  <a:txBody>
+                    <a:bodyPr/>
+                    <a:lstStyle/>
+                    <a:p>
+                      <a:pPr algn="ctr" fontAlgn="b"/>
+                      <a:r>
+                        <a:rPr lang="en-US" sz="1000" u="none" strike="noStrike">
+                          <a:effectLst/>
+                        </a:rPr>
+                        <a:t>NY</a:t>
+                      </a:r>
+                      <a:endParaRPr lang="en-US" sz="1000" b="1" i="0" u="none" strike="noStrike">
+                        <a:solidFill>
+                          <a:srgbClr val="000000"/>
+                        </a:solidFill>
+                        <a:effectLst/>
+                        <a:latin typeface="Arial" panose="020B0604020202020204" pitchFamily="34" charset="0"/>
+                      </a:endParaRPr>
+                    </a:p>
+                  </a:txBody>
+                  <a:tcPr marL="3175" marR="3175" marT="3175" marB="0" anchor="b"/>
+                </a:tc>
+                <a:tc>
+                  <a:txBody>
+                    <a:bodyPr/>
+                    <a:lstStyle/>
+                    <a:p>
+                      <a:pPr algn="ctr" fontAlgn="b"/>
+                      <a:r>
+                        <a:rPr lang="en-US" sz="1000" u="none" strike="noStrike">
+                          <a:effectLst/>
+                        </a:rPr>
+                        <a:t>OH</a:t>
+                      </a:r>
+                      <a:endParaRPr lang="en-US" sz="1000" b="1" i="0" u="none" strike="noStrike">
+                        <a:solidFill>
+                          <a:srgbClr val="000000"/>
+                        </a:solidFill>
+                        <a:effectLst/>
+                        <a:latin typeface="Arial" panose="020B0604020202020204" pitchFamily="34" charset="0"/>
+                      </a:endParaRPr>
+                    </a:p>
+                  </a:txBody>
+                  <a:tcPr marL="3175" marR="3175" marT="3175" marB="0" anchor="b"/>
+                </a:tc>
+                <a:extLst>
+                  <a:ext uri="{0D108BD9-81ED-4DB2-BD59-A6C34878D82A}">
+                    <a16:rowId xmlns:a16="http://schemas.microsoft.com/office/drawing/2014/main" val="2648278300"/>
+                  </a:ext>
+                </a:extLst>
+              </a:tr>
+              <a:tr h="213787">
+                <a:tc>
+                  <a:txBody>
+                    <a:bodyPr/>
+                    <a:lstStyle/>
+                    <a:p>
+                      <a:pPr algn="ctr" fontAlgn="b"/>
+                      <a:r>
+                        <a:rPr lang="en-US" sz="1000" u="none" strike="noStrike">
+                          <a:effectLst/>
+                        </a:rPr>
+                        <a:t>9</a:t>
+                      </a:r>
+                      <a:endParaRPr lang="en-US" sz="1000" b="1" i="0" u="none" strike="noStrike">
+                        <a:solidFill>
+                          <a:srgbClr val="000000"/>
+                        </a:solidFill>
+                        <a:effectLst/>
+                        <a:latin typeface="Arial" panose="020B0604020202020204" pitchFamily="34" charset="0"/>
+                      </a:endParaRPr>
+                    </a:p>
+                  </a:txBody>
+                  <a:tcPr marL="3175" marR="3175" marT="3175" marB="0" anchor="b"/>
+                </a:tc>
+                <a:tc>
+                  <a:txBody>
+                    <a:bodyPr/>
+                    <a:lstStyle/>
+                    <a:p>
+                      <a:pPr algn="ctr" fontAlgn="ctr"/>
+                      <a:r>
+                        <a:rPr lang="en-US" sz="1000" u="none" strike="noStrike">
+                          <a:effectLst/>
+                        </a:rPr>
+                        <a:t>2</a:t>
+                      </a:r>
+                      <a:endParaRPr lang="en-US" sz="1000" b="1" i="0" u="none" strike="noStrike">
+                        <a:solidFill>
+                          <a:srgbClr val="333333"/>
+                        </a:solidFill>
+                        <a:effectLst/>
+                        <a:latin typeface="Arial" panose="020B0604020202020204" pitchFamily="34" charset="0"/>
+                      </a:endParaRPr>
+                    </a:p>
+                  </a:txBody>
+                  <a:tcPr marL="3175" marR="3175" marT="3175" marB="0" anchor="ctr"/>
+                </a:tc>
+                <a:tc>
+                  <a:txBody>
+                    <a:bodyPr/>
+                    <a:lstStyle/>
+                    <a:p>
+                      <a:pPr algn="ctr" fontAlgn="b"/>
+                      <a:r>
+                        <a:rPr lang="en-US" sz="1000" u="none" strike="noStrike">
+                          <a:effectLst/>
+                        </a:rPr>
+                        <a:t>9</a:t>
+                      </a:r>
+                      <a:endParaRPr lang="en-US" sz="1000" b="1" i="0" u="none" strike="noStrike">
+                        <a:solidFill>
+                          <a:srgbClr val="000000"/>
+                        </a:solidFill>
+                        <a:effectLst/>
+                        <a:latin typeface="Arial" panose="020B0604020202020204" pitchFamily="34" charset="0"/>
+                      </a:endParaRPr>
+                    </a:p>
+                  </a:txBody>
+                  <a:tcPr marL="3175" marR="3175" marT="3175" marB="0" anchor="b"/>
+                </a:tc>
+                <a:tc>
+                  <a:txBody>
+                    <a:bodyPr/>
+                    <a:lstStyle/>
+                    <a:p>
+                      <a:pPr algn="ctr" fontAlgn="b"/>
+                      <a:r>
+                        <a:rPr lang="en-US" sz="1000" u="none" strike="noStrike">
+                          <a:effectLst/>
+                        </a:rPr>
+                        <a:t>19</a:t>
+                      </a:r>
+                      <a:endParaRPr lang="en-US" sz="1000" b="1" i="0" u="none" strike="noStrike">
+                        <a:solidFill>
+                          <a:srgbClr val="000000"/>
+                        </a:solidFill>
+                        <a:effectLst/>
+                        <a:latin typeface="Arial" panose="020B0604020202020204" pitchFamily="34" charset="0"/>
+                      </a:endParaRPr>
+                    </a:p>
+                  </a:txBody>
+                  <a:tcPr marL="3175" marR="3175" marT="3175" marB="0" anchor="b"/>
+                </a:tc>
+                <a:tc>
+                  <a:txBody>
+                    <a:bodyPr/>
+                    <a:lstStyle/>
+                    <a:p>
+                      <a:pPr algn="ctr" fontAlgn="b"/>
+                      <a:r>
+                        <a:rPr lang="en-US" sz="1000" u="none" strike="noStrike">
+                          <a:effectLst/>
+                        </a:rPr>
+                        <a:t>1</a:t>
+                      </a:r>
+                      <a:endParaRPr lang="en-US" sz="1000" b="1" i="0" u="none" strike="noStrike">
+                        <a:solidFill>
+                          <a:srgbClr val="000000"/>
+                        </a:solidFill>
+                        <a:effectLst/>
+                        <a:latin typeface="Arial" panose="020B0604020202020204" pitchFamily="34" charset="0"/>
+                      </a:endParaRPr>
+                    </a:p>
+                  </a:txBody>
+                  <a:tcPr marL="3175" marR="3175" marT="3175" marB="0" anchor="b"/>
+                </a:tc>
+                <a:tc>
+                  <a:txBody>
+                    <a:bodyPr/>
+                    <a:lstStyle/>
+                    <a:p>
+                      <a:pPr algn="ctr" fontAlgn="b"/>
+                      <a:r>
                         <a:rPr lang="en-US" sz="1000" u="none" strike="noStrike" dirty="0">
                           <a:effectLst/>
                         </a:rPr>
-                        <a:t>22</a:t>
+                        <a:t>5</a:t>
                       </a:r>
                       <a:endParaRPr lang="en-US" sz="1000" b="1" i="0" u="none" strike="noStrike" dirty="0">
                         <a:solidFill>
@@ -8330,6 +8976,29 @@
                     <a:p>
                       <a:pPr algn="ctr" fontAlgn="b"/>
                       <a:r>
+                        <a:rPr lang="en-US" sz="1000" u="none" strike="noStrike" dirty="0">
+                          <a:effectLst/>
+                        </a:rPr>
+                        <a:t>3</a:t>
+                      </a:r>
+                      <a:endParaRPr lang="en-US" sz="1000" b="1" i="0" u="none" strike="noStrike" dirty="0">
+                        <a:solidFill>
+                          <a:srgbClr val="000000"/>
+                        </a:solidFill>
+                        <a:effectLst/>
+                        <a:latin typeface="Arial" panose="020B0604020202020204" pitchFamily="34" charset="0"/>
+                      </a:endParaRPr>
+                    </a:p>
+                  </a:txBody>
+                  <a:tcPr marL="3175" marR="3175" marT="3175" marB="0" anchor="b"/>
+                </a:tc>
+                <a:tc>
+                  <a:txBody>
+                    <a:bodyPr/>
+                    <a:lstStyle/>
+                    <a:p>
+                      <a:pPr algn="ctr" fontAlgn="b"/>
+                      <a:r>
                         <a:rPr lang="en-US" sz="1000" u="none" strike="noStrike">
                           <a:effectLst/>
                         </a:rPr>
@@ -8356,7 +9025,7 @@
                         <a:rPr lang="en-US" sz="1000" u="none" strike="noStrike">
                           <a:effectLst/>
                         </a:rPr>
-                        <a:t>5</a:t>
+                        <a:t>2</a:t>
                       </a:r>
                       <a:endParaRPr lang="en-US" sz="1000" b="1" i="0" u="none" strike="noStrike">
                         <a:solidFill>
@@ -8379,7 +9048,7 @@
                         <a:rPr lang="en-US" sz="1000" u="none" strike="noStrike">
                           <a:effectLst/>
                         </a:rPr>
-                        <a:t>23</a:t>
+                        <a:t>16</a:t>
                       </a:r>
                       <a:endParaRPr lang="en-US" sz="1000" b="1" i="0" u="none" strike="noStrike">
                         <a:solidFill>
@@ -8402,7 +9071,7 @@
                         <a:rPr lang="en-US" sz="1000" u="none" strike="noStrike">
                           <a:effectLst/>
                         </a:rPr>
-                        <a:t>7</a:t>
+                        <a:t>15</a:t>
                       </a:r>
                       <a:endParaRPr lang="en-US" sz="1000" b="1" i="0" u="none" strike="noStrike">
                         <a:solidFill>
@@ -8415,6 +9084,36 @@
                   </a:txBody>
                   <a:tcPr marL="3175" marR="3175" marT="3175" marB="0" anchor="b"/>
                 </a:tc>
+                <a:extLst>
+                  <a:ext uri="{0D108BD9-81ED-4DB2-BD59-A6C34878D82A}">
+                    <a16:rowId xmlns:a16="http://schemas.microsoft.com/office/drawing/2014/main" val="1932478320"/>
+                  </a:ext>
+                </a:extLst>
+              </a:tr>
+              <a:tr h="213787">
+                <a:tc>
+                  <a:txBody>
+                    <a:bodyPr/>
+                    <a:lstStyle/>
+                    <a:p>
+                      <a:pPr algn="ctr" fontAlgn="ctr"/>
+                      <a:r>
+                        <a:rPr lang="en-US" sz="1000" u="none" strike="noStrike">
+                          <a:effectLst/>
+                        </a:rPr>
+                        <a:t>OK</a:t>
+                      </a:r>
+                      <a:endParaRPr lang="en-US" sz="1000" b="1" i="0" u="none" strike="noStrike">
+                        <a:solidFill>
+                          <a:srgbClr val="333333"/>
+                        </a:solidFill>
+                        <a:effectLst/>
+                        <a:latin typeface="Arial" panose="020B0604020202020204" pitchFamily="34" charset="0"/>
+                      </a:endParaRPr>
+                    </a:p>
+                  </a:txBody>
+                  <a:tcPr marL="3175" marR="3175" marT="3175" marB="0" anchor="ctr"/>
+                </a:tc>
                 <a:tc>
                   <a:txBody>
                     <a:bodyPr/>
@@ -8425,7 +9124,7 @@
                         <a:rPr lang="en-US" sz="1000" u="none" strike="noStrike">
                           <a:effectLst/>
                         </a:rPr>
-                        <a:t>9</a:t>
+                        <a:t>OR</a:t>
                       </a:r>
                       <a:endParaRPr lang="en-US" sz="1000" b="1" i="0" u="none" strike="noStrike">
                         <a:solidFill>
@@ -8448,7 +9147,7 @@
                         <a:rPr lang="en-US" sz="1000" u="none" strike="noStrike">
                           <a:effectLst/>
                         </a:rPr>
-                        <a:t>32</a:t>
+                        <a:t>PA</a:t>
                       </a:r>
                       <a:endParaRPr lang="en-US" sz="1000" b="1" i="0" u="none" strike="noStrike">
                         <a:solidFill>
@@ -8471,7 +9170,7 @@
                         <a:rPr lang="en-US" sz="1000" u="none" strike="noStrike">
                           <a:effectLst/>
                         </a:rPr>
-                        <a:t>12</a:t>
+                        <a:t>RI</a:t>
                       </a:r>
                       <a:endParaRPr lang="en-US" sz="1000" b="1" i="0" u="none" strike="noStrike">
                         <a:solidFill>
@@ -8484,13 +9183,6 @@
                   </a:txBody>
                   <a:tcPr marL="3175" marR="3175" marT="3175" marB="0" anchor="b"/>
                 </a:tc>
-                <a:extLst>
-                  <a:ext uri="{0D108BD9-81ED-4DB2-BD59-A6C34878D82A}">
-                    <a16:rowId xmlns:a16="http://schemas.microsoft.com/office/drawing/2014/main" val="1872016988"/>
-                  </a:ext>
-                </a:extLst>
-              </a:tr>
-              <a:tr h="213787">
                 <a:tc>
                   <a:txBody>
                     <a:bodyPr/>
@@ -8501,7 +9193,7 @@
                         <a:rPr lang="en-US" sz="1000" u="none" strike="noStrike">
                           <a:effectLst/>
                         </a:rPr>
-                        <a:t>MO</a:t>
+                        <a:t>SC</a:t>
                       </a:r>
                       <a:endParaRPr lang="en-US" sz="1000" b="1" i="0" u="none" strike="noStrike">
                         <a:solidFill>
@@ -8519,12 +9211,180 @@
                     <a:bodyPr/>
                     <a:lstStyle/>
                     <a:p>
+                      <a:pPr algn="ctr" fontAlgn="b"/>
+                      <a:r>
+                        <a:rPr lang="en-US" sz="1000" u="none" strike="noStrike">
+                          <a:effectLst/>
+                        </a:rPr>
+                        <a:t>SD</a:t>
+                      </a:r>
+                      <a:endParaRPr lang="en-US" sz="1000" b="1" i="0" u="none" strike="noStrike">
+                        <a:solidFill>
+                          <a:srgbClr val="000000"/>
+                        </a:solidFill>
+                        <a:effectLst/>
+                        <a:latin typeface="Arial" panose="020B0604020202020204" pitchFamily="34" charset="0"/>
+                      </a:endParaRPr>
+                    </a:p>
+                  </a:txBody>
+                  <a:tcPr marL="3175" marR="3175" marT="3175" marB="0" anchor="b"/>
+                </a:tc>
+                <a:tc>
+                  <a:txBody>
+                    <a:bodyPr/>
+                    <a:lstStyle/>
+                    <a:p>
+                      <a:pPr algn="ctr" fontAlgn="b"/>
+                      <a:r>
+                        <a:rPr lang="en-US" sz="1000" u="none" strike="noStrike">
+                          <a:effectLst/>
+                        </a:rPr>
+                        <a:t>TN</a:t>
+                      </a:r>
+                      <a:endParaRPr lang="en-US" sz="1000" b="1" i="0" u="none" strike="noStrike">
+                        <a:solidFill>
+                          <a:srgbClr val="000000"/>
+                        </a:solidFill>
+                        <a:effectLst/>
+                        <a:latin typeface="Arial" panose="020B0604020202020204" pitchFamily="34" charset="0"/>
+                      </a:endParaRPr>
+                    </a:p>
+                  </a:txBody>
+                  <a:tcPr marL="3175" marR="3175" marT="3175" marB="0" anchor="b"/>
+                </a:tc>
+                <a:tc>
+                  <a:txBody>
+                    <a:bodyPr/>
+                    <a:lstStyle/>
+                    <a:p>
+                      <a:pPr algn="ctr" fontAlgn="b"/>
+                      <a:r>
+                        <a:rPr lang="en-US" sz="1000" u="none" strike="noStrike" dirty="0">
+                          <a:effectLst/>
+                        </a:rPr>
+                        <a:t>TX</a:t>
+                      </a:r>
+                      <a:endParaRPr lang="en-US" sz="1000" b="1" i="0" u="none" strike="noStrike" dirty="0">
+                        <a:solidFill>
+                          <a:srgbClr val="000000"/>
+                        </a:solidFill>
+                        <a:effectLst/>
+                        <a:latin typeface="Arial" panose="020B0604020202020204" pitchFamily="34" charset="0"/>
+                      </a:endParaRPr>
+                    </a:p>
+                  </a:txBody>
+                  <a:tcPr marL="3175" marR="3175" marT="3175" marB="0" anchor="b"/>
+                </a:tc>
+                <a:tc>
+                  <a:txBody>
+                    <a:bodyPr/>
+                    <a:lstStyle/>
+                    <a:p>
+                      <a:pPr algn="ctr" fontAlgn="b"/>
+                      <a:r>
+                        <a:rPr lang="en-US" sz="1000" u="none" strike="noStrike" dirty="0">
+                          <a:effectLst/>
+                        </a:rPr>
+                        <a:t>UT</a:t>
+                      </a:r>
+                      <a:endParaRPr lang="en-US" sz="1000" b="1" i="0" u="none" strike="noStrike" dirty="0">
+                        <a:solidFill>
+                          <a:srgbClr val="000000"/>
+                        </a:solidFill>
+                        <a:effectLst/>
+                        <a:latin typeface="Arial" panose="020B0604020202020204" pitchFamily="34" charset="0"/>
+                      </a:endParaRPr>
+                    </a:p>
+                  </a:txBody>
+                  <a:tcPr marL="3175" marR="3175" marT="3175" marB="0" anchor="b"/>
+                </a:tc>
+                <a:tc>
+                  <a:txBody>
+                    <a:bodyPr/>
+                    <a:lstStyle/>
+                    <a:p>
+                      <a:pPr algn="ctr" fontAlgn="b"/>
+                      <a:r>
+                        <a:rPr lang="en-US" sz="1000" u="none" strike="noStrike">
+                          <a:effectLst/>
+                        </a:rPr>
+                        <a:t>VA</a:t>
+                      </a:r>
+                      <a:endParaRPr lang="en-US" sz="1000" b="1" i="0" u="none" strike="noStrike">
+                        <a:solidFill>
+                          <a:srgbClr val="000000"/>
+                        </a:solidFill>
+                        <a:effectLst/>
+                        <a:latin typeface="Arial" panose="020B0604020202020204" pitchFamily="34" charset="0"/>
+                      </a:endParaRPr>
+                    </a:p>
+                  </a:txBody>
+                  <a:tcPr marL="3175" marR="3175" marT="3175" marB="0" anchor="b"/>
+                </a:tc>
+                <a:tc>
+                  <a:txBody>
+                    <a:bodyPr/>
+                    <a:lstStyle/>
+                    <a:p>
+                      <a:pPr algn="ctr" fontAlgn="b"/>
+                      <a:r>
+                        <a:rPr lang="en-US" sz="1000" u="none" strike="noStrike">
+                          <a:effectLst/>
+                        </a:rPr>
+                        <a:t>VT</a:t>
+                      </a:r>
+                      <a:endParaRPr lang="en-US" sz="1000" b="1" i="0" u="none" strike="noStrike">
+                        <a:solidFill>
+                          <a:srgbClr val="000000"/>
+                        </a:solidFill>
+                        <a:effectLst/>
+                        <a:latin typeface="Arial" panose="020B0604020202020204" pitchFamily="34" charset="0"/>
+                      </a:endParaRPr>
+                    </a:p>
+                  </a:txBody>
+                  <a:tcPr marL="3175" marR="3175" marT="3175" marB="0" anchor="b"/>
+                </a:tc>
+                <a:tc>
+                  <a:txBody>
+                    <a:bodyPr/>
+                    <a:lstStyle/>
+                    <a:p>
+                      <a:pPr algn="ctr" fontAlgn="b"/>
+                      <a:r>
+                        <a:rPr lang="en-US" sz="1000" u="none" strike="noStrike">
+                          <a:effectLst/>
+                        </a:rPr>
+                        <a:t>WA</a:t>
+                      </a:r>
+                      <a:endParaRPr lang="en-US" sz="1000" b="1" i="0" u="none" strike="noStrike">
+                        <a:solidFill>
+                          <a:srgbClr val="000000"/>
+                        </a:solidFill>
+                        <a:effectLst/>
+                        <a:latin typeface="Arial" panose="020B0604020202020204" pitchFamily="34" charset="0"/>
+                      </a:endParaRPr>
+                    </a:p>
+                  </a:txBody>
+                  <a:tcPr marL="3175" marR="3175" marT="3175" marB="0" anchor="b"/>
+                </a:tc>
+                <a:extLst>
+                  <a:ext uri="{0D108BD9-81ED-4DB2-BD59-A6C34878D82A}">
+                    <a16:rowId xmlns:a16="http://schemas.microsoft.com/office/drawing/2014/main" val="1070090293"/>
+                  </a:ext>
+                </a:extLst>
+              </a:tr>
+              <a:tr h="213787">
+                <a:tc>
+                  <a:txBody>
+                    <a:bodyPr/>
+                    <a:lstStyle/>
+                    <a:p>
                       <a:pPr algn="ctr" fontAlgn="ctr"/>
                       <a:r>
                         <a:rPr lang="en-US" sz="1000" u="none" strike="noStrike">
                           <a:effectLst/>
                         </a:rPr>
-                        <a:t>MS</a:t>
+                        <a:t>6</a:t>
                       </a:r>
                       <a:endParaRPr lang="en-US" sz="1000" b="1" i="0" u="none" strike="noStrike">
                         <a:solidFill>
@@ -8547,7 +9407,7 @@
                         <a:rPr lang="en-US" sz="1000" u="none" strike="noStrike">
                           <a:effectLst/>
                         </a:rPr>
-                        <a:t>MT</a:t>
+                        <a:t>29</a:t>
                       </a:r>
                       <a:endParaRPr lang="en-US" sz="1000" b="1" i="0" u="none" strike="noStrike">
                         <a:solidFill>
@@ -8570,7 +9430,7 @@
                         <a:rPr lang="en-US" sz="1000" u="none" strike="noStrike">
                           <a:effectLst/>
                         </a:rPr>
-                        <a:t>NC</a:t>
+                        <a:t>25</a:t>
                       </a:r>
                       <a:endParaRPr lang="en-US" sz="1000" b="1" i="0" u="none" strike="noStrike">
                         <a:solidFill>
@@ -8590,33 +9450,10 @@
                     <a:p>
                       <a:pPr algn="ctr" fontAlgn="b"/>
                       <a:r>
-                        <a:rPr lang="en-US" sz="1000" u="none" strike="noStrike" dirty="0">
-                          <a:effectLst/>
-                        </a:rPr>
-                        <a:t>ND</a:t>
-                      </a:r>
-                      <a:endParaRPr lang="en-US" sz="1000" b="1" i="0" u="none" strike="noStrike" dirty="0">
-                        <a:solidFill>
-                          <a:srgbClr val="000000"/>
-                        </a:solidFill>
-                        <a:effectLst/>
-                        <a:latin typeface="Arial" panose="020B0604020202020204" pitchFamily="34" charset="0"/>
-                      </a:endParaRPr>
-                    </a:p>
-                  </a:txBody>
-                  <a:tcPr marL="3175" marR="3175" marT="3175" marB="0" anchor="b"/>
-                </a:tc>
-                <a:tc>
-                  <a:txBody>
-                    <a:bodyPr/>
-                    <a:lstStyle/>
-                    <a:p>
-                      <a:pPr algn="ctr" fontAlgn="b"/>
-                      <a:r>
                         <a:rPr lang="en-US" sz="1000" u="none" strike="noStrike">
                           <a:effectLst/>
                         </a:rPr>
-                        <a:t>NE</a:t>
+                        <a:t>5</a:t>
                       </a:r>
                       <a:endParaRPr lang="en-US" sz="1000" b="1" i="0" u="none" strike="noStrike">
                         <a:solidFill>
@@ -8639,7 +9476,7 @@
                         <a:rPr lang="en-US" sz="1000" u="none" strike="noStrike">
                           <a:effectLst/>
                         </a:rPr>
-                        <a:t>NH</a:t>
+                        <a:t>4</a:t>
                       </a:r>
                       <a:endParaRPr lang="en-US" sz="1000" b="1" i="0" u="none" strike="noStrike">
                         <a:solidFill>
@@ -8659,815 +9496,12 @@
                     <a:p>
                       <a:pPr algn="ctr" fontAlgn="b"/>
                       <a:r>
-                        <a:rPr lang="en-US" sz="1000" u="none" strike="noStrike">
-                          <a:effectLst/>
-                        </a:rPr>
-                        <a:t>NJ</a:t>
-                      </a:r>
-                      <a:endParaRPr lang="en-US" sz="1000" b="1" i="0" u="none" strike="noStrike">
-                        <a:solidFill>
-                          <a:srgbClr val="000000"/>
-                        </a:solidFill>
-                        <a:effectLst/>
-                        <a:latin typeface="Arial" panose="020B0604020202020204" pitchFamily="34" charset="0"/>
-                      </a:endParaRPr>
-                    </a:p>
-                  </a:txBody>
-                  <a:tcPr marL="3175" marR="3175" marT="3175" marB="0" anchor="b"/>
-                </a:tc>
-                <a:tc>
-                  <a:txBody>
-                    <a:bodyPr/>
-                    <a:lstStyle/>
-                    <a:p>
-                      <a:pPr algn="ctr" fontAlgn="b"/>
-                      <a:r>
-                        <a:rPr lang="en-US" sz="1000" u="none" strike="noStrike">
-                          <a:effectLst/>
-                        </a:rPr>
-                        <a:t>NM</a:t>
-                      </a:r>
-                      <a:endParaRPr lang="en-US" sz="1000" b="1" i="0" u="none" strike="noStrike">
-                        <a:solidFill>
-                          <a:srgbClr val="000000"/>
-                        </a:solidFill>
-                        <a:effectLst/>
-                        <a:latin typeface="Arial" panose="020B0604020202020204" pitchFamily="34" charset="0"/>
-                      </a:endParaRPr>
-                    </a:p>
-                  </a:txBody>
-                  <a:tcPr marL="3175" marR="3175" marT="3175" marB="0" anchor="b"/>
-                </a:tc>
-                <a:tc>
-                  <a:txBody>
-                    <a:bodyPr/>
-                    <a:lstStyle/>
-                    <a:p>
-                      <a:pPr algn="ctr" fontAlgn="b"/>
-                      <a:r>
-                        <a:rPr lang="en-US" sz="1000" u="none" strike="noStrike">
-                          <a:effectLst/>
-                        </a:rPr>
-                        <a:t>NV</a:t>
-                      </a:r>
-                      <a:endParaRPr lang="en-US" sz="1000" b="1" i="0" u="none" strike="noStrike">
-                        <a:solidFill>
-                          <a:srgbClr val="000000"/>
-                        </a:solidFill>
-                        <a:effectLst/>
-                        <a:latin typeface="Arial" panose="020B0604020202020204" pitchFamily="34" charset="0"/>
-                      </a:endParaRPr>
-                    </a:p>
-                  </a:txBody>
-                  <a:tcPr marL="3175" marR="3175" marT="3175" marB="0" anchor="b"/>
-                </a:tc>
-                <a:tc>
-                  <a:txBody>
-                    <a:bodyPr/>
-                    <a:lstStyle/>
-                    <a:p>
-                      <a:pPr algn="ctr" fontAlgn="b"/>
-                      <a:r>
-                        <a:rPr lang="en-US" sz="1000" u="none" strike="noStrike">
-                          <a:effectLst/>
-                        </a:rPr>
-                        <a:t>NY</a:t>
-                      </a:r>
-                      <a:endParaRPr lang="en-US" sz="1000" b="1" i="0" u="none" strike="noStrike">
-                        <a:solidFill>
-                          <a:srgbClr val="000000"/>
-                        </a:solidFill>
-                        <a:effectLst/>
-                        <a:latin typeface="Arial" panose="020B0604020202020204" pitchFamily="34" charset="0"/>
-                      </a:endParaRPr>
-                    </a:p>
-                  </a:txBody>
-                  <a:tcPr marL="3175" marR="3175" marT="3175" marB="0" anchor="b"/>
-                </a:tc>
-                <a:tc>
-                  <a:txBody>
-                    <a:bodyPr/>
-                    <a:lstStyle/>
-                    <a:p>
-                      <a:pPr algn="ctr" fontAlgn="b"/>
-                      <a:r>
-                        <a:rPr lang="en-US" sz="1000" u="none" strike="noStrike">
-                          <a:effectLst/>
-                        </a:rPr>
-                        <a:t>OH</a:t>
-                      </a:r>
-                      <a:endParaRPr lang="en-US" sz="1000" b="1" i="0" u="none" strike="noStrike">
-                        <a:solidFill>
-                          <a:srgbClr val="000000"/>
-                        </a:solidFill>
-                        <a:effectLst/>
-                        <a:latin typeface="Arial" panose="020B0604020202020204" pitchFamily="34" charset="0"/>
-                      </a:endParaRPr>
-                    </a:p>
-                  </a:txBody>
-                  <a:tcPr marL="3175" marR="3175" marT="3175" marB="0" anchor="b"/>
-                </a:tc>
-                <a:extLst>
-                  <a:ext uri="{0D108BD9-81ED-4DB2-BD59-A6C34878D82A}">
-                    <a16:rowId xmlns:a16="http://schemas.microsoft.com/office/drawing/2014/main" val="2648278300"/>
-                  </a:ext>
-                </a:extLst>
-              </a:tr>
-              <a:tr h="213787">
-                <a:tc>
-                  <a:txBody>
-                    <a:bodyPr/>
-                    <a:lstStyle/>
-                    <a:p>
-                      <a:pPr algn="ctr" fontAlgn="b"/>
-                      <a:r>
-                        <a:rPr lang="en-US" sz="1000" u="none" strike="noStrike">
-                          <a:effectLst/>
-                        </a:rPr>
-                        <a:t>9</a:t>
-                      </a:r>
-                      <a:endParaRPr lang="en-US" sz="1000" b="1" i="0" u="none" strike="noStrike">
-                        <a:solidFill>
-                          <a:srgbClr val="000000"/>
-                        </a:solidFill>
-                        <a:effectLst/>
-                        <a:latin typeface="Arial" panose="020B0604020202020204" pitchFamily="34" charset="0"/>
-                      </a:endParaRPr>
-                    </a:p>
-                  </a:txBody>
-                  <a:tcPr marL="3175" marR="3175" marT="3175" marB="0" anchor="b"/>
-                </a:tc>
-                <a:tc>
-                  <a:txBody>
-                    <a:bodyPr/>
-                    <a:lstStyle/>
-                    <a:p>
-                      <a:pPr algn="ctr" fontAlgn="ctr"/>
-                      <a:r>
-                        <a:rPr lang="en-US" sz="1000" u="none" strike="noStrike">
-                          <a:effectLst/>
-                        </a:rPr>
-                        <a:t>2</a:t>
-                      </a:r>
-                      <a:endParaRPr lang="en-US" sz="1000" b="1" i="0" u="none" strike="noStrike">
-                        <a:solidFill>
-                          <a:srgbClr val="333333"/>
-                        </a:solidFill>
-                        <a:effectLst/>
-                        <a:latin typeface="Arial" panose="020B0604020202020204" pitchFamily="34" charset="0"/>
-                      </a:endParaRPr>
-                    </a:p>
-                  </a:txBody>
-                  <a:tcPr marL="3175" marR="3175" marT="3175" marB="0" anchor="ctr"/>
-                </a:tc>
-                <a:tc>
-                  <a:txBody>
-                    <a:bodyPr/>
-                    <a:lstStyle/>
-                    <a:p>
-                      <a:pPr algn="ctr" fontAlgn="b"/>
-                      <a:r>
-                        <a:rPr lang="en-US" sz="1000" u="none" strike="noStrike">
-                          <a:effectLst/>
-                        </a:rPr>
-                        <a:t>9</a:t>
-                      </a:r>
-                      <a:endParaRPr lang="en-US" sz="1000" b="1" i="0" u="none" strike="noStrike">
-                        <a:solidFill>
-                          <a:srgbClr val="000000"/>
-                        </a:solidFill>
-                        <a:effectLst/>
-                        <a:latin typeface="Arial" panose="020B0604020202020204" pitchFamily="34" charset="0"/>
-                      </a:endParaRPr>
-                    </a:p>
-                  </a:txBody>
-                  <a:tcPr marL="3175" marR="3175" marT="3175" marB="0" anchor="b"/>
-                </a:tc>
-                <a:tc>
-                  <a:txBody>
-                    <a:bodyPr/>
-                    <a:lstStyle/>
-                    <a:p>
-                      <a:pPr algn="ctr" fontAlgn="b"/>
-                      <a:r>
-                        <a:rPr lang="en-US" sz="1000" u="none" strike="noStrike">
-                          <a:effectLst/>
-                        </a:rPr>
-                        <a:t>19</a:t>
-                      </a:r>
-                      <a:endParaRPr lang="en-US" sz="1000" b="1" i="0" u="none" strike="noStrike">
-                        <a:solidFill>
-                          <a:srgbClr val="000000"/>
-                        </a:solidFill>
-                        <a:effectLst/>
-                        <a:latin typeface="Arial" panose="020B0604020202020204" pitchFamily="34" charset="0"/>
-                      </a:endParaRPr>
-                    </a:p>
-                  </a:txBody>
-                  <a:tcPr marL="3175" marR="3175" marT="3175" marB="0" anchor="b"/>
-                </a:tc>
-                <a:tc>
-                  <a:txBody>
-                    <a:bodyPr/>
-                    <a:lstStyle/>
-                    <a:p>
-                      <a:pPr algn="ctr" fontAlgn="b"/>
-                      <a:r>
-                        <a:rPr lang="en-US" sz="1000" u="none" strike="noStrike">
+                        <a:rPr lang="en-US" sz="1000" u="none" strike="noStrike" dirty="0">
                           <a:effectLst/>
                         </a:rPr>
                         <a:t>1</a:t>
                       </a:r>
-                      <a:endParaRPr lang="en-US" sz="1000" b="1" i="0" u="none" strike="noStrike">
-                        <a:solidFill>
-                          <a:srgbClr val="000000"/>
-                        </a:solidFill>
-                        <a:effectLst/>
-                        <a:latin typeface="Arial" panose="020B0604020202020204" pitchFamily="34" charset="0"/>
-                      </a:endParaRPr>
-                    </a:p>
-                  </a:txBody>
-                  <a:tcPr marL="3175" marR="3175" marT="3175" marB="0" anchor="b"/>
-                </a:tc>
-                <a:tc>
-                  <a:txBody>
-                    <a:bodyPr/>
-                    <a:lstStyle/>
-                    <a:p>
-                      <a:pPr algn="ctr" fontAlgn="b"/>
-                      <a:r>
-                        <a:rPr lang="en-US" sz="1000" u="none" strike="noStrike" dirty="0">
-                          <a:effectLst/>
-                        </a:rPr>
-                        <a:t>5</a:t>
-                      </a:r>
                       <a:endParaRPr lang="en-US" sz="1000" b="1" i="0" u="none" strike="noStrike" dirty="0">
-                        <a:solidFill>
-                          <a:srgbClr val="000000"/>
-                        </a:solidFill>
-                        <a:effectLst/>
-                        <a:latin typeface="Arial" panose="020B0604020202020204" pitchFamily="34" charset="0"/>
-                      </a:endParaRPr>
-                    </a:p>
-                  </a:txBody>
-                  <a:tcPr marL="3175" marR="3175" marT="3175" marB="0" anchor="b"/>
-                </a:tc>
-                <a:tc>
-                  <a:txBody>
-                    <a:bodyPr/>
-                    <a:lstStyle/>
-                    <a:p>
-                      <a:pPr algn="ctr" fontAlgn="b"/>
-                      <a:r>
-                        <a:rPr lang="en-US" sz="1000" u="none" strike="noStrike" dirty="0">
-                          <a:effectLst/>
-                        </a:rPr>
-                        <a:t>3</a:t>
-                      </a:r>
-                      <a:endParaRPr lang="en-US" sz="1000" b="1" i="0" u="none" strike="noStrike" dirty="0">
-                        <a:solidFill>
-                          <a:srgbClr val="000000"/>
-                        </a:solidFill>
-                        <a:effectLst/>
-                        <a:latin typeface="Arial" panose="020B0604020202020204" pitchFamily="34" charset="0"/>
-                      </a:endParaRPr>
-                    </a:p>
-                  </a:txBody>
-                  <a:tcPr marL="3175" marR="3175" marT="3175" marB="0" anchor="b"/>
-                </a:tc>
-                <a:tc>
-                  <a:txBody>
-                    <a:bodyPr/>
-                    <a:lstStyle/>
-                    <a:p>
-                      <a:pPr algn="ctr" fontAlgn="b"/>
-                      <a:r>
-                        <a:rPr lang="en-US" sz="1000" u="none" strike="noStrike" dirty="0">
-                          <a:effectLst/>
-                        </a:rPr>
-                        <a:t>3</a:t>
-                      </a:r>
-                      <a:endParaRPr lang="en-US" sz="1000" b="1" i="0" u="none" strike="noStrike" dirty="0">
-                        <a:solidFill>
-                          <a:srgbClr val="000000"/>
-                        </a:solidFill>
-                        <a:effectLst/>
-                        <a:latin typeface="Arial" panose="020B0604020202020204" pitchFamily="34" charset="0"/>
-                      </a:endParaRPr>
-                    </a:p>
-                  </a:txBody>
-                  <a:tcPr marL="3175" marR="3175" marT="3175" marB="0" anchor="b"/>
-                </a:tc>
-                <a:tc>
-                  <a:txBody>
-                    <a:bodyPr/>
-                    <a:lstStyle/>
-                    <a:p>
-                      <a:pPr algn="ctr" fontAlgn="b"/>
-                      <a:r>
-                        <a:rPr lang="en-US" sz="1000" u="none" strike="noStrike">
-                          <a:effectLst/>
-                        </a:rPr>
-                        <a:t>4</a:t>
-                      </a:r>
-                      <a:endParaRPr lang="en-US" sz="1000" b="1" i="0" u="none" strike="noStrike">
-                        <a:solidFill>
-                          <a:srgbClr val="000000"/>
-                        </a:solidFill>
-                        <a:effectLst/>
-                        <a:latin typeface="Arial" panose="020B0604020202020204" pitchFamily="34" charset="0"/>
-                      </a:endParaRPr>
-                    </a:p>
-                  </a:txBody>
-                  <a:tcPr marL="3175" marR="3175" marT="3175" marB="0" anchor="b"/>
-                </a:tc>
-                <a:tc>
-                  <a:txBody>
-                    <a:bodyPr/>
-                    <a:lstStyle/>
-                    <a:p>
-                      <a:pPr algn="ctr" fontAlgn="b"/>
-                      <a:r>
-                        <a:rPr lang="en-US" sz="1000" u="none" strike="noStrike">
-                          <a:effectLst/>
-                        </a:rPr>
-                        <a:t>2</a:t>
-                      </a:r>
-                      <a:endParaRPr lang="en-US" sz="1000" b="1" i="0" u="none" strike="noStrike">
-                        <a:solidFill>
-                          <a:srgbClr val="000000"/>
-                        </a:solidFill>
-                        <a:effectLst/>
-                        <a:latin typeface="Arial" panose="020B0604020202020204" pitchFamily="34" charset="0"/>
-                      </a:endParaRPr>
-                    </a:p>
-                  </a:txBody>
-                  <a:tcPr marL="3175" marR="3175" marT="3175" marB="0" anchor="b"/>
-                </a:tc>
-                <a:tc>
-                  <a:txBody>
-                    <a:bodyPr/>
-                    <a:lstStyle/>
-                    <a:p>
-                      <a:pPr algn="ctr" fontAlgn="b"/>
-                      <a:r>
-                        <a:rPr lang="en-US" sz="1000" u="none" strike="noStrike">
-                          <a:effectLst/>
-                        </a:rPr>
-                        <a:t>16</a:t>
-                      </a:r>
-                      <a:endParaRPr lang="en-US" sz="1000" b="1" i="0" u="none" strike="noStrike">
-                        <a:solidFill>
-                          <a:srgbClr val="000000"/>
-                        </a:solidFill>
-                        <a:effectLst/>
-                        <a:latin typeface="Arial" panose="020B0604020202020204" pitchFamily="34" charset="0"/>
-                      </a:endParaRPr>
-                    </a:p>
-                  </a:txBody>
-                  <a:tcPr marL="3175" marR="3175" marT="3175" marB="0" anchor="b"/>
-                </a:tc>
-                <a:tc>
-                  <a:txBody>
-                    <a:bodyPr/>
-                    <a:lstStyle/>
-                    <a:p>
-                      <a:pPr algn="ctr" fontAlgn="b"/>
-                      <a:r>
-                        <a:rPr lang="en-US" sz="1000" u="none" strike="noStrike">
-                          <a:effectLst/>
-                        </a:rPr>
-                        <a:t>15</a:t>
-                      </a:r>
-                      <a:endParaRPr lang="en-US" sz="1000" b="1" i="0" u="none" strike="noStrike">
-                        <a:solidFill>
-                          <a:srgbClr val="000000"/>
-                        </a:solidFill>
-                        <a:effectLst/>
-                        <a:latin typeface="Arial" panose="020B0604020202020204" pitchFamily="34" charset="0"/>
-                      </a:endParaRPr>
-                    </a:p>
-                  </a:txBody>
-                  <a:tcPr marL="3175" marR="3175" marT="3175" marB="0" anchor="b"/>
-                </a:tc>
-                <a:extLst>
-                  <a:ext uri="{0D108BD9-81ED-4DB2-BD59-A6C34878D82A}">
-                    <a16:rowId xmlns:a16="http://schemas.microsoft.com/office/drawing/2014/main" val="1932478320"/>
-                  </a:ext>
-                </a:extLst>
-              </a:tr>
-              <a:tr h="213787">
-                <a:tc>
-                  <a:txBody>
-                    <a:bodyPr/>
-                    <a:lstStyle/>
-                    <a:p>
-                      <a:pPr algn="ctr" fontAlgn="ctr"/>
-                      <a:r>
-                        <a:rPr lang="en-US" sz="1000" u="none" strike="noStrike">
-                          <a:effectLst/>
-                        </a:rPr>
-                        <a:t>OK</a:t>
-                      </a:r>
-                      <a:endParaRPr lang="en-US" sz="1000" b="1" i="0" u="none" strike="noStrike">
-                        <a:solidFill>
-                          <a:srgbClr val="333333"/>
-                        </a:solidFill>
-                        <a:effectLst/>
-                        <a:latin typeface="Arial" panose="020B0604020202020204" pitchFamily="34" charset="0"/>
-                      </a:endParaRPr>
-                    </a:p>
-                  </a:txBody>
-                  <a:tcPr marL="3175" marR="3175" marT="3175" marB="0" anchor="ctr"/>
-                </a:tc>
-                <a:tc>
-                  <a:txBody>
-                    <a:bodyPr/>
-                    <a:lstStyle/>
-                    <a:p>
-                      <a:pPr algn="ctr" fontAlgn="b"/>
-                      <a:r>
-                        <a:rPr lang="en-US" sz="1000" u="none" strike="noStrike">
-                          <a:effectLst/>
-                        </a:rPr>
-                        <a:t>OR</a:t>
-                      </a:r>
-                      <a:endParaRPr lang="en-US" sz="1000" b="1" i="0" u="none" strike="noStrike">
-                        <a:solidFill>
-                          <a:srgbClr val="000000"/>
-                        </a:solidFill>
-                        <a:effectLst/>
-                        <a:latin typeface="Arial" panose="020B0604020202020204" pitchFamily="34" charset="0"/>
-                      </a:endParaRPr>
-                    </a:p>
-                  </a:txBody>
-                  <a:tcPr marL="3175" marR="3175" marT="3175" marB="0" anchor="b"/>
-                </a:tc>
-                <a:tc>
-                  <a:txBody>
-                    <a:bodyPr/>
-                    <a:lstStyle/>
-                    <a:p>
-                      <a:pPr algn="ctr" fontAlgn="b"/>
-                      <a:r>
-                        <a:rPr lang="en-US" sz="1000" u="none" strike="noStrike">
-                          <a:effectLst/>
-                        </a:rPr>
-                        <a:t>PA</a:t>
-                      </a:r>
-                      <a:endParaRPr lang="en-US" sz="1000" b="1" i="0" u="none" strike="noStrike">
-                        <a:solidFill>
-                          <a:srgbClr val="000000"/>
-                        </a:solidFill>
-                        <a:effectLst/>
-                        <a:latin typeface="Arial" panose="020B0604020202020204" pitchFamily="34" charset="0"/>
-                      </a:endParaRPr>
-                    </a:p>
-                  </a:txBody>
-                  <a:tcPr marL="3175" marR="3175" marT="3175" marB="0" anchor="b"/>
-                </a:tc>
-                <a:tc>
-                  <a:txBody>
-                    <a:bodyPr/>
-                    <a:lstStyle/>
-                    <a:p>
-                      <a:pPr algn="ctr" fontAlgn="b"/>
-                      <a:r>
-                        <a:rPr lang="en-US" sz="1000" u="none" strike="noStrike">
-                          <a:effectLst/>
-                        </a:rPr>
-                        <a:t>RI</a:t>
-                      </a:r>
-                      <a:endParaRPr lang="en-US" sz="1000" b="1" i="0" u="none" strike="noStrike">
-                        <a:solidFill>
-                          <a:srgbClr val="000000"/>
-                        </a:solidFill>
-                        <a:effectLst/>
-                        <a:latin typeface="Arial" panose="020B0604020202020204" pitchFamily="34" charset="0"/>
-                      </a:endParaRPr>
-                    </a:p>
-                  </a:txBody>
-                  <a:tcPr marL="3175" marR="3175" marT="3175" marB="0" anchor="b"/>
-                </a:tc>
-                <a:tc>
-                  <a:txBody>
-                    <a:bodyPr/>
-                    <a:lstStyle/>
-                    <a:p>
-                      <a:pPr algn="ctr" fontAlgn="b"/>
-                      <a:r>
-                        <a:rPr lang="en-US" sz="1000" u="none" strike="noStrike">
-                          <a:effectLst/>
-                        </a:rPr>
-                        <a:t>SC</a:t>
-                      </a:r>
-                      <a:endParaRPr lang="en-US" sz="1000" b="1" i="0" u="none" strike="noStrike">
-                        <a:solidFill>
-                          <a:srgbClr val="000000"/>
-                        </a:solidFill>
-                        <a:effectLst/>
-                        <a:latin typeface="Arial" panose="020B0604020202020204" pitchFamily="34" charset="0"/>
-                      </a:endParaRPr>
-                    </a:p>
-                  </a:txBody>
-                  <a:tcPr marL="3175" marR="3175" marT="3175" marB="0" anchor="b"/>
-                </a:tc>
-                <a:tc>
-                  <a:txBody>
-                    <a:bodyPr/>
-                    <a:lstStyle/>
-                    <a:p>
-                      <a:pPr algn="ctr" fontAlgn="b"/>
-                      <a:r>
-                        <a:rPr lang="en-US" sz="1000" u="none" strike="noStrike">
-                          <a:effectLst/>
-                        </a:rPr>
-                        <a:t>SD</a:t>
-                      </a:r>
-                      <a:endParaRPr lang="en-US" sz="1000" b="1" i="0" u="none" strike="noStrike">
-                        <a:solidFill>
-                          <a:srgbClr val="000000"/>
-                        </a:solidFill>
-                        <a:effectLst/>
-                        <a:latin typeface="Arial" panose="020B0604020202020204" pitchFamily="34" charset="0"/>
-                      </a:endParaRPr>
-                    </a:p>
-                  </a:txBody>
-                  <a:tcPr marL="3175" marR="3175" marT="3175" marB="0" anchor="b"/>
-                </a:tc>
-                <a:tc>
-                  <a:txBody>
-                    <a:bodyPr/>
-                    <a:lstStyle/>
-                    <a:p>
-                      <a:pPr algn="ctr" fontAlgn="b"/>
-                      <a:r>
-                        <a:rPr lang="en-US" sz="1000" u="none" strike="noStrike">
-                          <a:effectLst/>
-                        </a:rPr>
-                        <a:t>TN</a:t>
-                      </a:r>
-                      <a:endParaRPr lang="en-US" sz="1000" b="1" i="0" u="none" strike="noStrike">
-                        <a:solidFill>
-                          <a:srgbClr val="000000"/>
-                        </a:solidFill>
-                        <a:effectLst/>
-                        <a:latin typeface="Arial" panose="020B0604020202020204" pitchFamily="34" charset="0"/>
-                      </a:endParaRPr>
-                    </a:p>
-                  </a:txBody>
-                  <a:tcPr marL="3175" marR="3175" marT="3175" marB="0" anchor="b"/>
-                </a:tc>
-                <a:tc>
-                  <a:txBody>
-                    <a:bodyPr/>
-                    <a:lstStyle/>
-                    <a:p>
-                      <a:pPr algn="ctr" fontAlgn="b"/>
-                      <a:r>
-                        <a:rPr lang="en-US" sz="1000" u="none" strike="noStrike" dirty="0">
-                          <a:effectLst/>
-                        </a:rPr>
-                        <a:t>TX</a:t>
-                      </a:r>
-                      <a:endParaRPr lang="en-US" sz="1000" b="1" i="0" u="none" strike="noStrike" dirty="0">
-                        <a:solidFill>
-                          <a:srgbClr val="000000"/>
-                        </a:solidFill>
-                        <a:effectLst/>
-                        <a:latin typeface="Arial" panose="020B0604020202020204" pitchFamily="34" charset="0"/>
-                      </a:endParaRPr>
-                    </a:p>
-                  </a:txBody>
-                  <a:tcPr marL="3175" marR="3175" marT="3175" marB="0" anchor="b"/>
-                </a:tc>
-                <a:tc>
-                  <a:txBody>
-                    <a:bodyPr/>
-                    <a:lstStyle/>
-                    <a:p>
-                      <a:pPr algn="ctr" fontAlgn="b"/>
-                      <a:r>
-                        <a:rPr lang="en-US" sz="1000" u="none" strike="noStrike" dirty="0">
-                          <a:effectLst/>
-                        </a:rPr>
-                        <a:t>UT</a:t>
-                      </a:r>
-                      <a:endParaRPr lang="en-US" sz="1000" b="1" i="0" u="none" strike="noStrike" dirty="0">
-                        <a:solidFill>
-                          <a:srgbClr val="000000"/>
-                        </a:solidFill>
-                        <a:effectLst/>
-                        <a:latin typeface="Arial" panose="020B0604020202020204" pitchFamily="34" charset="0"/>
-                      </a:endParaRPr>
-                    </a:p>
-                  </a:txBody>
-                  <a:tcPr marL="3175" marR="3175" marT="3175" marB="0" anchor="b"/>
-                </a:tc>
-                <a:tc>
-                  <a:txBody>
-                    <a:bodyPr/>
-                    <a:lstStyle/>
-                    <a:p>
-                      <a:pPr algn="ctr" fontAlgn="b"/>
-                      <a:r>
-                        <a:rPr lang="en-US" sz="1000" u="none" strike="noStrike">
-                          <a:effectLst/>
-                        </a:rPr>
-                        <a:t>VA</a:t>
-                      </a:r>
-                      <a:endParaRPr lang="en-US" sz="1000" b="1" i="0" u="none" strike="noStrike">
-                        <a:solidFill>
-                          <a:srgbClr val="000000"/>
-                        </a:solidFill>
-                        <a:effectLst/>
-                        <a:latin typeface="Arial" panose="020B0604020202020204" pitchFamily="34" charset="0"/>
-                      </a:endParaRPr>
-                    </a:p>
-                  </a:txBody>
-                  <a:tcPr marL="3175" marR="3175" marT="3175" marB="0" anchor="b"/>
-                </a:tc>
-                <a:tc>
-                  <a:txBody>
-                    <a:bodyPr/>
-                    <a:lstStyle/>
-                    <a:p>
-                      <a:pPr algn="ctr" fontAlgn="b"/>
-                      <a:r>
-                        <a:rPr lang="en-US" sz="1000" u="none" strike="noStrike">
-                          <a:effectLst/>
-                        </a:rPr>
-                        <a:t>VT</a:t>
-                      </a:r>
-                      <a:endParaRPr lang="en-US" sz="1000" b="1" i="0" u="none" strike="noStrike">
-                        <a:solidFill>
-                          <a:srgbClr val="000000"/>
-                        </a:solidFill>
-                        <a:effectLst/>
-                        <a:latin typeface="Arial" panose="020B0604020202020204" pitchFamily="34" charset="0"/>
-                      </a:endParaRPr>
-                    </a:p>
-                  </a:txBody>
-                  <a:tcPr marL="3175" marR="3175" marT="3175" marB="0" anchor="b"/>
-                </a:tc>
-                <a:tc>
-                  <a:txBody>
-                    <a:bodyPr/>
-                    <a:lstStyle/>
-                    <a:p>
-                      <a:pPr algn="ctr" fontAlgn="b"/>
-                      <a:r>
-                        <a:rPr lang="en-US" sz="1000" u="none" strike="noStrike">
-                          <a:effectLst/>
-                        </a:rPr>
-                        <a:t>WA</a:t>
-                      </a:r>
-                      <a:endParaRPr lang="en-US" sz="1000" b="1" i="0" u="none" strike="noStrike">
-                        <a:solidFill>
-                          <a:srgbClr val="000000"/>
-                        </a:solidFill>
-                        <a:effectLst/>
-                        <a:latin typeface="Arial" panose="020B0604020202020204" pitchFamily="34" charset="0"/>
-                      </a:endParaRPr>
-                    </a:p>
-                  </a:txBody>
-                  <a:tcPr marL="3175" marR="3175" marT="3175" marB="0" anchor="b"/>
-                </a:tc>
-                <a:extLst>
-                  <a:ext uri="{0D108BD9-81ED-4DB2-BD59-A6C34878D82A}">
-                    <a16:rowId xmlns:a16="http://schemas.microsoft.com/office/drawing/2014/main" val="1070090293"/>
-                  </a:ext>
-                </a:extLst>
-              </a:tr>
-              <a:tr h="213787">
-                <a:tc>
-                  <a:txBody>
-                    <a:bodyPr/>
-                    <a:lstStyle/>
-                    <a:p>
-                      <a:pPr algn="ctr" fontAlgn="ctr"/>
-                      <a:r>
-                        <a:rPr lang="en-US" sz="1000" u="none" strike="noStrike">
-                          <a:effectLst/>
-                        </a:rPr>
-                        <a:t>6</a:t>
-                      </a:r>
-                      <a:endParaRPr lang="en-US" sz="1000" b="1" i="0" u="none" strike="noStrike">
-                        <a:solidFill>
-                          <a:srgbClr val="333333"/>
-                        </a:solidFill>
-                        <a:effectLst/>
-                        <a:latin typeface="Arial" panose="020B0604020202020204" pitchFamily="34" charset="0"/>
-                      </a:endParaRPr>
-                    </a:p>
-                  </a:txBody>
-                  <a:tcPr marL="3175" marR="3175" marT="3175" marB="0" anchor="ctr"/>
-                </a:tc>
-                <a:tc>
-                  <a:txBody>
-                    <a:bodyPr/>
-                    <a:lstStyle/>
-                    <a:p>
-                      <a:pPr algn="ctr" fontAlgn="b"/>
-                      <a:r>
-                        <a:rPr lang="en-US" sz="1000" u="none" strike="noStrike">
-                          <a:effectLst/>
-                        </a:rPr>
-                        <a:t>29</a:t>
-                      </a:r>
-                      <a:endParaRPr lang="en-US" sz="1000" b="1" i="0" u="none" strike="noStrike">
-                        <a:solidFill>
-                          <a:srgbClr val="000000"/>
-                        </a:solidFill>
-                        <a:effectLst/>
-                        <a:latin typeface="Arial" panose="020B0604020202020204" pitchFamily="34" charset="0"/>
-                      </a:endParaRPr>
-                    </a:p>
-                  </a:txBody>
-                  <a:tcPr marL="3175" marR="3175" marT="3175" marB="0" anchor="b"/>
-                </a:tc>
-                <a:tc>
-                  <a:txBody>
-                    <a:bodyPr/>
-                    <a:lstStyle/>
-                    <a:p>
-                      <a:pPr algn="ctr" fontAlgn="b"/>
-                      <a:r>
-                        <a:rPr lang="en-US" sz="1000" u="none" strike="noStrike">
-                          <a:effectLst/>
-                        </a:rPr>
-                        <a:t>25</a:t>
-                      </a:r>
-                      <a:endParaRPr lang="en-US" sz="1000" b="1" i="0" u="none" strike="noStrike">
-                        <a:solidFill>
-                          <a:srgbClr val="000000"/>
-                        </a:solidFill>
-                        <a:effectLst/>
-                        <a:latin typeface="Arial" panose="020B0604020202020204" pitchFamily="34" charset="0"/>
-                      </a:endParaRPr>
-                    </a:p>
-                  </a:txBody>
-                  <a:tcPr marL="3175" marR="3175" marT="3175" marB="0" anchor="b"/>
-                </a:tc>
-                <a:tc>
-                  <a:txBody>
-                    <a:bodyPr/>
-                    <a:lstStyle/>
-                    <a:p>
-                      <a:pPr algn="ctr" fontAlgn="b"/>
-                      <a:r>
-                        <a:rPr lang="en-US" sz="1000" u="none" strike="noStrike">
-                          <a:effectLst/>
-                        </a:rPr>
-                        <a:t>5</a:t>
-                      </a:r>
-                      <a:endParaRPr lang="en-US" sz="1000" b="1" i="0" u="none" strike="noStrike">
-                        <a:solidFill>
-                          <a:srgbClr val="000000"/>
-                        </a:solidFill>
-                        <a:effectLst/>
-                        <a:latin typeface="Arial" panose="020B0604020202020204" pitchFamily="34" charset="0"/>
-                      </a:endParaRPr>
-                    </a:p>
-                  </a:txBody>
-                  <a:tcPr marL="3175" marR="3175" marT="3175" marB="0" anchor="b"/>
-                </a:tc>
-                <a:tc>
-                  <a:txBody>
-                    <a:bodyPr/>
-                    <a:lstStyle/>
-                    <a:p>
-                      <a:pPr algn="ctr" fontAlgn="b"/>
-                      <a:r>
-                        <a:rPr lang="en-US" sz="1000" u="none" strike="noStrike">
-                          <a:effectLst/>
-                        </a:rPr>
-                        <a:t>4</a:t>
-                      </a:r>
-                      <a:endParaRPr lang="en-US" sz="1000" b="1" i="0" u="none" strike="noStrike">
-                        <a:solidFill>
-                          <a:srgbClr val="000000"/>
-                        </a:solidFill>
-                        <a:effectLst/>
-                        <a:latin typeface="Arial" panose="020B0604020202020204" pitchFamily="34" charset="0"/>
-                      </a:endParaRPr>
-                    </a:p>
-                  </a:txBody>
-                  <a:tcPr marL="3175" marR="3175" marT="3175" marB="0" anchor="b"/>
-                </a:tc>
-                <a:tc>
-                  <a:txBody>
-                    <a:bodyPr/>
-                    <a:lstStyle/>
-                    <a:p>
-                      <a:pPr algn="ctr" fontAlgn="b"/>
-                      <a:r>
-                        <a:rPr lang="en-US" sz="1000" u="none" strike="noStrike">
-                          <a:effectLst/>
-                        </a:rPr>
-                        <a:t>1</a:t>
-                      </a:r>
-                      <a:endParaRPr lang="en-US" sz="1000" b="1" i="0" u="none" strike="noStrike">
                         <a:solidFill>
                           <a:srgbClr val="000000"/>
                         </a:solidFill>

--- a/Beer Study.pptx
+++ b/Beer Study.pptx
@@ -6376,8 +6376,8 @@
         </p:nvSpPr>
         <p:spPr>
           <a:xfrm>
-            <a:off x="2434130" y="1848475"/>
-            <a:ext cx="2438489" cy="1446550"/>
+            <a:off x="1428185" y="1848475"/>
+            <a:ext cx="4450385" cy="1446550"/>
           </a:xfrm>
           <a:prstGeom prst="rect">
             <a:avLst/>
@@ -6420,7 +6420,7 @@
                   </a:outerShdw>
                 </a:effectLst>
               </a:rPr>
-              <a:t>Q&amp;A</a:t>
+              <a:t>Question</a:t>
             </a:r>
           </a:p>
         </p:txBody>

--- a/Beer Study.pptx
+++ b/Beer Study.pptx
@@ -7,6 +7,9 @@
   <p:notesMasterIdLst>
     <p:notesMasterId r:id="rId22"/>
   </p:notesMasterIdLst>
+  <p:handoutMasterIdLst>
+    <p:handoutMasterId r:id="rId23"/>
+  </p:handoutMasterIdLst>
   <p:sldIdLst>
     <p:sldId id="256" r:id="rId2"/>
     <p:sldId id="259" r:id="rId3"/>
@@ -30,7 +33,7 @@
     <p:sldId id="279" r:id="rId21"/>
   </p:sldIdLst>
   <p:sldSz cx="9144000" cy="5143500" type="screen16x9"/>
-  <p:notesSz cx="6858000" cy="9144000"/>
+  <p:notesSz cx="7102475" cy="9388475"/>
   <p:defaultTextStyle>
     <a:defPPr>
       <a:defRPr lang="en-US"/>
@@ -145,6 +148,171 @@
 </p:presentation>
 </file>
 
+<file path=ppt/handoutMasters/handoutMaster1.xml><?xml version="1.0" encoding="utf-8"?>
+<p:handoutMaster xmlns:a="http://schemas.openxmlformats.org/drawingml/2006/main" xmlns:r="http://schemas.openxmlformats.org/officeDocument/2006/relationships" xmlns:p="http://schemas.openxmlformats.org/presentationml/2006/main">
+  <p:cSld>
+    <p:bg>
+      <p:bgRef idx="1001">
+        <a:schemeClr val="bg1"/>
+      </p:bgRef>
+    </p:bg>
+    <p:spTree>
+      <p:nvGrpSpPr>
+        <p:cNvPr id="1" name=""/>
+        <p:cNvGrpSpPr/>
+        <p:nvPr/>
+      </p:nvGrpSpPr>
+      <p:grpSpPr>
+        <a:xfrm>
+          <a:off x="0" y="0"/>
+          <a:ext cx="0" cy="0"/>
+          <a:chOff x="0" y="0"/>
+          <a:chExt cx="0" cy="0"/>
+        </a:xfrm>
+      </p:grpSpPr>
+      <p:sp>
+        <p:nvSpPr>
+          <p:cNvPr id="2" name="Header Placeholder 1"/>
+          <p:cNvSpPr>
+            <a:spLocks noGrp="1"/>
+          </p:cNvSpPr>
+          <p:nvPr>
+            <p:ph type="hdr" sz="quarter"/>
+          </p:nvPr>
+        </p:nvSpPr>
+        <p:spPr>
+          <a:xfrm>
+            <a:off x="0" y="0"/>
+            <a:ext cx="3077739" cy="471054"/>
+          </a:xfrm>
+          <a:prstGeom prst="rect">
+            <a:avLst/>
+          </a:prstGeom>
+        </p:spPr>
+        <p:txBody>
+          <a:bodyPr vert="horz" lIns="94229" tIns="47114" rIns="94229" bIns="47114" rtlCol="0"/>
+          <a:lstStyle>
+            <a:lvl1pPr algn="l">
+              <a:defRPr sz="1200"/>
+            </a:lvl1pPr>
+          </a:lstStyle>
+          <a:p>
+            <a:endParaRPr lang="en-US"/>
+          </a:p>
+        </p:txBody>
+      </p:sp>
+      <p:sp>
+        <p:nvSpPr>
+          <p:cNvPr id="3" name="Date Placeholder 2"/>
+          <p:cNvSpPr>
+            <a:spLocks noGrp="1"/>
+          </p:cNvSpPr>
+          <p:nvPr>
+            <p:ph type="dt" sz="quarter" idx="1"/>
+          </p:nvPr>
+        </p:nvSpPr>
+        <p:spPr>
+          <a:xfrm>
+            <a:off x="4023092" y="0"/>
+            <a:ext cx="3077739" cy="471054"/>
+          </a:xfrm>
+          <a:prstGeom prst="rect">
+            <a:avLst/>
+          </a:prstGeom>
+        </p:spPr>
+        <p:txBody>
+          <a:bodyPr vert="horz" lIns="94229" tIns="47114" rIns="94229" bIns="47114" rtlCol="0"/>
+          <a:lstStyle>
+            <a:lvl1pPr algn="r">
+              <a:defRPr sz="1200"/>
+            </a:lvl1pPr>
+          </a:lstStyle>
+          <a:p>
+            <a:fld id="{AD2EDF5C-8F2F-4E83-B483-90338D04B9AE}" type="datetimeFigureOut">
+              <a:rPr lang="en-US" smtClean="0"/>
+              <a:t>3/1/2019</a:t>
+            </a:fld>
+            <a:endParaRPr lang="en-US"/>
+          </a:p>
+        </p:txBody>
+      </p:sp>
+      <p:sp>
+        <p:nvSpPr>
+          <p:cNvPr id="4" name="Footer Placeholder 3"/>
+          <p:cNvSpPr>
+            <a:spLocks noGrp="1"/>
+          </p:cNvSpPr>
+          <p:nvPr>
+            <p:ph type="ftr" sz="quarter" idx="2"/>
+          </p:nvPr>
+        </p:nvSpPr>
+        <p:spPr>
+          <a:xfrm>
+            <a:off x="0" y="8917422"/>
+            <a:ext cx="3077739" cy="471053"/>
+          </a:xfrm>
+          <a:prstGeom prst="rect">
+            <a:avLst/>
+          </a:prstGeom>
+        </p:spPr>
+        <p:txBody>
+          <a:bodyPr vert="horz" lIns="94229" tIns="47114" rIns="94229" bIns="47114" rtlCol="0" anchor="b"/>
+          <a:lstStyle>
+            <a:lvl1pPr algn="l">
+              <a:defRPr sz="1200"/>
+            </a:lvl1pPr>
+          </a:lstStyle>
+          <a:p>
+            <a:endParaRPr lang="en-US"/>
+          </a:p>
+        </p:txBody>
+      </p:sp>
+      <p:sp>
+        <p:nvSpPr>
+          <p:cNvPr id="5" name="Slide Number Placeholder 4"/>
+          <p:cNvSpPr>
+            <a:spLocks noGrp="1"/>
+          </p:cNvSpPr>
+          <p:nvPr>
+            <p:ph type="sldNum" sz="quarter" idx="3"/>
+          </p:nvPr>
+        </p:nvSpPr>
+        <p:spPr>
+          <a:xfrm>
+            <a:off x="4023092" y="8917422"/>
+            <a:ext cx="3077739" cy="471053"/>
+          </a:xfrm>
+          <a:prstGeom prst="rect">
+            <a:avLst/>
+          </a:prstGeom>
+        </p:spPr>
+        <p:txBody>
+          <a:bodyPr vert="horz" lIns="94229" tIns="47114" rIns="94229" bIns="47114" rtlCol="0" anchor="b"/>
+          <a:lstStyle>
+            <a:lvl1pPr algn="r">
+              <a:defRPr sz="1200"/>
+            </a:lvl1pPr>
+          </a:lstStyle>
+          <a:p>
+            <a:fld id="{584FE1F2-60B4-489A-BBE4-C21750F94D0A}" type="slidenum">
+              <a:rPr lang="en-US" smtClean="0"/>
+              <a:t>‹#›</a:t>
+            </a:fld>
+            <a:endParaRPr lang="en-US"/>
+          </a:p>
+        </p:txBody>
+      </p:sp>
+    </p:spTree>
+    <p:extLst>
+      <p:ext uri="{BB962C8B-B14F-4D97-AF65-F5344CB8AC3E}">
+        <p14:creationId xmlns:p14="http://schemas.microsoft.com/office/powerpoint/2010/main" val="3188606201"/>
+      </p:ext>
+    </p:extLst>
+  </p:cSld>
+  <p:clrMap bg1="lt1" tx1="dk1" bg2="lt2" tx2="dk2" accent1="accent1" accent2="accent2" accent3="accent3" accent4="accent4" accent5="accent5" accent6="accent6" hlink="hlink" folHlink="folHlink"/>
+</p:handoutMaster>
+</file>
+
 <file path=ppt/notesMasters/notesMaster1.xml><?xml version="1.0" encoding="utf-8"?>
 <p:notesMaster xmlns:a="http://schemas.openxmlformats.org/drawingml/2006/main" xmlns:r="http://schemas.openxmlformats.org/officeDocument/2006/relationships" xmlns:p="http://schemas.openxmlformats.org/presentationml/2006/main">
   <p:cSld>
@@ -180,14 +348,14 @@
         <p:spPr>
           <a:xfrm>
             <a:off x="0" y="0"/>
-            <a:ext cx="2971800" cy="458788"/>
+            <a:ext cx="3077739" cy="471054"/>
           </a:xfrm>
           <a:prstGeom prst="rect">
             <a:avLst/>
           </a:prstGeom>
         </p:spPr>
         <p:txBody>
-          <a:bodyPr vert="horz" lIns="91440" tIns="45720" rIns="91440" bIns="45720" rtlCol="0"/>
+          <a:bodyPr vert="horz" lIns="94229" tIns="47114" rIns="94229" bIns="47114" rtlCol="0"/>
           <a:lstStyle>
             <a:lvl1pPr algn="l">
               <a:defRPr sz="1200"/>
@@ -210,15 +378,15 @@
         </p:nvSpPr>
         <p:spPr>
           <a:xfrm>
-            <a:off x="3884613" y="0"/>
-            <a:ext cx="2971800" cy="458788"/>
+            <a:off x="4023092" y="0"/>
+            <a:ext cx="3077739" cy="471054"/>
           </a:xfrm>
           <a:prstGeom prst="rect">
             <a:avLst/>
           </a:prstGeom>
         </p:spPr>
         <p:txBody>
-          <a:bodyPr vert="horz" lIns="91440" tIns="45720" rIns="91440" bIns="45720" rtlCol="0"/>
+          <a:bodyPr vert="horz" lIns="94229" tIns="47114" rIns="94229" bIns="47114" rtlCol="0"/>
           <a:lstStyle>
             <a:lvl1pPr algn="r">
               <a:defRPr sz="1200"/>
@@ -227,7 +395,7 @@
           <a:p>
             <a:fld id="{8804A2DC-EA9B-4788-A95D-B4E5D9EA756F}" type="datetimeFigureOut">
               <a:rPr lang="en-US" smtClean="0"/>
-              <a:t>2/28/2019</a:t>
+              <a:t>3/1/2019</a:t>
             </a:fld>
             <a:endParaRPr lang="en-US"/>
           </a:p>
@@ -245,8 +413,8 @@
         </p:nvSpPr>
         <p:spPr>
           <a:xfrm>
-            <a:off x="685800" y="1143000"/>
-            <a:ext cx="5486400" cy="3086100"/>
+            <a:off x="735013" y="1173163"/>
+            <a:ext cx="5632450" cy="3168650"/>
           </a:xfrm>
           <a:prstGeom prst="rect">
             <a:avLst/>
@@ -259,7 +427,7 @@
           </a:ln>
         </p:spPr>
         <p:txBody>
-          <a:bodyPr vert="horz" lIns="91440" tIns="45720" rIns="91440" bIns="45720" rtlCol="0" anchor="ctr"/>
+          <a:bodyPr vert="horz" lIns="94229" tIns="47114" rIns="94229" bIns="47114" rtlCol="0" anchor="ctr"/>
           <a:lstStyle/>
           <a:p>
             <a:endParaRPr lang="en-US"/>
@@ -278,15 +446,15 @@
         </p:nvSpPr>
         <p:spPr>
           <a:xfrm>
-            <a:off x="685800" y="4400550"/>
-            <a:ext cx="5486400" cy="3600450"/>
+            <a:off x="710248" y="4518204"/>
+            <a:ext cx="5681980" cy="3696712"/>
           </a:xfrm>
           <a:prstGeom prst="rect">
             <a:avLst/>
           </a:prstGeom>
         </p:spPr>
         <p:txBody>
-          <a:bodyPr vert="horz" lIns="91440" tIns="45720" rIns="91440" bIns="45720" rtlCol="0"/>
+          <a:bodyPr vert="horz" lIns="94229" tIns="47114" rIns="94229" bIns="47114" rtlCol="0"/>
           <a:lstStyle/>
           <a:p>
             <a:pPr lvl="0"/>
@@ -337,15 +505,15 @@
         </p:nvSpPr>
         <p:spPr>
           <a:xfrm>
-            <a:off x="0" y="8685213"/>
-            <a:ext cx="2971800" cy="458787"/>
+            <a:off x="0" y="8917422"/>
+            <a:ext cx="3077739" cy="471053"/>
           </a:xfrm>
           <a:prstGeom prst="rect">
             <a:avLst/>
           </a:prstGeom>
         </p:spPr>
         <p:txBody>
-          <a:bodyPr vert="horz" lIns="91440" tIns="45720" rIns="91440" bIns="45720" rtlCol="0" anchor="b"/>
+          <a:bodyPr vert="horz" lIns="94229" tIns="47114" rIns="94229" bIns="47114" rtlCol="0" anchor="b"/>
           <a:lstStyle>
             <a:lvl1pPr algn="l">
               <a:defRPr sz="1200"/>
@@ -368,15 +536,15 @@
         </p:nvSpPr>
         <p:spPr>
           <a:xfrm>
-            <a:off x="3884613" y="8685213"/>
-            <a:ext cx="2971800" cy="458787"/>
+            <a:off x="4023092" y="8917422"/>
+            <a:ext cx="3077739" cy="471053"/>
           </a:xfrm>
           <a:prstGeom prst="rect">
             <a:avLst/>
           </a:prstGeom>
         </p:spPr>
         <p:txBody>
-          <a:bodyPr vert="horz" lIns="91440" tIns="45720" rIns="91440" bIns="45720" rtlCol="0" anchor="b"/>
+          <a:bodyPr vert="horz" lIns="94229" tIns="47114" rIns="94229" bIns="47114" rtlCol="0" anchor="b"/>
           <a:lstStyle>
             <a:lvl1pPr algn="r">
               <a:defRPr sz="1200"/>
@@ -706,7 +874,7 @@
             <a:fld id="{53074F12-AA26-4AC8-9962-C36BB8F32554}" type="datetimeFigureOut">
               <a:rPr lang="en-US" smtClean="0"/>
               <a:pPr/>
-              <a:t>2/28/2019</a:t>
+              <a:t>3/1/2019</a:t>
             </a:fld>
             <a:endParaRPr lang="en-US"/>
           </a:p>
@@ -960,7 +1128,7 @@
             <a:fld id="{53074F12-AA26-4AC8-9962-C36BB8F32554}" type="datetimeFigureOut">
               <a:rPr lang="en-US" smtClean="0"/>
               <a:pPr/>
-              <a:t>2/28/2019</a:t>
+              <a:t>3/1/2019</a:t>
             </a:fld>
             <a:endParaRPr lang="en-US"/>
           </a:p>
@@ -1130,7 +1298,7 @@
             <a:fld id="{53074F12-AA26-4AC8-9962-C36BB8F32554}" type="datetimeFigureOut">
               <a:rPr lang="en-US" smtClean="0"/>
               <a:pPr/>
-              <a:t>2/28/2019</a:t>
+              <a:t>3/1/2019</a:t>
             </a:fld>
             <a:endParaRPr lang="en-US"/>
           </a:p>
@@ -1310,7 +1478,7 @@
             <a:fld id="{53074F12-AA26-4AC8-9962-C36BB8F32554}" type="datetimeFigureOut">
               <a:rPr lang="en-US" smtClean="0"/>
               <a:pPr/>
-              <a:t>2/28/2019</a:t>
+              <a:t>3/1/2019</a:t>
             </a:fld>
             <a:endParaRPr lang="en-US"/>
           </a:p>
@@ -1592,7 +1760,7 @@
             <a:fld id="{53074F12-AA26-4AC8-9962-C36BB8F32554}" type="datetimeFigureOut">
               <a:rPr lang="en-US" smtClean="0"/>
               <a:pPr/>
-              <a:t>2/28/2019</a:t>
+              <a:t>3/1/2019</a:t>
             </a:fld>
             <a:endParaRPr lang="en-US"/>
           </a:p>
@@ -1839,7 +2007,7 @@
             <a:fld id="{53074F12-AA26-4AC8-9962-C36BB8F32554}" type="datetimeFigureOut">
               <a:rPr lang="en-US" smtClean="0"/>
               <a:pPr/>
-              <a:t>2/28/2019</a:t>
+              <a:t>3/1/2019</a:t>
             </a:fld>
             <a:endParaRPr lang="en-US"/>
           </a:p>
@@ -2086,7 +2254,7 @@
             <a:fld id="{53074F12-AA26-4AC8-9962-C36BB8F32554}" type="datetimeFigureOut">
               <a:rPr lang="en-US" smtClean="0"/>
               <a:pPr/>
-              <a:t>2/28/2019</a:t>
+              <a:t>3/1/2019</a:t>
             </a:fld>
             <a:endParaRPr lang="en-US"/>
           </a:p>
@@ -2373,7 +2541,7 @@
             <a:fld id="{53074F12-AA26-4AC8-9962-C36BB8F32554}" type="datetimeFigureOut">
               <a:rPr lang="en-US" smtClean="0"/>
               <a:pPr/>
-              <a:t>2/28/2019</a:t>
+              <a:t>3/1/2019</a:t>
             </a:fld>
             <a:endParaRPr lang="en-US"/>
           </a:p>
@@ -2860,7 +3028,7 @@
             <a:fld id="{53074F12-AA26-4AC8-9962-C36BB8F32554}" type="datetimeFigureOut">
               <a:rPr lang="en-US" smtClean="0"/>
               <a:pPr/>
-              <a:t>2/28/2019</a:t>
+              <a:t>3/1/2019</a:t>
             </a:fld>
             <a:endParaRPr lang="en-US"/>
           </a:p>
@@ -2979,7 +3147,7 @@
             <a:fld id="{53074F12-AA26-4AC8-9962-C36BB8F32554}" type="datetimeFigureOut">
               <a:rPr lang="en-US" smtClean="0"/>
               <a:pPr/>
-              <a:t>2/28/2019</a:t>
+              <a:t>3/1/2019</a:t>
             </a:fld>
             <a:endParaRPr lang="en-US"/>
           </a:p>
@@ -3076,7 +3244,7 @@
             <a:fld id="{53074F12-AA26-4AC8-9962-C36BB8F32554}" type="datetimeFigureOut">
               <a:rPr lang="en-US" smtClean="0"/>
               <a:pPr/>
-              <a:t>2/28/2019</a:t>
+              <a:t>3/1/2019</a:t>
             </a:fld>
             <a:endParaRPr lang="en-US"/>
           </a:p>
@@ -3353,7 +3521,7 @@
             <a:fld id="{53074F12-AA26-4AC8-9962-C36BB8F32554}" type="datetimeFigureOut">
               <a:rPr lang="en-US" smtClean="0"/>
               <a:pPr/>
-              <a:t>2/28/2019</a:t>
+              <a:t>3/1/2019</a:t>
             </a:fld>
             <a:endParaRPr lang="en-US"/>
           </a:p>
@@ -3575,7 +3743,7 @@
             <a:fld id="{53074F12-AA26-4AC8-9962-C36BB8F32554}" type="datetimeFigureOut">
               <a:rPr lang="en-US" smtClean="0"/>
               <a:pPr/>
-              <a:t>2/28/2019</a:t>
+              <a:t>3/1/2019</a:t>
             </a:fld>
             <a:endParaRPr lang="en-US"/>
           </a:p>
@@ -4078,6 +4246,9 @@
   <p:clrMapOvr>
     <a:masterClrMapping/>
   </p:clrMapOvr>
+  <p:transition spd="med">
+    <p:pull/>
+  </p:transition>
 </p:sld>
 </file>
 
@@ -4220,6 +4391,9 @@
   <p:clrMapOvr>
     <a:masterClrMapping/>
   </p:clrMapOvr>
+  <p:transition spd="med">
+    <p:pull/>
+  </p:transition>
   <p:timing>
     <p:tnLst>
       <p:par>
@@ -4498,13 +4672,19 @@
             <p:ph type="title"/>
           </p:nvPr>
         </p:nvSpPr>
-        <p:spPr/>
+        <p:spPr>
+          <a:xfrm>
+            <a:off x="143555" y="433880"/>
+            <a:ext cx="6260905" cy="572644"/>
+          </a:xfrm>
+        </p:spPr>
         <p:txBody>
           <a:bodyPr vert="horz" lIns="91440" tIns="45720" rIns="91440" bIns="45720" rtlCol="0" anchor="ctr">
             <a:normAutofit fontScale="90000"/>
           </a:bodyPr>
           <a:lstStyle/>
           <a:p>
+            <a:pPr algn="ctr"/>
             <a:r>
               <a:rPr lang="en-US" b="1" dirty="0">
                 <a:latin typeface="Arial" panose="020B0604020202020204" pitchFamily="34" charset="0"/>
@@ -4533,9 +4713,7 @@
         </p:nvSpPr>
         <p:spPr/>
         <p:txBody>
-          <a:bodyPr>
-            <a:normAutofit fontScale="77500" lnSpcReduction="20000"/>
-          </a:bodyPr>
+          <a:bodyPr/>
           <a:lstStyle/>
           <a:p>
             <a:r>
@@ -4559,20 +4737,7 @@
                 <a:latin typeface="Arial" panose="020B0604020202020204" pitchFamily="34" charset="0"/>
                 <a:cs typeface="Arial" panose="020B0604020202020204" pitchFamily="34" charset="0"/>
               </a:rPr>
-              <a:t>Colorado    0.128</a:t>
-            </a:r>
-          </a:p>
-          <a:p>
-            <a:pPr lvl="1"/>
-            <a:r>
-              <a:rPr lang="en-US" dirty="0">
-                <a:solidFill>
-                  <a:schemeClr val="tx1"/>
-                </a:solidFill>
-                <a:latin typeface="Arial" panose="020B0604020202020204" pitchFamily="34" charset="0"/>
-                <a:cs typeface="Arial" panose="020B0604020202020204" pitchFamily="34" charset="0"/>
-              </a:rPr>
-              <a:t>Upslope Brewing Company for beer Lee Hill Series Vol. 5</a:t>
+              <a:t>Colorado 0.128</a:t>
             </a:r>
           </a:p>
           <a:p>
@@ -4597,20 +4762,7 @@
                 <a:latin typeface="Arial" panose="020B0604020202020204" pitchFamily="34" charset="0"/>
                 <a:cs typeface="Arial" panose="020B0604020202020204" pitchFamily="34" charset="0"/>
               </a:rPr>
-              <a:t>Oregon    138</a:t>
-            </a:r>
-          </a:p>
-          <a:p>
-            <a:pPr lvl="1"/>
-            <a:r>
-              <a:rPr lang="en-US" dirty="0">
-                <a:solidFill>
-                  <a:schemeClr val="tx1"/>
-                </a:solidFill>
-                <a:latin typeface="Arial" panose="020B0604020202020204" pitchFamily="34" charset="0"/>
-                <a:cs typeface="Arial" panose="020B0604020202020204" pitchFamily="34" charset="0"/>
-              </a:rPr>
-              <a:t>Astoria Brewing Company for beer Bitter Bitch Imperial IPA</a:t>
+              <a:t>Oregon 138</a:t>
             </a:r>
           </a:p>
         </p:txBody>
@@ -4625,6 +4777,250 @@
   <p:clrMapOvr>
     <a:masterClrMapping/>
   </p:clrMapOvr>
+  <p:transition spd="med">
+    <p:pull/>
+  </p:transition>
+  <p:timing>
+    <p:tnLst>
+      <p:par>
+        <p:cTn id="1" dur="indefinite" restart="never" nodeType="tmRoot">
+          <p:childTnLst>
+            <p:seq concurrent="1" nextAc="seek">
+              <p:cTn id="2" dur="indefinite" nodeType="mainSeq">
+                <p:childTnLst>
+                  <p:par>
+                    <p:cTn id="3" fill="hold">
+                      <p:stCondLst>
+                        <p:cond delay="indefinite"/>
+                      </p:stCondLst>
+                      <p:childTnLst>
+                        <p:par>
+                          <p:cTn id="4" fill="hold">
+                            <p:stCondLst>
+                              <p:cond delay="0"/>
+                            </p:stCondLst>
+                            <p:childTnLst>
+                              <p:par>
+                                <p:cTn id="5" presetID="22" presetClass="entr" presetSubtype="4" fill="hold" grpId="0" nodeType="clickEffect">
+                                  <p:stCondLst>
+                                    <p:cond delay="0"/>
+                                  </p:stCondLst>
+                                  <p:childTnLst>
+                                    <p:set>
+                                      <p:cBhvr>
+                                        <p:cTn id="6" dur="1" fill="hold">
+                                          <p:stCondLst>
+                                            <p:cond delay="0"/>
+                                          </p:stCondLst>
+                                        </p:cTn>
+                                        <p:tgtEl>
+                                          <p:spTgt spid="3">
+                                            <p:txEl>
+                                              <p:pRg st="0" end="0"/>
+                                            </p:txEl>
+                                          </p:spTgt>
+                                        </p:tgtEl>
+                                        <p:attrNameLst>
+                                          <p:attrName>style.visibility</p:attrName>
+                                        </p:attrNameLst>
+                                      </p:cBhvr>
+                                      <p:to>
+                                        <p:strVal val="visible"/>
+                                      </p:to>
+                                    </p:set>
+                                    <p:animEffect transition="in" filter="wipe(down)">
+                                      <p:cBhvr>
+                                        <p:cTn id="7" dur="500"/>
+                                        <p:tgtEl>
+                                          <p:spTgt spid="3">
+                                            <p:txEl>
+                                              <p:pRg st="0" end="0"/>
+                                            </p:txEl>
+                                          </p:spTgt>
+                                        </p:tgtEl>
+                                      </p:cBhvr>
+                                    </p:animEffect>
+                                  </p:childTnLst>
+                                </p:cTn>
+                              </p:par>
+                              <p:par>
+                                <p:cTn id="8" presetID="22" presetClass="entr" presetSubtype="4" fill="hold" grpId="0" nodeType="withEffect">
+                                  <p:stCondLst>
+                                    <p:cond delay="0"/>
+                                  </p:stCondLst>
+                                  <p:childTnLst>
+                                    <p:set>
+                                      <p:cBhvr>
+                                        <p:cTn id="9" dur="1" fill="hold">
+                                          <p:stCondLst>
+                                            <p:cond delay="0"/>
+                                          </p:stCondLst>
+                                        </p:cTn>
+                                        <p:tgtEl>
+                                          <p:spTgt spid="3">
+                                            <p:txEl>
+                                              <p:pRg st="1" end="1"/>
+                                            </p:txEl>
+                                          </p:spTgt>
+                                        </p:tgtEl>
+                                        <p:attrNameLst>
+                                          <p:attrName>style.visibility</p:attrName>
+                                        </p:attrNameLst>
+                                      </p:cBhvr>
+                                      <p:to>
+                                        <p:strVal val="visible"/>
+                                      </p:to>
+                                    </p:set>
+                                    <p:animEffect transition="in" filter="wipe(down)">
+                                      <p:cBhvr>
+                                        <p:cTn id="10" dur="500"/>
+                                        <p:tgtEl>
+                                          <p:spTgt spid="3">
+                                            <p:txEl>
+                                              <p:pRg st="1" end="1"/>
+                                            </p:txEl>
+                                          </p:spTgt>
+                                        </p:tgtEl>
+                                      </p:cBhvr>
+                                    </p:animEffect>
+                                  </p:childTnLst>
+                                </p:cTn>
+                              </p:par>
+                            </p:childTnLst>
+                          </p:cTn>
+                        </p:par>
+                      </p:childTnLst>
+                    </p:cTn>
+                  </p:par>
+                  <p:par>
+                    <p:cTn id="11" fill="hold">
+                      <p:stCondLst>
+                        <p:cond delay="indefinite"/>
+                      </p:stCondLst>
+                      <p:childTnLst>
+                        <p:par>
+                          <p:cTn id="12" fill="hold">
+                            <p:stCondLst>
+                              <p:cond delay="0"/>
+                            </p:stCondLst>
+                            <p:childTnLst>
+                              <p:par>
+                                <p:cTn id="13" presetID="22" presetClass="entr" presetSubtype="4" fill="hold" grpId="0" nodeType="clickEffect">
+                                  <p:stCondLst>
+                                    <p:cond delay="0"/>
+                                  </p:stCondLst>
+                                  <p:childTnLst>
+                                    <p:set>
+                                      <p:cBhvr>
+                                        <p:cTn id="14" dur="1" fill="hold">
+                                          <p:stCondLst>
+                                            <p:cond delay="0"/>
+                                          </p:stCondLst>
+                                        </p:cTn>
+                                        <p:tgtEl>
+                                          <p:spTgt spid="3">
+                                            <p:txEl>
+                                              <p:pRg st="2" end="2"/>
+                                            </p:txEl>
+                                          </p:spTgt>
+                                        </p:tgtEl>
+                                        <p:attrNameLst>
+                                          <p:attrName>style.visibility</p:attrName>
+                                        </p:attrNameLst>
+                                      </p:cBhvr>
+                                      <p:to>
+                                        <p:strVal val="visible"/>
+                                      </p:to>
+                                    </p:set>
+                                    <p:animEffect transition="in" filter="wipe(down)">
+                                      <p:cBhvr>
+                                        <p:cTn id="15" dur="500"/>
+                                        <p:tgtEl>
+                                          <p:spTgt spid="3">
+                                            <p:txEl>
+                                              <p:pRg st="2" end="2"/>
+                                            </p:txEl>
+                                          </p:spTgt>
+                                        </p:tgtEl>
+                                      </p:cBhvr>
+                                    </p:animEffect>
+                                  </p:childTnLst>
+                                </p:cTn>
+                              </p:par>
+                              <p:par>
+                                <p:cTn id="16" presetID="22" presetClass="entr" presetSubtype="4" fill="hold" grpId="0" nodeType="withEffect">
+                                  <p:stCondLst>
+                                    <p:cond delay="0"/>
+                                  </p:stCondLst>
+                                  <p:childTnLst>
+                                    <p:set>
+                                      <p:cBhvr>
+                                        <p:cTn id="17" dur="1" fill="hold">
+                                          <p:stCondLst>
+                                            <p:cond delay="0"/>
+                                          </p:stCondLst>
+                                        </p:cTn>
+                                        <p:tgtEl>
+                                          <p:spTgt spid="3">
+                                            <p:txEl>
+                                              <p:pRg st="3" end="3"/>
+                                            </p:txEl>
+                                          </p:spTgt>
+                                        </p:tgtEl>
+                                        <p:attrNameLst>
+                                          <p:attrName>style.visibility</p:attrName>
+                                        </p:attrNameLst>
+                                      </p:cBhvr>
+                                      <p:to>
+                                        <p:strVal val="visible"/>
+                                      </p:to>
+                                    </p:set>
+                                    <p:animEffect transition="in" filter="wipe(down)">
+                                      <p:cBhvr>
+                                        <p:cTn id="18" dur="500"/>
+                                        <p:tgtEl>
+                                          <p:spTgt spid="3">
+                                            <p:txEl>
+                                              <p:pRg st="3" end="3"/>
+                                            </p:txEl>
+                                          </p:spTgt>
+                                        </p:tgtEl>
+                                      </p:cBhvr>
+                                    </p:animEffect>
+                                  </p:childTnLst>
+                                </p:cTn>
+                              </p:par>
+                            </p:childTnLst>
+                          </p:cTn>
+                        </p:par>
+                      </p:childTnLst>
+                    </p:cTn>
+                  </p:par>
+                </p:childTnLst>
+              </p:cTn>
+              <p:prevCondLst>
+                <p:cond evt="onPrev" delay="0">
+                  <p:tgtEl>
+                    <p:sldTgt/>
+                  </p:tgtEl>
+                </p:cond>
+              </p:prevCondLst>
+              <p:nextCondLst>
+                <p:cond evt="onNext" delay="0">
+                  <p:tgtEl>
+                    <p:sldTgt/>
+                  </p:tgtEl>
+                </p:cond>
+              </p:nextCondLst>
+            </p:seq>
+          </p:childTnLst>
+        </p:cTn>
+      </p:par>
+    </p:tnLst>
+    <p:bldLst>
+      <p:bldP spid="3" grpId="0" build="p"/>
+    </p:bldLst>
+  </p:timing>
 </p:sld>
 </file>
 
@@ -4985,6 +5381,9 @@
   <p:clrMapOvr>
     <a:masterClrMapping/>
   </p:clrMapOvr>
+  <p:transition spd="med">
+    <p:pull/>
+  </p:transition>
 </p:sld>
 </file>
 
@@ -5021,19 +5420,25 @@
             <p:ph type="title"/>
           </p:nvPr>
         </p:nvSpPr>
-        <p:spPr/>
+        <p:spPr>
+          <a:xfrm>
+            <a:off x="143555" y="433880"/>
+            <a:ext cx="6566315" cy="572644"/>
+          </a:xfrm>
+        </p:spPr>
         <p:txBody>
           <a:bodyPr vert="horz" lIns="91440" tIns="45720" rIns="91440" bIns="45720" rtlCol="0" anchor="ctr">
             <a:normAutofit fontScale="90000"/>
           </a:bodyPr>
           <a:lstStyle/>
           <a:p>
+            <a:pPr algn="ctr"/>
             <a:r>
               <a:rPr lang="en-US" b="1" dirty="0">
                 <a:latin typeface="Arial" panose="020B0604020202020204" pitchFamily="34" charset="0"/>
                 <a:cs typeface="Arial" panose="020B0604020202020204" pitchFamily="34" charset="0"/>
               </a:rPr>
-              <a:t>bitterness and alcoholic content relationship</a:t>
+              <a:t>Bitterness and Alcoholic Content Relationship</a:t>
             </a:r>
           </a:p>
         </p:txBody>
@@ -5062,7 +5467,7 @@
         </p:blipFill>
         <p:spPr>
           <a:xfrm>
-            <a:off x="601670" y="1350470"/>
+            <a:off x="907080" y="1350470"/>
             <a:ext cx="4809874" cy="3359150"/>
           </a:xfrm>
           <a:prstGeom prst="rect">
@@ -5080,6 +5485,92 @@
   <p:clrMapOvr>
     <a:masterClrMapping/>
   </p:clrMapOvr>
+  <p:transition spd="med">
+    <p:pull/>
+  </p:transition>
+  <p:timing>
+    <p:tnLst>
+      <p:par>
+        <p:cTn id="1" dur="indefinite" restart="never" nodeType="tmRoot">
+          <p:childTnLst>
+            <p:seq concurrent="1" nextAc="seek">
+              <p:cTn id="2" dur="indefinite" nodeType="mainSeq">
+                <p:childTnLst>
+                  <p:par>
+                    <p:cTn id="3" fill="hold">
+                      <p:stCondLst>
+                        <p:cond delay="indefinite"/>
+                      </p:stCondLst>
+                      <p:childTnLst>
+                        <p:par>
+                          <p:cTn id="4" fill="hold">
+                            <p:stCondLst>
+                              <p:cond delay="0"/>
+                            </p:stCondLst>
+                            <p:childTnLst>
+                              <p:par>
+                                <p:cTn id="5" presetID="10" presetClass="entr" presetSubtype="0" fill="hold" nodeType="clickEffect">
+                                  <p:stCondLst>
+                                    <p:cond delay="0"/>
+                                  </p:stCondLst>
+                                  <p:childTnLst>
+                                    <p:set>
+                                      <p:cBhvr>
+                                        <p:cTn id="6" dur="1" fill="hold">
+                                          <p:stCondLst>
+                                            <p:cond delay="0"/>
+                                          </p:stCondLst>
+                                        </p:cTn>
+                                        <p:tgtEl>
+                                          <p:spTgt spid="4"/>
+                                        </p:tgtEl>
+                                        <p:attrNameLst>
+                                          <p:attrName>style.visibility</p:attrName>
+                                        </p:attrNameLst>
+                                      </p:cBhvr>
+                                      <p:to>
+                                        <p:strVal val="visible"/>
+                                      </p:to>
+                                    </p:set>
+                                    <p:animEffect transition="in" filter="fade">
+                                      <p:cBhvr>
+                                        <p:cTn id="7" dur="500"/>
+                                        <p:tgtEl>
+                                          <p:spTgt spid="4"/>
+                                        </p:tgtEl>
+                                      </p:cBhvr>
+                                    </p:animEffect>
+                                  </p:childTnLst>
+                                </p:cTn>
+                              </p:par>
+                            </p:childTnLst>
+                          </p:cTn>
+                        </p:par>
+                      </p:childTnLst>
+                    </p:cTn>
+                  </p:par>
+                </p:childTnLst>
+              </p:cTn>
+              <p:prevCondLst>
+                <p:cond evt="onPrev" delay="0">
+                  <p:tgtEl>
+                    <p:sldTgt/>
+                  </p:tgtEl>
+                </p:cond>
+              </p:prevCondLst>
+              <p:nextCondLst>
+                <p:cond evt="onNext" delay="0">
+                  <p:tgtEl>
+                    <p:sldTgt/>
+                  </p:tgtEl>
+                </p:cond>
+              </p:nextCondLst>
+            </p:seq>
+          </p:childTnLst>
+        </p:cTn>
+      </p:par>
+    </p:tnLst>
+  </p:timing>
 </p:sld>
 </file>
 
@@ -5116,29 +5607,35 @@
             <p:ph type="title"/>
           </p:nvPr>
         </p:nvSpPr>
-        <p:spPr/>
+        <p:spPr>
+          <a:xfrm>
+            <a:off x="-9150" y="281175"/>
+            <a:ext cx="6566315" cy="725349"/>
+          </a:xfrm>
+        </p:spPr>
         <p:txBody>
           <a:bodyPr vert="horz" lIns="91440" tIns="45720" rIns="91440" bIns="45720" rtlCol="0" anchor="ctr">
-            <a:normAutofit fontScale="90000"/>
+            <a:noAutofit/>
           </a:bodyPr>
           <a:lstStyle/>
           <a:p>
+            <a:pPr algn="ctr"/>
             <a:r>
-              <a:rPr lang="en-US" b="1" dirty="0">
+              <a:rPr lang="en-US" sz="2800" b="1" dirty="0">
                 <a:latin typeface="Arial" panose="020B0604020202020204" pitchFamily="34" charset="0"/>
                 <a:cs typeface="Arial" panose="020B0604020202020204" pitchFamily="34" charset="0"/>
               </a:rPr>
-              <a:t>Modeling bitterness and alcoholic content relationship</a:t>
+              <a:t>Modeling Bitterness and Alcoholic Content Relationship</a:t>
             </a:r>
           </a:p>
         </p:txBody>
       </p:sp>
       <p:pic>
         <p:nvPicPr>
-          <p:cNvPr id="3" name="Picture 2">
+          <p:cNvPr id="5" name="Picture 4">
             <a:extLst>
               <a:ext uri="{FF2B5EF4-FFF2-40B4-BE49-F238E27FC236}">
-                <a16:creationId xmlns:a16="http://schemas.microsoft.com/office/drawing/2014/main" id="{B2C4DB83-7AC0-49C8-8C18-1F0FD28E323F}"/>
+                <a16:creationId xmlns:a16="http://schemas.microsoft.com/office/drawing/2014/main" id="{C2312A34-F85F-4587-8F87-84470D9458C4}"/>
               </a:ext>
             </a:extLst>
           </p:cNvPr>
@@ -5155,14 +5652,43 @@
         </p:blipFill>
         <p:spPr>
           <a:xfrm>
-            <a:off x="448965" y="1197406"/>
-            <a:ext cx="5676900" cy="3886200"/>
+            <a:off x="462989" y="1090730"/>
+            <a:ext cx="5619750" cy="3924300"/>
           </a:xfrm>
           <a:prstGeom prst="rect">
             <a:avLst/>
           </a:prstGeom>
         </p:spPr>
       </p:pic>
+      <p:sp>
+        <p:nvSpPr>
+          <p:cNvPr id="4" name="TextBox 3"/>
+          <p:cNvSpPr txBox="1"/>
+          <p:nvPr/>
+        </p:nvSpPr>
+        <p:spPr>
+          <a:xfrm>
+            <a:off x="3044950" y="4251505"/>
+            <a:ext cx="3206806" cy="338554"/>
+          </a:xfrm>
+          <a:prstGeom prst="rect">
+            <a:avLst/>
+          </a:prstGeom>
+          <a:noFill/>
+        </p:spPr>
+        <p:txBody>
+          <a:bodyPr wrap="square" rtlCol="0">
+            <a:spAutoFit/>
+          </a:bodyPr>
+          <a:lstStyle/>
+          <a:p>
+            <a:r>
+              <a:rPr lang="en-US" sz="1600" b="1" dirty="0"/>
+              <a:t>ABV= 0.04493 + 0.0003508(IBU)</a:t>
+            </a:r>
+          </a:p>
+        </p:txBody>
+      </p:sp>
     </p:spTree>
     <p:extLst>
       <p:ext uri="{BB962C8B-B14F-4D97-AF65-F5344CB8AC3E}">
@@ -5173,6 +5699,194 @@
   <p:clrMapOvr>
     <a:masterClrMapping/>
   </p:clrMapOvr>
+  <p:transition spd="med">
+    <p:pull/>
+  </p:transition>
+  <p:timing>
+    <p:tnLst>
+      <p:par>
+        <p:cTn id="1" dur="indefinite" restart="never" nodeType="tmRoot">
+          <p:childTnLst>
+            <p:seq concurrent="1" nextAc="seek">
+              <p:cTn id="2" dur="indefinite" nodeType="mainSeq">
+                <p:childTnLst>
+                  <p:par>
+                    <p:cTn id="3" fill="hold">
+                      <p:stCondLst>
+                        <p:cond delay="indefinite"/>
+                      </p:stCondLst>
+                      <p:childTnLst>
+                        <p:par>
+                          <p:cTn id="4" fill="hold">
+                            <p:stCondLst>
+                              <p:cond delay="0"/>
+                            </p:stCondLst>
+                            <p:childTnLst>
+                              <p:par>
+                                <p:cTn id="5" presetID="42" presetClass="entr" presetSubtype="0" fill="hold" grpId="0" nodeType="clickEffect">
+                                  <p:stCondLst>
+                                    <p:cond delay="0"/>
+                                  </p:stCondLst>
+                                  <p:childTnLst>
+                                    <p:set>
+                                      <p:cBhvr>
+                                        <p:cTn id="6" dur="1" fill="hold">
+                                          <p:stCondLst>
+                                            <p:cond delay="0"/>
+                                          </p:stCondLst>
+                                        </p:cTn>
+                                        <p:tgtEl>
+                                          <p:spTgt spid="4"/>
+                                        </p:tgtEl>
+                                        <p:attrNameLst>
+                                          <p:attrName>style.visibility</p:attrName>
+                                        </p:attrNameLst>
+                                      </p:cBhvr>
+                                      <p:to>
+                                        <p:strVal val="visible"/>
+                                      </p:to>
+                                    </p:set>
+                                    <p:animEffect transition="in" filter="fade">
+                                      <p:cBhvr>
+                                        <p:cTn id="7" dur="1000"/>
+                                        <p:tgtEl>
+                                          <p:spTgt spid="4"/>
+                                        </p:tgtEl>
+                                      </p:cBhvr>
+                                    </p:animEffect>
+                                    <p:anim calcmode="lin" valueType="num">
+                                      <p:cBhvr>
+                                        <p:cTn id="8" dur="1000" fill="hold"/>
+                                        <p:tgtEl>
+                                          <p:spTgt spid="4"/>
+                                        </p:tgtEl>
+                                        <p:attrNameLst>
+                                          <p:attrName>ppt_x</p:attrName>
+                                        </p:attrNameLst>
+                                      </p:cBhvr>
+                                      <p:tavLst>
+                                        <p:tav tm="0">
+                                          <p:val>
+                                            <p:strVal val="#ppt_x"/>
+                                          </p:val>
+                                        </p:tav>
+                                        <p:tav tm="100000">
+                                          <p:val>
+                                            <p:strVal val="#ppt_x"/>
+                                          </p:val>
+                                        </p:tav>
+                                      </p:tavLst>
+                                    </p:anim>
+                                    <p:anim calcmode="lin" valueType="num">
+                                      <p:cBhvr>
+                                        <p:cTn id="9" dur="1000" fill="hold"/>
+                                        <p:tgtEl>
+                                          <p:spTgt spid="4"/>
+                                        </p:tgtEl>
+                                        <p:attrNameLst>
+                                          <p:attrName>ppt_y</p:attrName>
+                                        </p:attrNameLst>
+                                      </p:cBhvr>
+                                      <p:tavLst>
+                                        <p:tav tm="0">
+                                          <p:val>
+                                            <p:strVal val="#ppt_y+.1"/>
+                                          </p:val>
+                                        </p:tav>
+                                        <p:tav tm="100000">
+                                          <p:val>
+                                            <p:strVal val="#ppt_y"/>
+                                          </p:val>
+                                        </p:tav>
+                                      </p:tavLst>
+                                    </p:anim>
+                                  </p:childTnLst>
+                                </p:cTn>
+                              </p:par>
+                            </p:childTnLst>
+                          </p:cTn>
+                        </p:par>
+                      </p:childTnLst>
+                    </p:cTn>
+                  </p:par>
+                  <p:par>
+                    <p:cTn id="10" fill="hold">
+                      <p:stCondLst>
+                        <p:cond delay="indefinite"/>
+                      </p:stCondLst>
+                      <p:childTnLst>
+                        <p:par>
+                          <p:cTn id="11" fill="hold">
+                            <p:stCondLst>
+                              <p:cond delay="0"/>
+                            </p:stCondLst>
+                            <p:childTnLst>
+                              <p:par>
+                                <p:cTn id="12" presetID="10" presetClass="entr" presetSubtype="0" fill="hold" nodeType="clickEffect">
+                                  <p:stCondLst>
+                                    <p:cond delay="0"/>
+                                  </p:stCondLst>
+                                  <p:childTnLst>
+                                    <p:set>
+                                      <p:cBhvr>
+                                        <p:cTn id="13" dur="1" fill="hold">
+                                          <p:stCondLst>
+                                            <p:cond delay="0"/>
+                                          </p:stCondLst>
+                                        </p:cTn>
+                                        <p:tgtEl>
+                                          <p:spTgt spid="5"/>
+                                        </p:tgtEl>
+                                        <p:attrNameLst>
+                                          <p:attrName>style.visibility</p:attrName>
+                                        </p:attrNameLst>
+                                      </p:cBhvr>
+                                      <p:to>
+                                        <p:strVal val="visible"/>
+                                      </p:to>
+                                    </p:set>
+                                    <p:animEffect transition="in" filter="fade">
+                                      <p:cBhvr>
+                                        <p:cTn id="14" dur="500"/>
+                                        <p:tgtEl>
+                                          <p:spTgt spid="5"/>
+                                        </p:tgtEl>
+                                      </p:cBhvr>
+                                    </p:animEffect>
+                                  </p:childTnLst>
+                                </p:cTn>
+                              </p:par>
+                            </p:childTnLst>
+                          </p:cTn>
+                        </p:par>
+                      </p:childTnLst>
+                    </p:cTn>
+                  </p:par>
+                </p:childTnLst>
+              </p:cTn>
+              <p:prevCondLst>
+                <p:cond evt="onPrev" delay="0">
+                  <p:tgtEl>
+                    <p:sldTgt/>
+                  </p:tgtEl>
+                </p:cond>
+              </p:prevCondLst>
+              <p:nextCondLst>
+                <p:cond evt="onNext" delay="0">
+                  <p:tgtEl>
+                    <p:sldTgt/>
+                  </p:tgtEl>
+                </p:cond>
+              </p:nextCondLst>
+            </p:seq>
+          </p:childTnLst>
+        </p:cTn>
+      </p:par>
+    </p:tnLst>
+    <p:bldLst>
+      <p:bldP spid="4" grpId="0"/>
+    </p:bldLst>
+  </p:timing>
 </p:sld>
 </file>
 
@@ -5211,8 +5925,8 @@
         </p:nvSpPr>
         <p:spPr>
           <a:xfrm>
-            <a:off x="-9150" y="281175"/>
-            <a:ext cx="7177135" cy="572644"/>
+            <a:off x="296260" y="281174"/>
+            <a:ext cx="7024430" cy="458115"/>
           </a:xfrm>
         </p:spPr>
         <p:txBody>
@@ -5221,26 +5935,12 @@
           </a:bodyPr>
           <a:lstStyle/>
           <a:p>
-            <a:pPr algn="ctr"/>
             <a:r>
-              <a:rPr lang="en-US" b="1" dirty="0">
+              <a:rPr lang="en-US" sz="3000" b="1" dirty="0">
                 <a:latin typeface="Arial" panose="020B0604020202020204" pitchFamily="34" charset="0"/>
                 <a:cs typeface="Arial" panose="020B0604020202020204" pitchFamily="34" charset="0"/>
               </a:rPr>
-              <a:t>ABV and IBU Histogram per </a:t>
-            </a:r>
-            <a:br>
-              <a:rPr lang="en-US" b="1" dirty="0">
-                <a:latin typeface="Arial" panose="020B0604020202020204" pitchFamily="34" charset="0"/>
-                <a:cs typeface="Arial" panose="020B0604020202020204" pitchFamily="34" charset="0"/>
-              </a:rPr>
-            </a:br>
-            <a:r>
-              <a:rPr lang="en-US" b="1" dirty="0">
-                <a:latin typeface="Arial" panose="020B0604020202020204" pitchFamily="34" charset="0"/>
-                <a:cs typeface="Arial" panose="020B0604020202020204" pitchFamily="34" charset="0"/>
-              </a:rPr>
-              <a:t>Region</a:t>
+              <a:t>ABV and IBU Histogram per Region</a:t>
             </a:r>
           </a:p>
         </p:txBody>
@@ -5317,6 +6017,9 @@
   <p:clrMapOvr>
     <a:masterClrMapping/>
   </p:clrMapOvr>
+  <p:transition spd="med">
+    <p:pull/>
+  </p:transition>
   <p:timing>
     <p:tnLst>
       <p:par>
@@ -5544,7 +6247,7 @@
         </p:nvSpPr>
         <p:spPr>
           <a:xfrm>
-            <a:off x="296260" y="433880"/>
+            <a:off x="143555" y="433880"/>
             <a:ext cx="7329840" cy="572644"/>
           </a:xfrm>
         </p:spPr>
@@ -5636,6 +6339,9 @@
   <p:clrMapOvr>
     <a:masterClrMapping/>
   </p:clrMapOvr>
+  <p:transition spd="med">
+    <p:pull/>
+  </p:transition>
   <p:timing>
     <p:tnLst>
       <p:par>
@@ -5939,7 +6645,7 @@
         <p:spPr>
           <a:xfrm>
             <a:off x="448964" y="3335275"/>
-            <a:ext cx="6260905" cy="923330"/>
+            <a:ext cx="6260905" cy="1477328"/>
           </a:xfrm>
           <a:prstGeom prst="rect">
             <a:avLst/>
@@ -5954,7 +6660,7 @@
           <a:p>
             <a:r>
               <a:rPr lang="en-US" dirty="0"/>
-              <a:t>There is evidence showing that at confidence level of 0.05 at least the mean of ABV of two regions are different (P-Value = 0.02)</a:t>
+              <a:t>Comparing the p-value of 0.0289 to a confidence level of 0.05, we can conclude that the ABV differs in each region. Using the Bonferroni Multiple Comparison Procedure, we find specifically that the ABV differs in the North Central and Northeastern regions.</a:t>
             </a:r>
           </a:p>
         </p:txBody>
@@ -5969,6 +6675,141 @@
   <p:clrMapOvr>
     <a:overrideClrMapping bg1="lt1" tx1="dk1" bg2="lt2" tx2="dk2" accent1="accent1" accent2="accent2" accent3="accent3" accent4="accent4" accent5="accent5" accent6="accent6" hlink="hlink" folHlink="folHlink"/>
   </p:clrMapOvr>
+  <p:transition spd="med">
+    <p:pull/>
+  </p:transition>
+  <p:timing>
+    <p:tnLst>
+      <p:par>
+        <p:cTn id="1" dur="indefinite" restart="never" nodeType="tmRoot">
+          <p:childTnLst>
+            <p:seq concurrent="1" nextAc="seek">
+              <p:cTn id="2" dur="indefinite" nodeType="mainSeq">
+                <p:childTnLst>
+                  <p:par>
+                    <p:cTn id="3" fill="hold">
+                      <p:stCondLst>
+                        <p:cond delay="indefinite"/>
+                      </p:stCondLst>
+                      <p:childTnLst>
+                        <p:par>
+                          <p:cTn id="4" fill="hold">
+                            <p:stCondLst>
+                              <p:cond delay="0"/>
+                            </p:stCondLst>
+                            <p:childTnLst>
+                              <p:par>
+                                <p:cTn id="5" presetID="42" presetClass="entr" presetSubtype="0" fill="hold" grpId="0" nodeType="clickEffect">
+                                  <p:stCondLst>
+                                    <p:cond delay="0"/>
+                                  </p:stCondLst>
+                                  <p:childTnLst>
+                                    <p:set>
+                                      <p:cBhvr>
+                                        <p:cTn id="6" dur="1" fill="hold">
+                                          <p:stCondLst>
+                                            <p:cond delay="0"/>
+                                          </p:stCondLst>
+                                        </p:cTn>
+                                        <p:tgtEl>
+                                          <p:spTgt spid="6"/>
+                                        </p:tgtEl>
+                                        <p:attrNameLst>
+                                          <p:attrName>style.visibility</p:attrName>
+                                        </p:attrNameLst>
+                                      </p:cBhvr>
+                                      <p:to>
+                                        <p:strVal val="visible"/>
+                                      </p:to>
+                                    </p:set>
+                                    <p:animEffect transition="in" filter="fade">
+                                      <p:cBhvr>
+                                        <p:cTn id="7" dur="1000"/>
+                                        <p:tgtEl>
+                                          <p:spTgt spid="6"/>
+                                        </p:tgtEl>
+                                      </p:cBhvr>
+                                    </p:animEffect>
+                                    <p:anim calcmode="lin" valueType="num">
+                                      <p:cBhvr>
+                                        <p:cTn id="8" dur="1000" fill="hold"/>
+                                        <p:tgtEl>
+                                          <p:spTgt spid="6"/>
+                                        </p:tgtEl>
+                                        <p:attrNameLst>
+                                          <p:attrName>ppt_x</p:attrName>
+                                        </p:attrNameLst>
+                                      </p:cBhvr>
+                                      <p:tavLst>
+                                        <p:tav tm="0">
+                                          <p:val>
+                                            <p:strVal val="#ppt_x"/>
+                                          </p:val>
+                                        </p:tav>
+                                        <p:tav tm="100000">
+                                          <p:val>
+                                            <p:strVal val="#ppt_x"/>
+                                          </p:val>
+                                        </p:tav>
+                                      </p:tavLst>
+                                    </p:anim>
+                                    <p:anim calcmode="lin" valueType="num">
+                                      <p:cBhvr>
+                                        <p:cTn id="9" dur="1000" fill="hold"/>
+                                        <p:tgtEl>
+                                          <p:spTgt spid="6"/>
+                                        </p:tgtEl>
+                                        <p:attrNameLst>
+                                          <p:attrName>ppt_y</p:attrName>
+                                        </p:attrNameLst>
+                                      </p:cBhvr>
+                                      <p:tavLst>
+                                        <p:tav tm="0">
+                                          <p:val>
+                                            <p:strVal val="#ppt_y+.1"/>
+                                          </p:val>
+                                        </p:tav>
+                                        <p:tav tm="100000">
+                                          <p:val>
+                                            <p:strVal val="#ppt_y"/>
+                                          </p:val>
+                                        </p:tav>
+                                      </p:tavLst>
+                                    </p:anim>
+                                  </p:childTnLst>
+                                </p:cTn>
+                              </p:par>
+                            </p:childTnLst>
+                          </p:cTn>
+                        </p:par>
+                      </p:childTnLst>
+                    </p:cTn>
+                  </p:par>
+                </p:childTnLst>
+              </p:cTn>
+              <p:prevCondLst>
+                <p:cond evt="onPrev" delay="0">
+                  <p:tgtEl>
+                    <p:sldTgt/>
+                  </p:tgtEl>
+                </p:cond>
+              </p:prevCondLst>
+              <p:nextCondLst>
+                <p:cond evt="onNext" delay="0">
+                  <p:tgtEl>
+                    <p:sldTgt/>
+                  </p:tgtEl>
+                </p:cond>
+              </p:nextCondLst>
+            </p:seq>
+          </p:childTnLst>
+        </p:cTn>
+      </p:par>
+    </p:tnLst>
+    <p:bldLst>
+      <p:bldP spid="6" grpId="0"/>
+    </p:bldLst>
+  </p:timing>
 </p:sld>
 </file>
 
@@ -6056,10 +6897,10 @@
       </p:pic>
       <p:sp>
         <p:nvSpPr>
-          <p:cNvPr id="8" name="TextBox 7">
+          <p:cNvPr id="6" name="TextBox 5">
             <a:extLst>
               <a:ext uri="{FF2B5EF4-FFF2-40B4-BE49-F238E27FC236}">
-                <a16:creationId xmlns:a16="http://schemas.microsoft.com/office/drawing/2014/main" id="{019356FE-EF3A-40AD-8CCF-123D6E649769}"/>
+                <a16:creationId xmlns:a16="http://schemas.microsoft.com/office/drawing/2014/main" id="{F4B7214E-56E3-4D99-A224-807F4DFE1B4D}"/>
               </a:ext>
             </a:extLst>
           </p:cNvPr>
@@ -6068,8 +6909,8 @@
         </p:nvSpPr>
         <p:spPr>
           <a:xfrm>
-            <a:off x="296260" y="3487980"/>
-            <a:ext cx="6108200" cy="923330"/>
+            <a:off x="448964" y="3335275"/>
+            <a:ext cx="6260905" cy="1200329"/>
           </a:xfrm>
           <a:prstGeom prst="rect">
             <a:avLst/>
@@ -6084,7 +6925,7 @@
           <a:p>
             <a:r>
               <a:rPr lang="en-US" dirty="0"/>
-              <a:t>There is strong evidence showing that at confidence level of 0.05 at least the mean of IBU of two regions are different(P-Value = 0.0031) </a:t>
+              <a:t>Comparing the p-value of 0.00317 to a confidence level of 0.05, we can conclude that the IBU differs in each region. Using the Bonferroni Multiple Comparison Procedure, we find specifically that the IBU differs in the West and North Central regions.</a:t>
             </a:r>
           </a:p>
         </p:txBody>
@@ -6099,6 +6940,141 @@
   <p:clrMapOvr>
     <a:masterClrMapping/>
   </p:clrMapOvr>
+  <p:transition spd="med">
+    <p:pull/>
+  </p:transition>
+  <p:timing>
+    <p:tnLst>
+      <p:par>
+        <p:cTn id="1" dur="indefinite" restart="never" nodeType="tmRoot">
+          <p:childTnLst>
+            <p:seq concurrent="1" nextAc="seek">
+              <p:cTn id="2" dur="indefinite" nodeType="mainSeq">
+                <p:childTnLst>
+                  <p:par>
+                    <p:cTn id="3" fill="hold">
+                      <p:stCondLst>
+                        <p:cond delay="indefinite"/>
+                      </p:stCondLst>
+                      <p:childTnLst>
+                        <p:par>
+                          <p:cTn id="4" fill="hold">
+                            <p:stCondLst>
+                              <p:cond delay="0"/>
+                            </p:stCondLst>
+                            <p:childTnLst>
+                              <p:par>
+                                <p:cTn id="5" presetID="42" presetClass="entr" presetSubtype="0" fill="hold" grpId="0" nodeType="clickEffect">
+                                  <p:stCondLst>
+                                    <p:cond delay="0"/>
+                                  </p:stCondLst>
+                                  <p:childTnLst>
+                                    <p:set>
+                                      <p:cBhvr>
+                                        <p:cTn id="6" dur="1" fill="hold">
+                                          <p:stCondLst>
+                                            <p:cond delay="0"/>
+                                          </p:stCondLst>
+                                        </p:cTn>
+                                        <p:tgtEl>
+                                          <p:spTgt spid="6"/>
+                                        </p:tgtEl>
+                                        <p:attrNameLst>
+                                          <p:attrName>style.visibility</p:attrName>
+                                        </p:attrNameLst>
+                                      </p:cBhvr>
+                                      <p:to>
+                                        <p:strVal val="visible"/>
+                                      </p:to>
+                                    </p:set>
+                                    <p:animEffect transition="in" filter="fade">
+                                      <p:cBhvr>
+                                        <p:cTn id="7" dur="1000"/>
+                                        <p:tgtEl>
+                                          <p:spTgt spid="6"/>
+                                        </p:tgtEl>
+                                      </p:cBhvr>
+                                    </p:animEffect>
+                                    <p:anim calcmode="lin" valueType="num">
+                                      <p:cBhvr>
+                                        <p:cTn id="8" dur="1000" fill="hold"/>
+                                        <p:tgtEl>
+                                          <p:spTgt spid="6"/>
+                                        </p:tgtEl>
+                                        <p:attrNameLst>
+                                          <p:attrName>ppt_x</p:attrName>
+                                        </p:attrNameLst>
+                                      </p:cBhvr>
+                                      <p:tavLst>
+                                        <p:tav tm="0">
+                                          <p:val>
+                                            <p:strVal val="#ppt_x"/>
+                                          </p:val>
+                                        </p:tav>
+                                        <p:tav tm="100000">
+                                          <p:val>
+                                            <p:strVal val="#ppt_x"/>
+                                          </p:val>
+                                        </p:tav>
+                                      </p:tavLst>
+                                    </p:anim>
+                                    <p:anim calcmode="lin" valueType="num">
+                                      <p:cBhvr>
+                                        <p:cTn id="9" dur="1000" fill="hold"/>
+                                        <p:tgtEl>
+                                          <p:spTgt spid="6"/>
+                                        </p:tgtEl>
+                                        <p:attrNameLst>
+                                          <p:attrName>ppt_y</p:attrName>
+                                        </p:attrNameLst>
+                                      </p:cBhvr>
+                                      <p:tavLst>
+                                        <p:tav tm="0">
+                                          <p:val>
+                                            <p:strVal val="#ppt_y+.1"/>
+                                          </p:val>
+                                        </p:tav>
+                                        <p:tav tm="100000">
+                                          <p:val>
+                                            <p:strVal val="#ppt_y"/>
+                                          </p:val>
+                                        </p:tav>
+                                      </p:tavLst>
+                                    </p:anim>
+                                  </p:childTnLst>
+                                </p:cTn>
+                              </p:par>
+                            </p:childTnLst>
+                          </p:cTn>
+                        </p:par>
+                      </p:childTnLst>
+                    </p:cTn>
+                  </p:par>
+                </p:childTnLst>
+              </p:cTn>
+              <p:prevCondLst>
+                <p:cond evt="onPrev" delay="0">
+                  <p:tgtEl>
+                    <p:sldTgt/>
+                  </p:tgtEl>
+                </p:cond>
+              </p:prevCondLst>
+              <p:nextCondLst>
+                <p:cond evt="onNext" delay="0">
+                  <p:tgtEl>
+                    <p:sldTgt/>
+                  </p:tgtEl>
+                </p:cond>
+              </p:nextCondLst>
+            </p:seq>
+          </p:childTnLst>
+        </p:cTn>
+      </p:par>
+    </p:tnLst>
+    <p:bldLst>
+      <p:bldP spid="6" grpId="0"/>
+    </p:bldLst>
+  </p:timing>
 </p:sld>
 </file>
 
@@ -6170,7 +7146,7 @@
         </p:nvSpPr>
         <p:spPr>
           <a:xfrm>
-            <a:off x="448965" y="1197406"/>
+            <a:off x="143555" y="1197406"/>
             <a:ext cx="6566315" cy="3358356"/>
           </a:xfrm>
         </p:spPr>
@@ -6194,7 +7170,7 @@
                   <a:schemeClr val="tx1"/>
                 </a:solidFill>
               </a:rPr>
-              <a:t>Boost sales by catering to the preferences  of those who drinks Budweiser </a:t>
+              <a:t>Boost sales by catering to the preferences  of those who drink Budweiser </a:t>
             </a:r>
           </a:p>
         </p:txBody>
@@ -6209,6 +7185,164 @@
   <p:clrMapOvr>
     <a:masterClrMapping/>
   </p:clrMapOvr>
+  <p:transition spd="med">
+    <p:pull/>
+  </p:transition>
+  <p:timing>
+    <p:tnLst>
+      <p:par>
+        <p:cTn id="1" dur="indefinite" restart="never" nodeType="tmRoot">
+          <p:childTnLst>
+            <p:seq concurrent="1" nextAc="seek">
+              <p:cTn id="2" dur="indefinite" nodeType="mainSeq">
+                <p:childTnLst>
+                  <p:par>
+                    <p:cTn id="3" fill="hold">
+                      <p:stCondLst>
+                        <p:cond delay="indefinite"/>
+                      </p:stCondLst>
+                      <p:childTnLst>
+                        <p:par>
+                          <p:cTn id="4" fill="hold">
+                            <p:stCondLst>
+                              <p:cond delay="0"/>
+                            </p:stCondLst>
+                            <p:childTnLst>
+                              <p:par>
+                                <p:cTn id="5" presetID="22" presetClass="entr" presetSubtype="4" fill="hold" grpId="0" nodeType="clickEffect">
+                                  <p:stCondLst>
+                                    <p:cond delay="0"/>
+                                  </p:stCondLst>
+                                  <p:childTnLst>
+                                    <p:set>
+                                      <p:cBhvr>
+                                        <p:cTn id="6" dur="1" fill="hold">
+                                          <p:stCondLst>
+                                            <p:cond delay="0"/>
+                                          </p:stCondLst>
+                                        </p:cTn>
+                                        <p:tgtEl>
+                                          <p:spTgt spid="3">
+                                            <p:txEl>
+                                              <p:pRg st="0" end="0"/>
+                                            </p:txEl>
+                                          </p:spTgt>
+                                        </p:tgtEl>
+                                        <p:attrNameLst>
+                                          <p:attrName>style.visibility</p:attrName>
+                                        </p:attrNameLst>
+                                      </p:cBhvr>
+                                      <p:to>
+                                        <p:strVal val="visible"/>
+                                      </p:to>
+                                    </p:set>
+                                    <p:animEffect transition="in" filter="wipe(down)">
+                                      <p:cBhvr>
+                                        <p:cTn id="7" dur="500"/>
+                                        <p:tgtEl>
+                                          <p:spTgt spid="3">
+                                            <p:txEl>
+                                              <p:pRg st="0" end="0"/>
+                                            </p:txEl>
+                                          </p:spTgt>
+                                        </p:tgtEl>
+                                      </p:cBhvr>
+                                    </p:animEffect>
+                                  </p:childTnLst>
+                                </p:cTn>
+                              </p:par>
+                            </p:childTnLst>
+                          </p:cTn>
+                        </p:par>
+                      </p:childTnLst>
+                    </p:cTn>
+                  </p:par>
+                  <p:par>
+                    <p:cTn id="8" fill="hold">
+                      <p:stCondLst>
+                        <p:cond delay="indefinite"/>
+                      </p:stCondLst>
+                      <p:childTnLst>
+                        <p:par>
+                          <p:cTn id="9" fill="hold">
+                            <p:stCondLst>
+                              <p:cond delay="0"/>
+                            </p:stCondLst>
+                            <p:childTnLst>
+                              <p:par>
+                                <p:cTn id="10" presetID="22" presetClass="entr" presetSubtype="4" fill="hold" grpId="0" nodeType="clickEffect">
+                                  <p:stCondLst>
+                                    <p:cond delay="0"/>
+                                  </p:stCondLst>
+                                  <p:childTnLst>
+                                    <p:set>
+                                      <p:cBhvr>
+                                        <p:cTn id="11" dur="1" fill="hold">
+                                          <p:stCondLst>
+                                            <p:cond delay="0"/>
+                                          </p:stCondLst>
+                                        </p:cTn>
+                                        <p:tgtEl>
+                                          <p:spTgt spid="3">
+                                            <p:txEl>
+                                              <p:pRg st="1" end="1"/>
+                                            </p:txEl>
+                                          </p:spTgt>
+                                        </p:tgtEl>
+                                        <p:attrNameLst>
+                                          <p:attrName>style.visibility</p:attrName>
+                                        </p:attrNameLst>
+                                      </p:cBhvr>
+                                      <p:to>
+                                        <p:strVal val="visible"/>
+                                      </p:to>
+                                    </p:set>
+                                    <p:animEffect transition="in" filter="wipe(down)">
+                                      <p:cBhvr>
+                                        <p:cTn id="12" dur="500"/>
+                                        <p:tgtEl>
+                                          <p:spTgt spid="3">
+                                            <p:txEl>
+                                              <p:pRg st="1" end="1"/>
+                                            </p:txEl>
+                                          </p:spTgt>
+                                        </p:tgtEl>
+                                      </p:cBhvr>
+                                    </p:animEffect>
+                                  </p:childTnLst>
+                                </p:cTn>
+                              </p:par>
+                            </p:childTnLst>
+                          </p:cTn>
+                        </p:par>
+                      </p:childTnLst>
+                    </p:cTn>
+                  </p:par>
+                </p:childTnLst>
+              </p:cTn>
+              <p:prevCondLst>
+                <p:cond evt="onPrev" delay="0">
+                  <p:tgtEl>
+                    <p:sldTgt/>
+                  </p:tgtEl>
+                </p:cond>
+              </p:prevCondLst>
+              <p:nextCondLst>
+                <p:cond evt="onNext" delay="0">
+                  <p:tgtEl>
+                    <p:sldTgt/>
+                  </p:tgtEl>
+                </p:cond>
+              </p:nextCondLst>
+            </p:seq>
+          </p:childTnLst>
+        </p:cTn>
+      </p:par>
+    </p:tnLst>
+    <p:bldLst>
+      <p:bldP spid="3" grpId="0" build="p"/>
+    </p:bldLst>
+  </p:timing>
 </p:sld>
 </file>
 
@@ -6246,6 +7380,7 @@
           </a:bodyPr>
           <a:lstStyle/>
           <a:p>
+            <a:pPr algn="ctr"/>
             <a:r>
               <a:rPr lang="en-US" b="1" dirty="0">
                 <a:latin typeface="Arial" panose="020B0604020202020204" pitchFamily="34" charset="0"/>
@@ -6342,6 +7477,347 @@
   <p:clrMapOvr>
     <a:masterClrMapping/>
   </p:clrMapOvr>
+  <p:transition spd="med">
+    <p:pull/>
+  </p:transition>
+  <p:timing>
+    <p:tnLst>
+      <p:par>
+        <p:cTn id="1" dur="indefinite" restart="never" nodeType="tmRoot">
+          <p:childTnLst>
+            <p:seq concurrent="1" nextAc="seek">
+              <p:cTn id="2" dur="indefinite" nodeType="mainSeq">
+                <p:childTnLst>
+                  <p:par>
+                    <p:cTn id="3" fill="hold">
+                      <p:stCondLst>
+                        <p:cond delay="indefinite"/>
+                      </p:stCondLst>
+                      <p:childTnLst>
+                        <p:par>
+                          <p:cTn id="4" fill="hold">
+                            <p:stCondLst>
+                              <p:cond delay="0"/>
+                            </p:stCondLst>
+                            <p:childTnLst>
+                              <p:par>
+                                <p:cTn id="5" presetID="22" presetClass="entr" presetSubtype="4" fill="hold" grpId="0" nodeType="clickEffect">
+                                  <p:stCondLst>
+                                    <p:cond delay="0"/>
+                                  </p:stCondLst>
+                                  <p:childTnLst>
+                                    <p:set>
+                                      <p:cBhvr>
+                                        <p:cTn id="6" dur="1" fill="hold">
+                                          <p:stCondLst>
+                                            <p:cond delay="0"/>
+                                          </p:stCondLst>
+                                        </p:cTn>
+                                        <p:tgtEl>
+                                          <p:spTgt spid="5">
+                                            <p:txEl>
+                                              <p:pRg st="0" end="0"/>
+                                            </p:txEl>
+                                          </p:spTgt>
+                                        </p:tgtEl>
+                                        <p:attrNameLst>
+                                          <p:attrName>style.visibility</p:attrName>
+                                        </p:attrNameLst>
+                                      </p:cBhvr>
+                                      <p:to>
+                                        <p:strVal val="visible"/>
+                                      </p:to>
+                                    </p:set>
+                                    <p:animEffect transition="in" filter="wipe(down)">
+                                      <p:cBhvr>
+                                        <p:cTn id="7" dur="500"/>
+                                        <p:tgtEl>
+                                          <p:spTgt spid="5">
+                                            <p:txEl>
+                                              <p:pRg st="0" end="0"/>
+                                            </p:txEl>
+                                          </p:spTgt>
+                                        </p:tgtEl>
+                                      </p:cBhvr>
+                                    </p:animEffect>
+                                  </p:childTnLst>
+                                </p:cTn>
+                              </p:par>
+                            </p:childTnLst>
+                          </p:cTn>
+                        </p:par>
+                      </p:childTnLst>
+                    </p:cTn>
+                  </p:par>
+                  <p:par>
+                    <p:cTn id="8" fill="hold">
+                      <p:stCondLst>
+                        <p:cond delay="indefinite"/>
+                      </p:stCondLst>
+                      <p:childTnLst>
+                        <p:par>
+                          <p:cTn id="9" fill="hold">
+                            <p:stCondLst>
+                              <p:cond delay="0"/>
+                            </p:stCondLst>
+                            <p:childTnLst>
+                              <p:par>
+                                <p:cTn id="10" presetID="22" presetClass="entr" presetSubtype="4" fill="hold" grpId="0" nodeType="clickEffect">
+                                  <p:stCondLst>
+                                    <p:cond delay="0"/>
+                                  </p:stCondLst>
+                                  <p:childTnLst>
+                                    <p:set>
+                                      <p:cBhvr>
+                                        <p:cTn id="11" dur="1" fill="hold">
+                                          <p:stCondLst>
+                                            <p:cond delay="0"/>
+                                          </p:stCondLst>
+                                        </p:cTn>
+                                        <p:tgtEl>
+                                          <p:spTgt spid="5">
+                                            <p:txEl>
+                                              <p:pRg st="1" end="1"/>
+                                            </p:txEl>
+                                          </p:spTgt>
+                                        </p:tgtEl>
+                                        <p:attrNameLst>
+                                          <p:attrName>style.visibility</p:attrName>
+                                        </p:attrNameLst>
+                                      </p:cBhvr>
+                                      <p:to>
+                                        <p:strVal val="visible"/>
+                                      </p:to>
+                                    </p:set>
+                                    <p:animEffect transition="in" filter="wipe(down)">
+                                      <p:cBhvr>
+                                        <p:cTn id="12" dur="500"/>
+                                        <p:tgtEl>
+                                          <p:spTgt spid="5">
+                                            <p:txEl>
+                                              <p:pRg st="1" end="1"/>
+                                            </p:txEl>
+                                          </p:spTgt>
+                                        </p:tgtEl>
+                                      </p:cBhvr>
+                                    </p:animEffect>
+                                  </p:childTnLst>
+                                </p:cTn>
+                              </p:par>
+                            </p:childTnLst>
+                          </p:cTn>
+                        </p:par>
+                      </p:childTnLst>
+                    </p:cTn>
+                  </p:par>
+                  <p:par>
+                    <p:cTn id="13" fill="hold">
+                      <p:stCondLst>
+                        <p:cond delay="indefinite"/>
+                      </p:stCondLst>
+                      <p:childTnLst>
+                        <p:par>
+                          <p:cTn id="14" fill="hold">
+                            <p:stCondLst>
+                              <p:cond delay="0"/>
+                            </p:stCondLst>
+                            <p:childTnLst>
+                              <p:par>
+                                <p:cTn id="15" presetID="22" presetClass="entr" presetSubtype="4" fill="hold" grpId="0" nodeType="clickEffect">
+                                  <p:stCondLst>
+                                    <p:cond delay="0"/>
+                                  </p:stCondLst>
+                                  <p:childTnLst>
+                                    <p:set>
+                                      <p:cBhvr>
+                                        <p:cTn id="16" dur="1" fill="hold">
+                                          <p:stCondLst>
+                                            <p:cond delay="0"/>
+                                          </p:stCondLst>
+                                        </p:cTn>
+                                        <p:tgtEl>
+                                          <p:spTgt spid="5">
+                                            <p:txEl>
+                                              <p:pRg st="2" end="2"/>
+                                            </p:txEl>
+                                          </p:spTgt>
+                                        </p:tgtEl>
+                                        <p:attrNameLst>
+                                          <p:attrName>style.visibility</p:attrName>
+                                        </p:attrNameLst>
+                                      </p:cBhvr>
+                                      <p:to>
+                                        <p:strVal val="visible"/>
+                                      </p:to>
+                                    </p:set>
+                                    <p:animEffect transition="in" filter="wipe(down)">
+                                      <p:cBhvr>
+                                        <p:cTn id="17" dur="500"/>
+                                        <p:tgtEl>
+                                          <p:spTgt spid="5">
+                                            <p:txEl>
+                                              <p:pRg st="2" end="2"/>
+                                            </p:txEl>
+                                          </p:spTgt>
+                                        </p:tgtEl>
+                                      </p:cBhvr>
+                                    </p:animEffect>
+                                  </p:childTnLst>
+                                </p:cTn>
+                              </p:par>
+                            </p:childTnLst>
+                          </p:cTn>
+                        </p:par>
+                      </p:childTnLst>
+                    </p:cTn>
+                  </p:par>
+                  <p:par>
+                    <p:cTn id="18" fill="hold">
+                      <p:stCondLst>
+                        <p:cond delay="indefinite"/>
+                      </p:stCondLst>
+                      <p:childTnLst>
+                        <p:par>
+                          <p:cTn id="19" fill="hold">
+                            <p:stCondLst>
+                              <p:cond delay="0"/>
+                            </p:stCondLst>
+                            <p:childTnLst>
+                              <p:par>
+                                <p:cTn id="20" presetID="22" presetClass="entr" presetSubtype="4" fill="hold" grpId="0" nodeType="clickEffect">
+                                  <p:stCondLst>
+                                    <p:cond delay="0"/>
+                                  </p:stCondLst>
+                                  <p:childTnLst>
+                                    <p:set>
+                                      <p:cBhvr>
+                                        <p:cTn id="21" dur="1" fill="hold">
+                                          <p:stCondLst>
+                                            <p:cond delay="0"/>
+                                          </p:stCondLst>
+                                        </p:cTn>
+                                        <p:tgtEl>
+                                          <p:spTgt spid="5">
+                                            <p:txEl>
+                                              <p:pRg st="3" end="3"/>
+                                            </p:txEl>
+                                          </p:spTgt>
+                                        </p:tgtEl>
+                                        <p:attrNameLst>
+                                          <p:attrName>style.visibility</p:attrName>
+                                        </p:attrNameLst>
+                                      </p:cBhvr>
+                                      <p:to>
+                                        <p:strVal val="visible"/>
+                                      </p:to>
+                                    </p:set>
+                                    <p:animEffect transition="in" filter="wipe(down)">
+                                      <p:cBhvr>
+                                        <p:cTn id="22" dur="500"/>
+                                        <p:tgtEl>
+                                          <p:spTgt spid="5">
+                                            <p:txEl>
+                                              <p:pRg st="3" end="3"/>
+                                            </p:txEl>
+                                          </p:spTgt>
+                                        </p:tgtEl>
+                                      </p:cBhvr>
+                                    </p:animEffect>
+                                  </p:childTnLst>
+                                </p:cTn>
+                              </p:par>
+                            </p:childTnLst>
+                          </p:cTn>
+                        </p:par>
+                      </p:childTnLst>
+                    </p:cTn>
+                  </p:par>
+                  <p:par>
+                    <p:cTn id="23" fill="hold">
+                      <p:stCondLst>
+                        <p:cond delay="indefinite"/>
+                      </p:stCondLst>
+                      <p:childTnLst>
+                        <p:par>
+                          <p:cTn id="24" fill="hold">
+                            <p:stCondLst>
+                              <p:cond delay="0"/>
+                            </p:stCondLst>
+                            <p:childTnLst>
+                              <p:par>
+                                <p:cTn id="25" presetID="22" presetClass="entr" presetSubtype="4" fill="hold" grpId="0" nodeType="clickEffect">
+                                  <p:stCondLst>
+                                    <p:cond delay="0"/>
+                                  </p:stCondLst>
+                                  <p:childTnLst>
+                                    <p:set>
+                                      <p:cBhvr>
+                                        <p:cTn id="26" dur="1" fill="hold">
+                                          <p:stCondLst>
+                                            <p:cond delay="0"/>
+                                          </p:stCondLst>
+                                        </p:cTn>
+                                        <p:tgtEl>
+                                          <p:spTgt spid="5">
+                                            <p:txEl>
+                                              <p:pRg st="4" end="4"/>
+                                            </p:txEl>
+                                          </p:spTgt>
+                                        </p:tgtEl>
+                                        <p:attrNameLst>
+                                          <p:attrName>style.visibility</p:attrName>
+                                        </p:attrNameLst>
+                                      </p:cBhvr>
+                                      <p:to>
+                                        <p:strVal val="visible"/>
+                                      </p:to>
+                                    </p:set>
+                                    <p:animEffect transition="in" filter="wipe(down)">
+                                      <p:cBhvr>
+                                        <p:cTn id="27" dur="500"/>
+                                        <p:tgtEl>
+                                          <p:spTgt spid="5">
+                                            <p:txEl>
+                                              <p:pRg st="4" end="4"/>
+                                            </p:txEl>
+                                          </p:spTgt>
+                                        </p:tgtEl>
+                                      </p:cBhvr>
+                                    </p:animEffect>
+                                  </p:childTnLst>
+                                </p:cTn>
+                              </p:par>
+                            </p:childTnLst>
+                          </p:cTn>
+                        </p:par>
+                      </p:childTnLst>
+                    </p:cTn>
+                  </p:par>
+                </p:childTnLst>
+              </p:cTn>
+              <p:prevCondLst>
+                <p:cond evt="onPrev" delay="0">
+                  <p:tgtEl>
+                    <p:sldTgt/>
+                  </p:tgtEl>
+                </p:cond>
+              </p:prevCondLst>
+              <p:nextCondLst>
+                <p:cond evt="onNext" delay="0">
+                  <p:tgtEl>
+                    <p:sldTgt/>
+                  </p:tgtEl>
+                </p:cond>
+              </p:nextCondLst>
+            </p:seq>
+          </p:childTnLst>
+        </p:cTn>
+      </p:par>
+    </p:tnLst>
+    <p:bldLst>
+      <p:bldP spid="5" grpId="0" build="p"/>
+    </p:bldLst>
+  </p:timing>
 </p:sld>
 </file>
 
@@ -6376,8 +7852,8 @@
         </p:nvSpPr>
         <p:spPr>
           <a:xfrm>
-            <a:off x="1428185" y="1848475"/>
-            <a:ext cx="4450385" cy="1446550"/>
+            <a:off x="1976015" y="1848475"/>
+            <a:ext cx="2438489" cy="1446550"/>
           </a:xfrm>
           <a:prstGeom prst="rect">
             <a:avLst/>
@@ -6420,7 +7896,7 @@
                   </a:outerShdw>
                 </a:effectLst>
               </a:rPr>
-              <a:t>Question</a:t>
+              <a:t>Q&amp;A</a:t>
             </a:r>
           </a:p>
         </p:txBody>
@@ -6435,6 +7911,164 @@
   <p:clrMapOvr>
     <a:masterClrMapping/>
   </p:clrMapOvr>
+  <p:transition spd="med">
+    <p:pull/>
+  </p:transition>
+  <p:timing>
+    <p:tnLst>
+      <p:par>
+        <p:cTn id="1" dur="indefinite" restart="never" nodeType="tmRoot">
+          <p:childTnLst>
+            <p:seq concurrent="1" nextAc="seek">
+              <p:cTn id="2" dur="indefinite" nodeType="mainSeq">
+                <p:childTnLst>
+                  <p:par>
+                    <p:cTn id="3" fill="hold">
+                      <p:stCondLst>
+                        <p:cond delay="indefinite"/>
+                      </p:stCondLst>
+                      <p:childTnLst>
+                        <p:par>
+                          <p:cTn id="4" fill="hold">
+                            <p:stCondLst>
+                              <p:cond delay="0"/>
+                            </p:stCondLst>
+                            <p:childTnLst>
+                              <p:par>
+                                <p:cTn id="5" presetID="31" presetClass="entr" presetSubtype="0" fill="hold" grpId="0" nodeType="clickEffect">
+                                  <p:stCondLst>
+                                    <p:cond delay="0"/>
+                                  </p:stCondLst>
+                                  <p:childTnLst>
+                                    <p:set>
+                                      <p:cBhvr>
+                                        <p:cTn id="6" dur="1" fill="hold">
+                                          <p:stCondLst>
+                                            <p:cond delay="0"/>
+                                          </p:stCondLst>
+                                        </p:cTn>
+                                        <p:tgtEl>
+                                          <p:spTgt spid="4"/>
+                                        </p:tgtEl>
+                                        <p:attrNameLst>
+                                          <p:attrName>style.visibility</p:attrName>
+                                        </p:attrNameLst>
+                                      </p:cBhvr>
+                                      <p:to>
+                                        <p:strVal val="visible"/>
+                                      </p:to>
+                                    </p:set>
+                                    <p:anim calcmode="lin" valueType="num">
+                                      <p:cBhvr>
+                                        <p:cTn id="7" dur="1000" fill="hold"/>
+                                        <p:tgtEl>
+                                          <p:spTgt spid="4"/>
+                                        </p:tgtEl>
+                                        <p:attrNameLst>
+                                          <p:attrName>ppt_w</p:attrName>
+                                        </p:attrNameLst>
+                                      </p:cBhvr>
+                                      <p:tavLst>
+                                        <p:tav tm="0">
+                                          <p:val>
+                                            <p:fltVal val="0"/>
+                                          </p:val>
+                                        </p:tav>
+                                        <p:tav tm="100000">
+                                          <p:val>
+                                            <p:strVal val="#ppt_w"/>
+                                          </p:val>
+                                        </p:tav>
+                                      </p:tavLst>
+                                    </p:anim>
+                                    <p:anim calcmode="lin" valueType="num">
+                                      <p:cBhvr>
+                                        <p:cTn id="8" dur="1000" fill="hold"/>
+                                        <p:tgtEl>
+                                          <p:spTgt spid="4"/>
+                                        </p:tgtEl>
+                                        <p:attrNameLst>
+                                          <p:attrName>ppt_h</p:attrName>
+                                        </p:attrNameLst>
+                                      </p:cBhvr>
+                                      <p:tavLst>
+                                        <p:tav tm="0">
+                                          <p:val>
+                                            <p:fltVal val="0"/>
+                                          </p:val>
+                                        </p:tav>
+                                        <p:tav tm="100000">
+                                          <p:val>
+                                            <p:strVal val="#ppt_h"/>
+                                          </p:val>
+                                        </p:tav>
+                                      </p:tavLst>
+                                    </p:anim>
+                                    <p:anim calcmode="lin" valueType="num">
+                                      <p:cBhvr>
+                                        <p:cTn id="9" dur="1000" fill="hold"/>
+                                        <p:tgtEl>
+                                          <p:spTgt spid="4"/>
+                                        </p:tgtEl>
+                                        <p:attrNameLst>
+                                          <p:attrName>style.rotation</p:attrName>
+                                        </p:attrNameLst>
+                                      </p:cBhvr>
+                                      <p:tavLst>
+                                        <p:tav tm="0">
+                                          <p:val>
+                                            <p:fltVal val="90"/>
+                                          </p:val>
+                                        </p:tav>
+                                        <p:tav tm="100000">
+                                          <p:val>
+                                            <p:fltVal val="0"/>
+                                          </p:val>
+                                        </p:tav>
+                                      </p:tavLst>
+                                    </p:anim>
+                                    <p:animEffect transition="in" filter="fade">
+                                      <p:cBhvr>
+                                        <p:cTn id="10" dur="1000"/>
+                                        <p:tgtEl>
+                                          <p:spTgt spid="4"/>
+                                        </p:tgtEl>
+                                      </p:cBhvr>
+                                    </p:animEffect>
+                                  </p:childTnLst>
+                                </p:cTn>
+                              </p:par>
+                            </p:childTnLst>
+                          </p:cTn>
+                        </p:par>
+                      </p:childTnLst>
+                    </p:cTn>
+                  </p:par>
+                </p:childTnLst>
+              </p:cTn>
+              <p:prevCondLst>
+                <p:cond evt="onPrev" delay="0">
+                  <p:tgtEl>
+                    <p:sldTgt/>
+                  </p:tgtEl>
+                </p:cond>
+              </p:prevCondLst>
+              <p:nextCondLst>
+                <p:cond evt="onNext" delay="0">
+                  <p:tgtEl>
+                    <p:sldTgt/>
+                  </p:tgtEl>
+                </p:cond>
+              </p:nextCondLst>
+            </p:seq>
+          </p:childTnLst>
+        </p:cTn>
+      </p:par>
+    </p:tnLst>
+    <p:bldLst>
+      <p:bldP spid="4" grpId="0"/>
+    </p:bldLst>
+  </p:timing>
 </p:sld>
 </file>
 
@@ -6478,6 +8112,7 @@
           </a:bodyPr>
           <a:lstStyle/>
           <a:p>
+            <a:pPr algn="ctr"/>
             <a:r>
               <a:rPr lang="en-US" altLang="en-US" b="1" dirty="0">
                 <a:latin typeface="Arial" panose="020B0604020202020204" pitchFamily="34" charset="0"/>
@@ -6535,7 +8170,7 @@
                 <a:latin typeface="Arial" panose="020B0604020202020204" pitchFamily="34" charset="0"/>
                 <a:cs typeface="Arial" panose="020B0604020202020204" pitchFamily="34" charset="0"/>
               </a:rPr>
-              <a:t>Analysis of Variance by Region</a:t>
+              <a:t>Regression Model</a:t>
             </a:r>
           </a:p>
           <a:p>
@@ -6547,8 +8182,17 @@
                 <a:latin typeface="Arial" panose="020B0604020202020204" pitchFamily="34" charset="0"/>
                 <a:cs typeface="Arial" panose="020B0604020202020204" pitchFamily="34" charset="0"/>
               </a:rPr>
-              <a:t>Regression Model</a:t>
+              <a:t>Analysis of Variance by Region</a:t>
             </a:r>
+          </a:p>
+          <a:p>
+            <a:endParaRPr lang="en-US" b="1" dirty="0">
+              <a:solidFill>
+                <a:schemeClr val="tx1"/>
+              </a:solidFill>
+              <a:latin typeface="Arial" panose="020B0604020202020204" pitchFamily="34" charset="0"/>
+              <a:cs typeface="Arial" panose="020B0604020202020204" pitchFamily="34" charset="0"/>
+            </a:endParaRPr>
           </a:p>
           <a:p>
             <a:endParaRPr lang="en-US" b="1" dirty="0">
@@ -6580,6 +8224,225 @@
   <p:clrMapOvr>
     <a:masterClrMapping/>
   </p:clrMapOvr>
+  <p:transition spd="med">
+    <p:pull/>
+  </p:transition>
+  <p:timing>
+    <p:tnLst>
+      <p:par>
+        <p:cTn id="1" dur="indefinite" restart="never" nodeType="tmRoot">
+          <p:childTnLst>
+            <p:seq concurrent="1" nextAc="seek">
+              <p:cTn id="2" dur="indefinite" nodeType="mainSeq">
+                <p:childTnLst>
+                  <p:par>
+                    <p:cTn id="3" fill="hold">
+                      <p:stCondLst>
+                        <p:cond delay="indefinite"/>
+                      </p:stCondLst>
+                      <p:childTnLst>
+                        <p:par>
+                          <p:cTn id="4" fill="hold">
+                            <p:stCondLst>
+                              <p:cond delay="0"/>
+                            </p:stCondLst>
+                            <p:childTnLst>
+                              <p:par>
+                                <p:cTn id="5" presetID="22" presetClass="entr" presetSubtype="4" fill="hold" grpId="0" nodeType="clickEffect">
+                                  <p:stCondLst>
+                                    <p:cond delay="0"/>
+                                  </p:stCondLst>
+                                  <p:childTnLst>
+                                    <p:set>
+                                      <p:cBhvr>
+                                        <p:cTn id="6" dur="1" fill="hold">
+                                          <p:stCondLst>
+                                            <p:cond delay="0"/>
+                                          </p:stCondLst>
+                                        </p:cTn>
+                                        <p:tgtEl>
+                                          <p:spTgt spid="3">
+                                            <p:txEl>
+                                              <p:pRg st="0" end="0"/>
+                                            </p:txEl>
+                                          </p:spTgt>
+                                        </p:tgtEl>
+                                        <p:attrNameLst>
+                                          <p:attrName>style.visibility</p:attrName>
+                                        </p:attrNameLst>
+                                      </p:cBhvr>
+                                      <p:to>
+                                        <p:strVal val="visible"/>
+                                      </p:to>
+                                    </p:set>
+                                    <p:animEffect transition="in" filter="wipe(down)">
+                                      <p:cBhvr>
+                                        <p:cTn id="7" dur="500"/>
+                                        <p:tgtEl>
+                                          <p:spTgt spid="3">
+                                            <p:txEl>
+                                              <p:pRg st="0" end="0"/>
+                                            </p:txEl>
+                                          </p:spTgt>
+                                        </p:tgtEl>
+                                      </p:cBhvr>
+                                    </p:animEffect>
+                                  </p:childTnLst>
+                                </p:cTn>
+                              </p:par>
+                            </p:childTnLst>
+                          </p:cTn>
+                        </p:par>
+                      </p:childTnLst>
+                    </p:cTn>
+                  </p:par>
+                  <p:par>
+                    <p:cTn id="8" fill="hold">
+                      <p:stCondLst>
+                        <p:cond delay="indefinite"/>
+                      </p:stCondLst>
+                      <p:childTnLst>
+                        <p:par>
+                          <p:cTn id="9" fill="hold">
+                            <p:stCondLst>
+                              <p:cond delay="0"/>
+                            </p:stCondLst>
+                            <p:childTnLst>
+                              <p:par>
+                                <p:cTn id="10" presetID="22" presetClass="entr" presetSubtype="4" fill="hold" grpId="0" nodeType="clickEffect">
+                                  <p:stCondLst>
+                                    <p:cond delay="0"/>
+                                  </p:stCondLst>
+                                  <p:childTnLst>
+                                    <p:set>
+                                      <p:cBhvr>
+                                        <p:cTn id="11" dur="1" fill="hold">
+                                          <p:stCondLst>
+                                            <p:cond delay="0"/>
+                                          </p:stCondLst>
+                                        </p:cTn>
+                                        <p:tgtEl>
+                                          <p:spTgt spid="3">
+                                            <p:txEl>
+                                              <p:pRg st="1" end="1"/>
+                                            </p:txEl>
+                                          </p:spTgt>
+                                        </p:tgtEl>
+                                        <p:attrNameLst>
+                                          <p:attrName>style.visibility</p:attrName>
+                                        </p:attrNameLst>
+                                      </p:cBhvr>
+                                      <p:to>
+                                        <p:strVal val="visible"/>
+                                      </p:to>
+                                    </p:set>
+                                    <p:animEffect transition="in" filter="wipe(down)">
+                                      <p:cBhvr>
+                                        <p:cTn id="12" dur="500"/>
+                                        <p:tgtEl>
+                                          <p:spTgt spid="3">
+                                            <p:txEl>
+                                              <p:pRg st="1" end="1"/>
+                                            </p:txEl>
+                                          </p:spTgt>
+                                        </p:tgtEl>
+                                      </p:cBhvr>
+                                    </p:animEffect>
+                                  </p:childTnLst>
+                                </p:cTn>
+                              </p:par>
+                            </p:childTnLst>
+                          </p:cTn>
+                        </p:par>
+                      </p:childTnLst>
+                    </p:cTn>
+                  </p:par>
+                  <p:par>
+                    <p:cTn id="13" fill="hold">
+                      <p:stCondLst>
+                        <p:cond delay="indefinite"/>
+                      </p:stCondLst>
+                      <p:childTnLst>
+                        <p:par>
+                          <p:cTn id="14" fill="hold">
+                            <p:stCondLst>
+                              <p:cond delay="0"/>
+                            </p:stCondLst>
+                            <p:childTnLst>
+                              <p:par>
+                                <p:cTn id="15" presetID="22" presetClass="entr" presetSubtype="4" fill="hold" grpId="0" nodeType="clickEffect">
+                                  <p:stCondLst>
+                                    <p:cond delay="0"/>
+                                  </p:stCondLst>
+                                  <p:childTnLst>
+                                    <p:set>
+                                      <p:cBhvr>
+                                        <p:cTn id="16" dur="1" fill="hold">
+                                          <p:stCondLst>
+                                            <p:cond delay="0"/>
+                                          </p:stCondLst>
+                                        </p:cTn>
+                                        <p:tgtEl>
+                                          <p:spTgt spid="3">
+                                            <p:txEl>
+                                              <p:pRg st="2" end="2"/>
+                                            </p:txEl>
+                                          </p:spTgt>
+                                        </p:tgtEl>
+                                        <p:attrNameLst>
+                                          <p:attrName>style.visibility</p:attrName>
+                                        </p:attrNameLst>
+                                      </p:cBhvr>
+                                      <p:to>
+                                        <p:strVal val="visible"/>
+                                      </p:to>
+                                    </p:set>
+                                    <p:animEffect transition="in" filter="wipe(down)">
+                                      <p:cBhvr>
+                                        <p:cTn id="17" dur="500"/>
+                                        <p:tgtEl>
+                                          <p:spTgt spid="3">
+                                            <p:txEl>
+                                              <p:pRg st="2" end="2"/>
+                                            </p:txEl>
+                                          </p:spTgt>
+                                        </p:tgtEl>
+                                      </p:cBhvr>
+                                    </p:animEffect>
+                                  </p:childTnLst>
+                                </p:cTn>
+                              </p:par>
+                            </p:childTnLst>
+                          </p:cTn>
+                        </p:par>
+                      </p:childTnLst>
+                    </p:cTn>
+                  </p:par>
+                </p:childTnLst>
+              </p:cTn>
+              <p:prevCondLst>
+                <p:cond evt="onPrev" delay="0">
+                  <p:tgtEl>
+                    <p:sldTgt/>
+                  </p:tgtEl>
+                </p:cond>
+              </p:prevCondLst>
+              <p:nextCondLst>
+                <p:cond evt="onNext" delay="0">
+                  <p:tgtEl>
+                    <p:sldTgt/>
+                  </p:tgtEl>
+                </p:cond>
+              </p:nextCondLst>
+            </p:seq>
+          </p:childTnLst>
+        </p:cTn>
+      </p:par>
+    </p:tnLst>
+    <p:bldLst>
+      <p:bldP spid="3" grpId="0" build="p"/>
+    </p:bldLst>
+  </p:timing>
 </p:sld>
 </file>
 
@@ -6623,6 +8486,7 @@
           </a:bodyPr>
           <a:lstStyle/>
           <a:p>
+            <a:pPr algn="ctr"/>
             <a:r>
               <a:rPr lang="en-US" altLang="en-US" b="1" dirty="0">
                 <a:latin typeface="Arial" panose="020B0604020202020204" pitchFamily="34" charset="0"/>
@@ -6740,6 +8604,275 @@
   <p:clrMapOvr>
     <a:masterClrMapping/>
   </p:clrMapOvr>
+  <p:transition spd="med">
+    <p:pull/>
+  </p:transition>
+  <p:timing>
+    <p:tnLst>
+      <p:par>
+        <p:cTn id="1" dur="indefinite" restart="never" nodeType="tmRoot">
+          <p:childTnLst>
+            <p:seq concurrent="1" nextAc="seek">
+              <p:cTn id="2" dur="indefinite" nodeType="mainSeq">
+                <p:childTnLst>
+                  <p:par>
+                    <p:cTn id="3" fill="hold">
+                      <p:stCondLst>
+                        <p:cond delay="indefinite"/>
+                      </p:stCondLst>
+                      <p:childTnLst>
+                        <p:par>
+                          <p:cTn id="4" fill="hold">
+                            <p:stCondLst>
+                              <p:cond delay="0"/>
+                            </p:stCondLst>
+                            <p:childTnLst>
+                              <p:par>
+                                <p:cTn id="5" presetID="22" presetClass="entr" presetSubtype="4" fill="hold" grpId="0" nodeType="clickEffect">
+                                  <p:stCondLst>
+                                    <p:cond delay="0"/>
+                                  </p:stCondLst>
+                                  <p:childTnLst>
+                                    <p:set>
+                                      <p:cBhvr>
+                                        <p:cTn id="6" dur="1" fill="hold">
+                                          <p:stCondLst>
+                                            <p:cond delay="0"/>
+                                          </p:stCondLst>
+                                        </p:cTn>
+                                        <p:tgtEl>
+                                          <p:spTgt spid="3">
+                                            <p:txEl>
+                                              <p:pRg st="0" end="0"/>
+                                            </p:txEl>
+                                          </p:spTgt>
+                                        </p:tgtEl>
+                                        <p:attrNameLst>
+                                          <p:attrName>style.visibility</p:attrName>
+                                        </p:attrNameLst>
+                                      </p:cBhvr>
+                                      <p:to>
+                                        <p:strVal val="visible"/>
+                                      </p:to>
+                                    </p:set>
+                                    <p:animEffect transition="in" filter="wipe(down)">
+                                      <p:cBhvr>
+                                        <p:cTn id="7" dur="500"/>
+                                        <p:tgtEl>
+                                          <p:spTgt spid="3">
+                                            <p:txEl>
+                                              <p:pRg st="0" end="0"/>
+                                            </p:txEl>
+                                          </p:spTgt>
+                                        </p:tgtEl>
+                                      </p:cBhvr>
+                                    </p:animEffect>
+                                  </p:childTnLst>
+                                </p:cTn>
+                              </p:par>
+                              <p:par>
+                                <p:cTn id="8" presetID="22" presetClass="entr" presetSubtype="4" fill="hold" grpId="0" nodeType="withEffect">
+                                  <p:stCondLst>
+                                    <p:cond delay="0"/>
+                                  </p:stCondLst>
+                                  <p:childTnLst>
+                                    <p:set>
+                                      <p:cBhvr>
+                                        <p:cTn id="9" dur="1" fill="hold">
+                                          <p:stCondLst>
+                                            <p:cond delay="0"/>
+                                          </p:stCondLst>
+                                        </p:cTn>
+                                        <p:tgtEl>
+                                          <p:spTgt spid="3">
+                                            <p:txEl>
+                                              <p:pRg st="1" end="1"/>
+                                            </p:txEl>
+                                          </p:spTgt>
+                                        </p:tgtEl>
+                                        <p:attrNameLst>
+                                          <p:attrName>style.visibility</p:attrName>
+                                        </p:attrNameLst>
+                                      </p:cBhvr>
+                                      <p:to>
+                                        <p:strVal val="visible"/>
+                                      </p:to>
+                                    </p:set>
+                                    <p:animEffect transition="in" filter="wipe(down)">
+                                      <p:cBhvr>
+                                        <p:cTn id="10" dur="500"/>
+                                        <p:tgtEl>
+                                          <p:spTgt spid="3">
+                                            <p:txEl>
+                                              <p:pRg st="1" end="1"/>
+                                            </p:txEl>
+                                          </p:spTgt>
+                                        </p:tgtEl>
+                                      </p:cBhvr>
+                                    </p:animEffect>
+                                  </p:childTnLst>
+                                </p:cTn>
+                              </p:par>
+                              <p:par>
+                                <p:cTn id="11" presetID="22" presetClass="entr" presetSubtype="4" fill="hold" grpId="0" nodeType="withEffect">
+                                  <p:stCondLst>
+                                    <p:cond delay="0"/>
+                                  </p:stCondLst>
+                                  <p:childTnLst>
+                                    <p:set>
+                                      <p:cBhvr>
+                                        <p:cTn id="12" dur="1" fill="hold">
+                                          <p:stCondLst>
+                                            <p:cond delay="0"/>
+                                          </p:stCondLst>
+                                        </p:cTn>
+                                        <p:tgtEl>
+                                          <p:spTgt spid="3">
+                                            <p:txEl>
+                                              <p:pRg st="2" end="2"/>
+                                            </p:txEl>
+                                          </p:spTgt>
+                                        </p:tgtEl>
+                                        <p:attrNameLst>
+                                          <p:attrName>style.visibility</p:attrName>
+                                        </p:attrNameLst>
+                                      </p:cBhvr>
+                                      <p:to>
+                                        <p:strVal val="visible"/>
+                                      </p:to>
+                                    </p:set>
+                                    <p:animEffect transition="in" filter="wipe(down)">
+                                      <p:cBhvr>
+                                        <p:cTn id="13" dur="500"/>
+                                        <p:tgtEl>
+                                          <p:spTgt spid="3">
+                                            <p:txEl>
+                                              <p:pRg st="2" end="2"/>
+                                            </p:txEl>
+                                          </p:spTgt>
+                                        </p:tgtEl>
+                                      </p:cBhvr>
+                                    </p:animEffect>
+                                  </p:childTnLst>
+                                </p:cTn>
+                              </p:par>
+                              <p:par>
+                                <p:cTn id="14" presetID="22" presetClass="entr" presetSubtype="4" fill="hold" grpId="0" nodeType="withEffect">
+                                  <p:stCondLst>
+                                    <p:cond delay="0"/>
+                                  </p:stCondLst>
+                                  <p:childTnLst>
+                                    <p:set>
+                                      <p:cBhvr>
+                                        <p:cTn id="15" dur="1" fill="hold">
+                                          <p:stCondLst>
+                                            <p:cond delay="0"/>
+                                          </p:stCondLst>
+                                        </p:cTn>
+                                        <p:tgtEl>
+                                          <p:spTgt spid="3">
+                                            <p:txEl>
+                                              <p:pRg st="3" end="3"/>
+                                            </p:txEl>
+                                          </p:spTgt>
+                                        </p:tgtEl>
+                                        <p:attrNameLst>
+                                          <p:attrName>style.visibility</p:attrName>
+                                        </p:attrNameLst>
+                                      </p:cBhvr>
+                                      <p:to>
+                                        <p:strVal val="visible"/>
+                                      </p:to>
+                                    </p:set>
+                                    <p:animEffect transition="in" filter="wipe(down)">
+                                      <p:cBhvr>
+                                        <p:cTn id="16" dur="500"/>
+                                        <p:tgtEl>
+                                          <p:spTgt spid="3">
+                                            <p:txEl>
+                                              <p:pRg st="3" end="3"/>
+                                            </p:txEl>
+                                          </p:spTgt>
+                                        </p:tgtEl>
+                                      </p:cBhvr>
+                                    </p:animEffect>
+                                  </p:childTnLst>
+                                </p:cTn>
+                              </p:par>
+                              <p:par>
+                                <p:cTn id="17" presetID="22" presetClass="entr" presetSubtype="4" fill="hold" grpId="0" nodeType="withEffect">
+                                  <p:stCondLst>
+                                    <p:cond delay="0"/>
+                                  </p:stCondLst>
+                                  <p:childTnLst>
+                                    <p:set>
+                                      <p:cBhvr>
+                                        <p:cTn id="18" dur="1" fill="hold">
+                                          <p:stCondLst>
+                                            <p:cond delay="0"/>
+                                          </p:stCondLst>
+                                        </p:cTn>
+                                        <p:tgtEl>
+                                          <p:spTgt spid="3">
+                                            <p:txEl>
+                                              <p:pRg st="4" end="4"/>
+                                            </p:txEl>
+                                          </p:spTgt>
+                                        </p:tgtEl>
+                                        <p:attrNameLst>
+                                          <p:attrName>style.visibility</p:attrName>
+                                        </p:attrNameLst>
+                                      </p:cBhvr>
+                                      <p:to>
+                                        <p:strVal val="visible"/>
+                                      </p:to>
+                                    </p:set>
+                                    <p:animEffect transition="in" filter="wipe(down)">
+                                      <p:cBhvr>
+                                        <p:cTn id="19" dur="500"/>
+                                        <p:tgtEl>
+                                          <p:spTgt spid="3">
+                                            <p:txEl>
+                                              <p:pRg st="4" end="4"/>
+                                            </p:txEl>
+                                          </p:spTgt>
+                                        </p:tgtEl>
+                                      </p:cBhvr>
+                                    </p:animEffect>
+                                  </p:childTnLst>
+                                </p:cTn>
+                              </p:par>
+                            </p:childTnLst>
+                          </p:cTn>
+                        </p:par>
+                      </p:childTnLst>
+                    </p:cTn>
+                  </p:par>
+                </p:childTnLst>
+              </p:cTn>
+              <p:prevCondLst>
+                <p:cond evt="onPrev" delay="0">
+                  <p:tgtEl>
+                    <p:sldTgt/>
+                  </p:tgtEl>
+                </p:cond>
+              </p:prevCondLst>
+              <p:nextCondLst>
+                <p:cond evt="onNext" delay="0">
+                  <p:tgtEl>
+                    <p:sldTgt/>
+                  </p:tgtEl>
+                </p:cond>
+              </p:nextCondLst>
+            </p:seq>
+          </p:childTnLst>
+        </p:cTn>
+      </p:par>
+    </p:tnLst>
+    <p:bldLst>
+      <p:bldP spid="3" grpId="0" build="p"/>
+    </p:bldLst>
+  </p:timing>
 </p:sld>
 </file>
 
@@ -6776,13 +8909,19 @@
             <p:ph type="title"/>
           </p:nvPr>
         </p:nvSpPr>
-        <p:spPr/>
+        <p:spPr>
+          <a:xfrm>
+            <a:off x="296260" y="433880"/>
+            <a:ext cx="6260905" cy="572644"/>
+          </a:xfrm>
+        </p:spPr>
         <p:txBody>
           <a:bodyPr vert="horz" lIns="91440" tIns="45720" rIns="91440" bIns="45720" rtlCol="0" anchor="ctr">
             <a:normAutofit fontScale="90000"/>
           </a:bodyPr>
           <a:lstStyle/>
           <a:p>
+            <a:pPr algn="ctr"/>
             <a:r>
               <a:rPr lang="en-US" altLang="en-US" b="1" dirty="0">
                 <a:latin typeface="Arial" panose="020B0604020202020204" pitchFamily="34" charset="0"/>
@@ -6813,10 +8952,15 @@
             <p:ph idx="1"/>
           </p:nvPr>
         </p:nvSpPr>
-        <p:spPr/>
+        <p:spPr>
+          <a:xfrm>
+            <a:off x="601670" y="1197405"/>
+            <a:ext cx="6108200" cy="3358357"/>
+          </a:xfrm>
+        </p:spPr>
         <p:txBody>
           <a:bodyPr>
-            <a:normAutofit fontScale="77500" lnSpcReduction="20000"/>
+            <a:normAutofit/>
           </a:bodyPr>
           <a:lstStyle/>
           <a:p>
@@ -6841,7 +8985,7 @@
           <a:p>
             <a:pPr lvl="1"/>
             <a:r>
-              <a:rPr lang="en-US" dirty="0">
+              <a:rPr lang="en-US" sz="1800" dirty="0">
                 <a:solidFill>
                   <a:schemeClr val="tx1"/>
                 </a:solidFill>
@@ -6854,7 +8998,7 @@
           <a:p>
             <a:pPr lvl="1"/>
             <a:r>
-              <a:rPr lang="en-US" dirty="0" err="1">
+              <a:rPr lang="en-US" sz="1800" dirty="0" err="1">
                 <a:solidFill>
                   <a:schemeClr val="tx1"/>
                 </a:solidFill>
@@ -6864,7 +9008,7 @@
               <a:t>Beer_ID</a:t>
             </a:r>
             <a:r>
-              <a:rPr lang="en-US" dirty="0">
+              <a:rPr lang="en-US" sz="1800" dirty="0">
                 <a:solidFill>
                   <a:schemeClr val="tx1"/>
                 </a:solidFill>
@@ -6877,7 +9021,7 @@
           <a:p>
             <a:pPr lvl="1"/>
             <a:r>
-              <a:rPr lang="en-US" dirty="0">
+              <a:rPr lang="en-US" sz="1800" dirty="0">
                 <a:solidFill>
                   <a:schemeClr val="tx1"/>
                 </a:solidFill>
@@ -6890,7 +9034,7 @@
           <a:p>
             <a:pPr lvl="1"/>
             <a:r>
-              <a:rPr lang="en-US" dirty="0">
+              <a:rPr lang="en-US" sz="1800" dirty="0">
                 <a:solidFill>
                   <a:schemeClr val="tx1"/>
                 </a:solidFill>
@@ -6903,7 +9047,7 @@
           <a:p>
             <a:pPr lvl="1"/>
             <a:r>
-              <a:rPr lang="en-US" dirty="0" err="1">
+              <a:rPr lang="en-US" sz="1800" dirty="0" err="1">
                 <a:solidFill>
                   <a:schemeClr val="tx1"/>
                 </a:solidFill>
@@ -6913,7 +9057,7 @@
               <a:t>Brewery_ID</a:t>
             </a:r>
             <a:r>
-              <a:rPr lang="en-US" dirty="0">
+              <a:rPr lang="en-US" sz="1800" dirty="0">
                 <a:solidFill>
                   <a:schemeClr val="tx1"/>
                 </a:solidFill>
@@ -6926,7 +9070,7 @@
           <a:p>
             <a:pPr lvl="1"/>
             <a:r>
-              <a:rPr lang="en-US" dirty="0">
+              <a:rPr lang="en-US" sz="1800" dirty="0">
                 <a:solidFill>
                   <a:schemeClr val="tx1"/>
                 </a:solidFill>
@@ -6939,7 +9083,7 @@
           <a:p>
             <a:pPr lvl="1"/>
             <a:r>
-              <a:rPr lang="en-US" dirty="0">
+              <a:rPr lang="en-US" sz="1800" dirty="0">
                 <a:solidFill>
                   <a:schemeClr val="tx1"/>
                 </a:solidFill>
@@ -6970,6 +9114,404 @@
   <p:clrMapOvr>
     <a:masterClrMapping/>
   </p:clrMapOvr>
+  <p:transition spd="med">
+    <p:pull/>
+  </p:transition>
+  <p:timing>
+    <p:tnLst>
+      <p:par>
+        <p:cTn id="1" dur="indefinite" restart="never" nodeType="tmRoot">
+          <p:childTnLst>
+            <p:seq concurrent="1" nextAc="seek">
+              <p:cTn id="2" dur="indefinite" nodeType="mainSeq">
+                <p:childTnLst>
+                  <p:par>
+                    <p:cTn id="3" fill="hold">
+                      <p:stCondLst>
+                        <p:cond delay="indefinite"/>
+                      </p:stCondLst>
+                      <p:childTnLst>
+                        <p:par>
+                          <p:cTn id="4" fill="hold">
+                            <p:stCondLst>
+                              <p:cond delay="0"/>
+                            </p:stCondLst>
+                            <p:childTnLst>
+                              <p:par>
+                                <p:cTn id="5" presetID="22" presetClass="entr" presetSubtype="4" fill="hold" grpId="0" nodeType="clickEffect">
+                                  <p:stCondLst>
+                                    <p:cond delay="0"/>
+                                  </p:stCondLst>
+                                  <p:childTnLst>
+                                    <p:set>
+                                      <p:cBhvr>
+                                        <p:cTn id="6" dur="1" fill="hold">
+                                          <p:stCondLst>
+                                            <p:cond delay="0"/>
+                                          </p:stCondLst>
+                                        </p:cTn>
+                                        <p:tgtEl>
+                                          <p:spTgt spid="3">
+                                            <p:txEl>
+                                              <p:pRg st="0" end="0"/>
+                                            </p:txEl>
+                                          </p:spTgt>
+                                        </p:tgtEl>
+                                        <p:attrNameLst>
+                                          <p:attrName>style.visibility</p:attrName>
+                                        </p:attrNameLst>
+                                      </p:cBhvr>
+                                      <p:to>
+                                        <p:strVal val="visible"/>
+                                      </p:to>
+                                    </p:set>
+                                    <p:animEffect transition="in" filter="wipe(down)">
+                                      <p:cBhvr>
+                                        <p:cTn id="7" dur="500"/>
+                                        <p:tgtEl>
+                                          <p:spTgt spid="3">
+                                            <p:txEl>
+                                              <p:pRg st="0" end="0"/>
+                                            </p:txEl>
+                                          </p:spTgt>
+                                        </p:tgtEl>
+                                      </p:cBhvr>
+                                    </p:animEffect>
+                                  </p:childTnLst>
+                                </p:cTn>
+                              </p:par>
+                              <p:par>
+                                <p:cTn id="8" presetID="22" presetClass="entr" presetSubtype="4" fill="hold" grpId="0" nodeType="withEffect">
+                                  <p:stCondLst>
+                                    <p:cond delay="0"/>
+                                  </p:stCondLst>
+                                  <p:childTnLst>
+                                    <p:set>
+                                      <p:cBhvr>
+                                        <p:cTn id="9" dur="1" fill="hold">
+                                          <p:stCondLst>
+                                            <p:cond delay="0"/>
+                                          </p:stCondLst>
+                                        </p:cTn>
+                                        <p:tgtEl>
+                                          <p:spTgt spid="3">
+                                            <p:txEl>
+                                              <p:pRg st="1" end="1"/>
+                                            </p:txEl>
+                                          </p:spTgt>
+                                        </p:tgtEl>
+                                        <p:attrNameLst>
+                                          <p:attrName>style.visibility</p:attrName>
+                                        </p:attrNameLst>
+                                      </p:cBhvr>
+                                      <p:to>
+                                        <p:strVal val="visible"/>
+                                      </p:to>
+                                    </p:set>
+                                    <p:animEffect transition="in" filter="wipe(down)">
+                                      <p:cBhvr>
+                                        <p:cTn id="10" dur="500"/>
+                                        <p:tgtEl>
+                                          <p:spTgt spid="3">
+                                            <p:txEl>
+                                              <p:pRg st="1" end="1"/>
+                                            </p:txEl>
+                                          </p:spTgt>
+                                        </p:tgtEl>
+                                      </p:cBhvr>
+                                    </p:animEffect>
+                                  </p:childTnLst>
+                                </p:cTn>
+                              </p:par>
+                              <p:par>
+                                <p:cTn id="11" presetID="22" presetClass="entr" presetSubtype="4" fill="hold" grpId="0" nodeType="withEffect">
+                                  <p:stCondLst>
+                                    <p:cond delay="0"/>
+                                  </p:stCondLst>
+                                  <p:childTnLst>
+                                    <p:set>
+                                      <p:cBhvr>
+                                        <p:cTn id="12" dur="1" fill="hold">
+                                          <p:stCondLst>
+                                            <p:cond delay="0"/>
+                                          </p:stCondLst>
+                                        </p:cTn>
+                                        <p:tgtEl>
+                                          <p:spTgt spid="3">
+                                            <p:txEl>
+                                              <p:pRg st="2" end="2"/>
+                                            </p:txEl>
+                                          </p:spTgt>
+                                        </p:tgtEl>
+                                        <p:attrNameLst>
+                                          <p:attrName>style.visibility</p:attrName>
+                                        </p:attrNameLst>
+                                      </p:cBhvr>
+                                      <p:to>
+                                        <p:strVal val="visible"/>
+                                      </p:to>
+                                    </p:set>
+                                    <p:animEffect transition="in" filter="wipe(down)">
+                                      <p:cBhvr>
+                                        <p:cTn id="13" dur="500"/>
+                                        <p:tgtEl>
+                                          <p:spTgt spid="3">
+                                            <p:txEl>
+                                              <p:pRg st="2" end="2"/>
+                                            </p:txEl>
+                                          </p:spTgt>
+                                        </p:tgtEl>
+                                      </p:cBhvr>
+                                    </p:animEffect>
+                                  </p:childTnLst>
+                                </p:cTn>
+                              </p:par>
+                              <p:par>
+                                <p:cTn id="14" presetID="22" presetClass="entr" presetSubtype="4" fill="hold" grpId="0" nodeType="withEffect">
+                                  <p:stCondLst>
+                                    <p:cond delay="0"/>
+                                  </p:stCondLst>
+                                  <p:childTnLst>
+                                    <p:set>
+                                      <p:cBhvr>
+                                        <p:cTn id="15" dur="1" fill="hold">
+                                          <p:stCondLst>
+                                            <p:cond delay="0"/>
+                                          </p:stCondLst>
+                                        </p:cTn>
+                                        <p:tgtEl>
+                                          <p:spTgt spid="3">
+                                            <p:txEl>
+                                              <p:pRg st="3" end="3"/>
+                                            </p:txEl>
+                                          </p:spTgt>
+                                        </p:tgtEl>
+                                        <p:attrNameLst>
+                                          <p:attrName>style.visibility</p:attrName>
+                                        </p:attrNameLst>
+                                      </p:cBhvr>
+                                      <p:to>
+                                        <p:strVal val="visible"/>
+                                      </p:to>
+                                    </p:set>
+                                    <p:animEffect transition="in" filter="wipe(down)">
+                                      <p:cBhvr>
+                                        <p:cTn id="16" dur="500"/>
+                                        <p:tgtEl>
+                                          <p:spTgt spid="3">
+                                            <p:txEl>
+                                              <p:pRg st="3" end="3"/>
+                                            </p:txEl>
+                                          </p:spTgt>
+                                        </p:tgtEl>
+                                      </p:cBhvr>
+                                    </p:animEffect>
+                                  </p:childTnLst>
+                                </p:cTn>
+                              </p:par>
+                              <p:par>
+                                <p:cTn id="17" presetID="22" presetClass="entr" presetSubtype="4" fill="hold" grpId="0" nodeType="withEffect">
+                                  <p:stCondLst>
+                                    <p:cond delay="0"/>
+                                  </p:stCondLst>
+                                  <p:childTnLst>
+                                    <p:set>
+                                      <p:cBhvr>
+                                        <p:cTn id="18" dur="1" fill="hold">
+                                          <p:stCondLst>
+                                            <p:cond delay="0"/>
+                                          </p:stCondLst>
+                                        </p:cTn>
+                                        <p:tgtEl>
+                                          <p:spTgt spid="3">
+                                            <p:txEl>
+                                              <p:pRg st="4" end="4"/>
+                                            </p:txEl>
+                                          </p:spTgt>
+                                        </p:tgtEl>
+                                        <p:attrNameLst>
+                                          <p:attrName>style.visibility</p:attrName>
+                                        </p:attrNameLst>
+                                      </p:cBhvr>
+                                      <p:to>
+                                        <p:strVal val="visible"/>
+                                      </p:to>
+                                    </p:set>
+                                    <p:animEffect transition="in" filter="wipe(down)">
+                                      <p:cBhvr>
+                                        <p:cTn id="19" dur="500"/>
+                                        <p:tgtEl>
+                                          <p:spTgt spid="3">
+                                            <p:txEl>
+                                              <p:pRg st="4" end="4"/>
+                                            </p:txEl>
+                                          </p:spTgt>
+                                        </p:tgtEl>
+                                      </p:cBhvr>
+                                    </p:animEffect>
+                                  </p:childTnLst>
+                                </p:cTn>
+                              </p:par>
+                              <p:par>
+                                <p:cTn id="20" presetID="22" presetClass="entr" presetSubtype="4" fill="hold" grpId="0" nodeType="withEffect">
+                                  <p:stCondLst>
+                                    <p:cond delay="0"/>
+                                  </p:stCondLst>
+                                  <p:childTnLst>
+                                    <p:set>
+                                      <p:cBhvr>
+                                        <p:cTn id="21" dur="1" fill="hold">
+                                          <p:stCondLst>
+                                            <p:cond delay="0"/>
+                                          </p:stCondLst>
+                                        </p:cTn>
+                                        <p:tgtEl>
+                                          <p:spTgt spid="3">
+                                            <p:txEl>
+                                              <p:pRg st="5" end="5"/>
+                                            </p:txEl>
+                                          </p:spTgt>
+                                        </p:tgtEl>
+                                        <p:attrNameLst>
+                                          <p:attrName>style.visibility</p:attrName>
+                                        </p:attrNameLst>
+                                      </p:cBhvr>
+                                      <p:to>
+                                        <p:strVal val="visible"/>
+                                      </p:to>
+                                    </p:set>
+                                    <p:animEffect transition="in" filter="wipe(down)">
+                                      <p:cBhvr>
+                                        <p:cTn id="22" dur="500"/>
+                                        <p:tgtEl>
+                                          <p:spTgt spid="3">
+                                            <p:txEl>
+                                              <p:pRg st="5" end="5"/>
+                                            </p:txEl>
+                                          </p:spTgt>
+                                        </p:tgtEl>
+                                      </p:cBhvr>
+                                    </p:animEffect>
+                                  </p:childTnLst>
+                                </p:cTn>
+                              </p:par>
+                              <p:par>
+                                <p:cTn id="23" presetID="22" presetClass="entr" presetSubtype="4" fill="hold" grpId="0" nodeType="withEffect">
+                                  <p:stCondLst>
+                                    <p:cond delay="0"/>
+                                  </p:stCondLst>
+                                  <p:childTnLst>
+                                    <p:set>
+                                      <p:cBhvr>
+                                        <p:cTn id="24" dur="1" fill="hold">
+                                          <p:stCondLst>
+                                            <p:cond delay="0"/>
+                                          </p:stCondLst>
+                                        </p:cTn>
+                                        <p:tgtEl>
+                                          <p:spTgt spid="3">
+                                            <p:txEl>
+                                              <p:pRg st="6" end="6"/>
+                                            </p:txEl>
+                                          </p:spTgt>
+                                        </p:tgtEl>
+                                        <p:attrNameLst>
+                                          <p:attrName>style.visibility</p:attrName>
+                                        </p:attrNameLst>
+                                      </p:cBhvr>
+                                      <p:to>
+                                        <p:strVal val="visible"/>
+                                      </p:to>
+                                    </p:set>
+                                    <p:animEffect transition="in" filter="wipe(down)">
+                                      <p:cBhvr>
+                                        <p:cTn id="25" dur="500"/>
+                                        <p:tgtEl>
+                                          <p:spTgt spid="3">
+                                            <p:txEl>
+                                              <p:pRg st="6" end="6"/>
+                                            </p:txEl>
+                                          </p:spTgt>
+                                        </p:tgtEl>
+                                      </p:cBhvr>
+                                    </p:animEffect>
+                                  </p:childTnLst>
+                                </p:cTn>
+                              </p:par>
+                              <p:par>
+                                <p:cTn id="26" presetID="22" presetClass="entr" presetSubtype="4" fill="hold" grpId="0" nodeType="withEffect">
+                                  <p:stCondLst>
+                                    <p:cond delay="0"/>
+                                  </p:stCondLst>
+                                  <p:childTnLst>
+                                    <p:set>
+                                      <p:cBhvr>
+                                        <p:cTn id="27" dur="1" fill="hold">
+                                          <p:stCondLst>
+                                            <p:cond delay="0"/>
+                                          </p:stCondLst>
+                                        </p:cTn>
+                                        <p:tgtEl>
+                                          <p:spTgt spid="3">
+                                            <p:txEl>
+                                              <p:pRg st="7" end="7"/>
+                                            </p:txEl>
+                                          </p:spTgt>
+                                        </p:tgtEl>
+                                        <p:attrNameLst>
+                                          <p:attrName>style.visibility</p:attrName>
+                                        </p:attrNameLst>
+                                      </p:cBhvr>
+                                      <p:to>
+                                        <p:strVal val="visible"/>
+                                      </p:to>
+                                    </p:set>
+                                    <p:animEffect transition="in" filter="wipe(down)">
+                                      <p:cBhvr>
+                                        <p:cTn id="28" dur="500"/>
+                                        <p:tgtEl>
+                                          <p:spTgt spid="3">
+                                            <p:txEl>
+                                              <p:pRg st="7" end="7"/>
+                                            </p:txEl>
+                                          </p:spTgt>
+                                        </p:tgtEl>
+                                      </p:cBhvr>
+                                    </p:animEffect>
+                                  </p:childTnLst>
+                                </p:cTn>
+                              </p:par>
+                            </p:childTnLst>
+                          </p:cTn>
+                        </p:par>
+                      </p:childTnLst>
+                    </p:cTn>
+                  </p:par>
+                </p:childTnLst>
+              </p:cTn>
+              <p:prevCondLst>
+                <p:cond evt="onPrev" delay="0">
+                  <p:tgtEl>
+                    <p:sldTgt/>
+                  </p:tgtEl>
+                </p:cond>
+              </p:prevCondLst>
+              <p:nextCondLst>
+                <p:cond evt="onNext" delay="0">
+                  <p:tgtEl>
+                    <p:sldTgt/>
+                  </p:tgtEl>
+                </p:cond>
+              </p:nextCondLst>
+            </p:seq>
+          </p:childTnLst>
+        </p:cTn>
+      </p:par>
+    </p:tnLst>
+    <p:bldLst>
+      <p:bldP spid="3" grpId="0" build="p"/>
+    </p:bldLst>
+  </p:timing>
 </p:sld>
 </file>
 
@@ -7013,6 +9555,7 @@
           </a:bodyPr>
           <a:lstStyle/>
           <a:p>
+            <a:pPr algn="ctr"/>
             <a:r>
               <a:rPr lang="en-US" altLang="en-US" b="1" dirty="0">
                 <a:latin typeface="Arial" panose="020B0604020202020204" pitchFamily="34" charset="0"/>
@@ -7040,10 +9583,15 @@
             <p:ph idx="1"/>
           </p:nvPr>
         </p:nvSpPr>
-        <p:spPr/>
+        <p:spPr>
+          <a:xfrm>
+            <a:off x="0" y="1197405"/>
+            <a:ext cx="7015279" cy="3359510"/>
+          </a:xfrm>
+        </p:spPr>
         <p:txBody>
           <a:bodyPr>
-            <a:normAutofit fontScale="92500" lnSpcReduction="10000"/>
+            <a:normAutofit/>
           </a:bodyPr>
           <a:lstStyle/>
           <a:p>
@@ -7068,7 +9616,7 @@
           <a:p>
             <a:pPr lvl="1"/>
             <a:r>
-              <a:rPr lang="en-US" dirty="0" err="1">
+              <a:rPr lang="en-US" sz="2200" dirty="0" err="1">
                 <a:solidFill>
                   <a:schemeClr val="tx1"/>
                 </a:solidFill>
@@ -7078,7 +9626,7 @@
               <a:t>Brew_ID</a:t>
             </a:r>
             <a:r>
-              <a:rPr lang="en-US" dirty="0">
+              <a:rPr lang="en-US" sz="2200" dirty="0">
                 <a:solidFill>
                   <a:schemeClr val="tx1"/>
                 </a:solidFill>
@@ -7091,7 +9639,7 @@
           <a:p>
             <a:pPr lvl="1"/>
             <a:r>
-              <a:rPr lang="en-US" dirty="0">
+              <a:rPr lang="en-US" sz="2200" dirty="0">
                 <a:solidFill>
                   <a:schemeClr val="tx1"/>
                 </a:solidFill>
@@ -7104,7 +9652,7 @@
           <a:p>
             <a:pPr lvl="1"/>
             <a:r>
-              <a:rPr lang="en-US" dirty="0">
+              <a:rPr lang="en-US" sz="2200" dirty="0">
                 <a:solidFill>
                   <a:schemeClr val="tx1"/>
                 </a:solidFill>
@@ -7117,7 +9665,7 @@
           <a:p>
             <a:pPr lvl="1"/>
             <a:r>
-              <a:rPr lang="en-US" dirty="0">
+              <a:rPr lang="en-US" sz="2200" dirty="0">
                 <a:solidFill>
                   <a:schemeClr val="tx1"/>
                 </a:solidFill>
@@ -7139,6 +9687,275 @@
   <p:clrMapOvr>
     <a:masterClrMapping/>
   </p:clrMapOvr>
+  <p:transition spd="med">
+    <p:pull/>
+  </p:transition>
+  <p:timing>
+    <p:tnLst>
+      <p:par>
+        <p:cTn id="1" dur="indefinite" restart="never" nodeType="tmRoot">
+          <p:childTnLst>
+            <p:seq concurrent="1" nextAc="seek">
+              <p:cTn id="2" dur="indefinite" nodeType="mainSeq">
+                <p:childTnLst>
+                  <p:par>
+                    <p:cTn id="3" fill="hold">
+                      <p:stCondLst>
+                        <p:cond delay="indefinite"/>
+                      </p:stCondLst>
+                      <p:childTnLst>
+                        <p:par>
+                          <p:cTn id="4" fill="hold">
+                            <p:stCondLst>
+                              <p:cond delay="0"/>
+                            </p:stCondLst>
+                            <p:childTnLst>
+                              <p:par>
+                                <p:cTn id="5" presetID="22" presetClass="entr" presetSubtype="4" fill="hold" grpId="0" nodeType="clickEffect">
+                                  <p:stCondLst>
+                                    <p:cond delay="0"/>
+                                  </p:stCondLst>
+                                  <p:childTnLst>
+                                    <p:set>
+                                      <p:cBhvr>
+                                        <p:cTn id="6" dur="1" fill="hold">
+                                          <p:stCondLst>
+                                            <p:cond delay="0"/>
+                                          </p:stCondLst>
+                                        </p:cTn>
+                                        <p:tgtEl>
+                                          <p:spTgt spid="3">
+                                            <p:txEl>
+                                              <p:pRg st="0" end="0"/>
+                                            </p:txEl>
+                                          </p:spTgt>
+                                        </p:tgtEl>
+                                        <p:attrNameLst>
+                                          <p:attrName>style.visibility</p:attrName>
+                                        </p:attrNameLst>
+                                      </p:cBhvr>
+                                      <p:to>
+                                        <p:strVal val="visible"/>
+                                      </p:to>
+                                    </p:set>
+                                    <p:animEffect transition="in" filter="wipe(down)">
+                                      <p:cBhvr>
+                                        <p:cTn id="7" dur="500"/>
+                                        <p:tgtEl>
+                                          <p:spTgt spid="3">
+                                            <p:txEl>
+                                              <p:pRg st="0" end="0"/>
+                                            </p:txEl>
+                                          </p:spTgt>
+                                        </p:tgtEl>
+                                      </p:cBhvr>
+                                    </p:animEffect>
+                                  </p:childTnLst>
+                                </p:cTn>
+                              </p:par>
+                              <p:par>
+                                <p:cTn id="8" presetID="22" presetClass="entr" presetSubtype="4" fill="hold" grpId="0" nodeType="withEffect">
+                                  <p:stCondLst>
+                                    <p:cond delay="0"/>
+                                  </p:stCondLst>
+                                  <p:childTnLst>
+                                    <p:set>
+                                      <p:cBhvr>
+                                        <p:cTn id="9" dur="1" fill="hold">
+                                          <p:stCondLst>
+                                            <p:cond delay="0"/>
+                                          </p:stCondLst>
+                                        </p:cTn>
+                                        <p:tgtEl>
+                                          <p:spTgt spid="3">
+                                            <p:txEl>
+                                              <p:pRg st="1" end="1"/>
+                                            </p:txEl>
+                                          </p:spTgt>
+                                        </p:tgtEl>
+                                        <p:attrNameLst>
+                                          <p:attrName>style.visibility</p:attrName>
+                                        </p:attrNameLst>
+                                      </p:cBhvr>
+                                      <p:to>
+                                        <p:strVal val="visible"/>
+                                      </p:to>
+                                    </p:set>
+                                    <p:animEffect transition="in" filter="wipe(down)">
+                                      <p:cBhvr>
+                                        <p:cTn id="10" dur="500"/>
+                                        <p:tgtEl>
+                                          <p:spTgt spid="3">
+                                            <p:txEl>
+                                              <p:pRg st="1" end="1"/>
+                                            </p:txEl>
+                                          </p:spTgt>
+                                        </p:tgtEl>
+                                      </p:cBhvr>
+                                    </p:animEffect>
+                                  </p:childTnLst>
+                                </p:cTn>
+                              </p:par>
+                              <p:par>
+                                <p:cTn id="11" presetID="22" presetClass="entr" presetSubtype="4" fill="hold" grpId="0" nodeType="withEffect">
+                                  <p:stCondLst>
+                                    <p:cond delay="0"/>
+                                  </p:stCondLst>
+                                  <p:childTnLst>
+                                    <p:set>
+                                      <p:cBhvr>
+                                        <p:cTn id="12" dur="1" fill="hold">
+                                          <p:stCondLst>
+                                            <p:cond delay="0"/>
+                                          </p:stCondLst>
+                                        </p:cTn>
+                                        <p:tgtEl>
+                                          <p:spTgt spid="3">
+                                            <p:txEl>
+                                              <p:pRg st="2" end="2"/>
+                                            </p:txEl>
+                                          </p:spTgt>
+                                        </p:tgtEl>
+                                        <p:attrNameLst>
+                                          <p:attrName>style.visibility</p:attrName>
+                                        </p:attrNameLst>
+                                      </p:cBhvr>
+                                      <p:to>
+                                        <p:strVal val="visible"/>
+                                      </p:to>
+                                    </p:set>
+                                    <p:animEffect transition="in" filter="wipe(down)">
+                                      <p:cBhvr>
+                                        <p:cTn id="13" dur="500"/>
+                                        <p:tgtEl>
+                                          <p:spTgt spid="3">
+                                            <p:txEl>
+                                              <p:pRg st="2" end="2"/>
+                                            </p:txEl>
+                                          </p:spTgt>
+                                        </p:tgtEl>
+                                      </p:cBhvr>
+                                    </p:animEffect>
+                                  </p:childTnLst>
+                                </p:cTn>
+                              </p:par>
+                              <p:par>
+                                <p:cTn id="14" presetID="22" presetClass="entr" presetSubtype="4" fill="hold" grpId="0" nodeType="withEffect">
+                                  <p:stCondLst>
+                                    <p:cond delay="0"/>
+                                  </p:stCondLst>
+                                  <p:childTnLst>
+                                    <p:set>
+                                      <p:cBhvr>
+                                        <p:cTn id="15" dur="1" fill="hold">
+                                          <p:stCondLst>
+                                            <p:cond delay="0"/>
+                                          </p:stCondLst>
+                                        </p:cTn>
+                                        <p:tgtEl>
+                                          <p:spTgt spid="3">
+                                            <p:txEl>
+                                              <p:pRg st="3" end="3"/>
+                                            </p:txEl>
+                                          </p:spTgt>
+                                        </p:tgtEl>
+                                        <p:attrNameLst>
+                                          <p:attrName>style.visibility</p:attrName>
+                                        </p:attrNameLst>
+                                      </p:cBhvr>
+                                      <p:to>
+                                        <p:strVal val="visible"/>
+                                      </p:to>
+                                    </p:set>
+                                    <p:animEffect transition="in" filter="wipe(down)">
+                                      <p:cBhvr>
+                                        <p:cTn id="16" dur="500"/>
+                                        <p:tgtEl>
+                                          <p:spTgt spid="3">
+                                            <p:txEl>
+                                              <p:pRg st="3" end="3"/>
+                                            </p:txEl>
+                                          </p:spTgt>
+                                        </p:tgtEl>
+                                      </p:cBhvr>
+                                    </p:animEffect>
+                                  </p:childTnLst>
+                                </p:cTn>
+                              </p:par>
+                              <p:par>
+                                <p:cTn id="17" presetID="22" presetClass="entr" presetSubtype="4" fill="hold" grpId="0" nodeType="withEffect">
+                                  <p:stCondLst>
+                                    <p:cond delay="0"/>
+                                  </p:stCondLst>
+                                  <p:childTnLst>
+                                    <p:set>
+                                      <p:cBhvr>
+                                        <p:cTn id="18" dur="1" fill="hold">
+                                          <p:stCondLst>
+                                            <p:cond delay="0"/>
+                                          </p:stCondLst>
+                                        </p:cTn>
+                                        <p:tgtEl>
+                                          <p:spTgt spid="3">
+                                            <p:txEl>
+                                              <p:pRg st="4" end="4"/>
+                                            </p:txEl>
+                                          </p:spTgt>
+                                        </p:tgtEl>
+                                        <p:attrNameLst>
+                                          <p:attrName>style.visibility</p:attrName>
+                                        </p:attrNameLst>
+                                      </p:cBhvr>
+                                      <p:to>
+                                        <p:strVal val="visible"/>
+                                      </p:to>
+                                    </p:set>
+                                    <p:animEffect transition="in" filter="wipe(down)">
+                                      <p:cBhvr>
+                                        <p:cTn id="19" dur="500"/>
+                                        <p:tgtEl>
+                                          <p:spTgt spid="3">
+                                            <p:txEl>
+                                              <p:pRg st="4" end="4"/>
+                                            </p:txEl>
+                                          </p:spTgt>
+                                        </p:tgtEl>
+                                      </p:cBhvr>
+                                    </p:animEffect>
+                                  </p:childTnLst>
+                                </p:cTn>
+                              </p:par>
+                            </p:childTnLst>
+                          </p:cTn>
+                        </p:par>
+                      </p:childTnLst>
+                    </p:cTn>
+                  </p:par>
+                </p:childTnLst>
+              </p:cTn>
+              <p:prevCondLst>
+                <p:cond evt="onPrev" delay="0">
+                  <p:tgtEl>
+                    <p:sldTgt/>
+                  </p:tgtEl>
+                </p:cond>
+              </p:prevCondLst>
+              <p:nextCondLst>
+                <p:cond evt="onNext" delay="0">
+                  <p:tgtEl>
+                    <p:sldTgt/>
+                  </p:tgtEl>
+                </p:cond>
+              </p:nextCondLst>
+            </p:seq>
+          </p:childTnLst>
+        </p:cTn>
+      </p:par>
+    </p:tnLst>
+    <p:bldLst>
+      <p:bldP spid="3" grpId="0" build="p"/>
+    </p:bldLst>
+  </p:timing>
 </p:sld>
 </file>
 
@@ -7182,6 +9999,7 @@
           </a:bodyPr>
           <a:lstStyle/>
           <a:p>
+            <a:pPr algn="ctr"/>
             <a:r>
               <a:rPr lang="en-US" b="1" dirty="0">
                 <a:latin typeface="Arial" panose="020B0604020202020204" pitchFamily="34" charset="0"/>
@@ -7775,10 +10593,247 @@
                     <a:p>
                       <a:pPr algn="ctr" fontAlgn="b"/>
                       <a:r>
+                        <a:rPr lang="en-US" sz="1000" u="none" strike="noStrike">
+                          <a:effectLst/>
+                        </a:rPr>
+                        <a:t>39</a:t>
+                      </a:r>
+                      <a:endParaRPr lang="en-US" sz="1000" b="1" i="0" u="none" strike="noStrike">
+                        <a:solidFill>
+                          <a:srgbClr val="000000"/>
+                        </a:solidFill>
+                        <a:effectLst/>
+                        <a:latin typeface="Arial" panose="020B0604020202020204" pitchFamily="34" charset="0"/>
+                      </a:endParaRPr>
+                    </a:p>
+                  </a:txBody>
+                  <a:tcPr marL="3175" marR="3175" marT="3175" marB="0" anchor="b"/>
+                </a:tc>
+                <a:tc>
+                  <a:txBody>
+                    <a:bodyPr/>
+                    <a:lstStyle/>
+                    <a:p>
+                      <a:pPr algn="ctr" fontAlgn="b"/>
+                      <a:r>
+                        <a:rPr lang="en-US" sz="1000" u="none" strike="noStrike">
+                          <a:effectLst/>
+                        </a:rPr>
+                        <a:t>47</a:t>
+                      </a:r>
+                      <a:endParaRPr lang="en-US" sz="1000" b="1" i="0" u="none" strike="noStrike">
+                        <a:solidFill>
+                          <a:srgbClr val="000000"/>
+                        </a:solidFill>
+                        <a:effectLst/>
+                        <a:latin typeface="Arial" panose="020B0604020202020204" pitchFamily="34" charset="0"/>
+                      </a:endParaRPr>
+                    </a:p>
+                  </a:txBody>
+                  <a:tcPr marL="3175" marR="3175" marT="3175" marB="0" anchor="b"/>
+                </a:tc>
+                <a:tc>
+                  <a:txBody>
+                    <a:bodyPr/>
+                    <a:lstStyle/>
+                    <a:p>
+                      <a:pPr algn="ctr" fontAlgn="b"/>
+                      <a:r>
+                        <a:rPr lang="en-US" sz="1000" u="none" strike="noStrike">
+                          <a:effectLst/>
+                        </a:rPr>
+                        <a:t>8</a:t>
+                      </a:r>
+                      <a:endParaRPr lang="en-US" sz="1000" b="1" i="0" u="none" strike="noStrike">
+                        <a:solidFill>
+                          <a:srgbClr val="000000"/>
+                        </a:solidFill>
+                        <a:effectLst/>
+                        <a:latin typeface="Arial" panose="020B0604020202020204" pitchFamily="34" charset="0"/>
+                      </a:endParaRPr>
+                    </a:p>
+                  </a:txBody>
+                  <a:tcPr marL="3175" marR="3175" marT="3175" marB="0" anchor="b"/>
+                </a:tc>
+                <a:tc>
+                  <a:txBody>
+                    <a:bodyPr/>
+                    <a:lstStyle/>
+                    <a:p>
+                      <a:pPr algn="ctr" fontAlgn="b"/>
+                      <a:r>
+                        <a:rPr lang="en-US" sz="1000" u="none" strike="noStrike">
+                          <a:effectLst/>
+                        </a:rPr>
+                        <a:t>1</a:t>
+                      </a:r>
+                      <a:endParaRPr lang="en-US" sz="1000" b="1" i="0" u="none" strike="noStrike">
+                        <a:solidFill>
+                          <a:srgbClr val="000000"/>
+                        </a:solidFill>
+                        <a:effectLst/>
+                        <a:latin typeface="Arial" panose="020B0604020202020204" pitchFamily="34" charset="0"/>
+                      </a:endParaRPr>
+                    </a:p>
+                  </a:txBody>
+                  <a:tcPr marL="3175" marR="3175" marT="3175" marB="0" anchor="b"/>
+                </a:tc>
+                <a:tc>
+                  <a:txBody>
+                    <a:bodyPr/>
+                    <a:lstStyle/>
+                    <a:p>
+                      <a:pPr algn="ctr" fontAlgn="b"/>
+                      <a:r>
+                        <a:rPr lang="en-US" sz="1000" u="none" strike="noStrike">
+                          <a:effectLst/>
+                        </a:rPr>
+                        <a:t>2</a:t>
+                      </a:r>
+                      <a:endParaRPr lang="en-US" sz="1000" b="1" i="0" u="none" strike="noStrike">
+                        <a:solidFill>
+                          <a:srgbClr val="000000"/>
+                        </a:solidFill>
+                        <a:effectLst/>
+                        <a:latin typeface="Arial" panose="020B0604020202020204" pitchFamily="34" charset="0"/>
+                      </a:endParaRPr>
+                    </a:p>
+                  </a:txBody>
+                  <a:tcPr marL="3175" marR="3175" marT="3175" marB="0" anchor="b"/>
+                </a:tc>
+                <a:tc>
+                  <a:txBody>
+                    <a:bodyPr/>
+                    <a:lstStyle/>
+                    <a:p>
+                      <a:pPr algn="ctr" fontAlgn="b"/>
+                      <a:r>
+                        <a:rPr lang="en-US" sz="1000" u="none" strike="noStrike">
+                          <a:effectLst/>
+                        </a:rPr>
+                        <a:t>15</a:t>
+                      </a:r>
+                      <a:endParaRPr lang="en-US" sz="1000" b="1" i="0" u="none" strike="noStrike">
+                        <a:solidFill>
+                          <a:srgbClr val="000000"/>
+                        </a:solidFill>
+                        <a:effectLst/>
+                        <a:latin typeface="Arial" panose="020B0604020202020204" pitchFamily="34" charset="0"/>
+                      </a:endParaRPr>
+                    </a:p>
+                  </a:txBody>
+                  <a:tcPr marL="3175" marR="3175" marT="3175" marB="0" anchor="b"/>
+                </a:tc>
+                <a:tc>
+                  <a:txBody>
+                    <a:bodyPr/>
+                    <a:lstStyle/>
+                    <a:p>
+                      <a:pPr algn="ctr" fontAlgn="b"/>
+                      <a:r>
+                        <a:rPr lang="en-US" sz="1000" u="none" strike="noStrike">
+                          <a:effectLst/>
+                        </a:rPr>
+                        <a:t>7</a:t>
+                      </a:r>
+                      <a:endParaRPr lang="en-US" sz="1000" b="1" i="0" u="none" strike="noStrike">
+                        <a:solidFill>
+                          <a:srgbClr val="000000"/>
+                        </a:solidFill>
+                        <a:effectLst/>
+                        <a:latin typeface="Arial" panose="020B0604020202020204" pitchFamily="34" charset="0"/>
+                      </a:endParaRPr>
+                    </a:p>
+                  </a:txBody>
+                  <a:tcPr marL="3175" marR="3175" marT="3175" marB="0" anchor="b"/>
+                </a:tc>
+                <a:tc>
+                  <a:txBody>
+                    <a:bodyPr/>
+                    <a:lstStyle/>
+                    <a:p>
+                      <a:pPr algn="ctr" fontAlgn="b"/>
+                      <a:r>
+                        <a:rPr lang="en-US" sz="1000" u="none" strike="noStrike">
+                          <a:effectLst/>
+                        </a:rPr>
+                        <a:t>4</a:t>
+                      </a:r>
+                      <a:endParaRPr lang="en-US" sz="1000" b="1" i="0" u="none" strike="noStrike">
+                        <a:solidFill>
+                          <a:srgbClr val="000000"/>
+                        </a:solidFill>
+                        <a:effectLst/>
+                        <a:latin typeface="Arial" panose="020B0604020202020204" pitchFamily="34" charset="0"/>
+                      </a:endParaRPr>
+                    </a:p>
+                  </a:txBody>
+                  <a:tcPr marL="3175" marR="3175" marT="3175" marB="0" anchor="b"/>
+                </a:tc>
+                <a:extLst>
+                  <a:ext uri="{0D108BD9-81ED-4DB2-BD59-A6C34878D82A}">
+                    <a16:rowId xmlns:a16="http://schemas.microsoft.com/office/drawing/2014/main" val="4223265847"/>
+                  </a:ext>
+                </a:extLst>
+              </a:tr>
+              <a:tr h="213787">
+                <a:tc>
+                  <a:txBody>
+                    <a:bodyPr/>
+                    <a:lstStyle/>
+                    <a:p>
+                      <a:pPr algn="ctr" fontAlgn="b"/>
+                      <a:r>
+                        <a:rPr lang="en-US" sz="1000" u="none" strike="noStrike">
+                          <a:effectLst/>
+                        </a:rPr>
+                        <a:t>IA</a:t>
+                      </a:r>
+                      <a:endParaRPr lang="en-US" sz="1000" b="1" i="0" u="none" strike="noStrike">
+                        <a:solidFill>
+                          <a:srgbClr val="000000"/>
+                        </a:solidFill>
+                        <a:effectLst/>
+                        <a:latin typeface="Arial" panose="020B0604020202020204" pitchFamily="34" charset="0"/>
+                      </a:endParaRPr>
+                    </a:p>
+                  </a:txBody>
+                  <a:tcPr marL="3175" marR="3175" marT="3175" marB="0" anchor="b"/>
+                </a:tc>
+                <a:tc>
+                  <a:txBody>
+                    <a:bodyPr/>
+                    <a:lstStyle/>
+                    <a:p>
+                      <a:pPr algn="ctr" fontAlgn="b"/>
+                      <a:r>
+                        <a:rPr lang="en-US" sz="1000" u="none" strike="noStrike">
+                          <a:effectLst/>
+                        </a:rPr>
+                        <a:t>ID</a:t>
+                      </a:r>
+                      <a:endParaRPr lang="en-US" sz="1000" b="1" i="0" u="none" strike="noStrike">
+                        <a:solidFill>
+                          <a:srgbClr val="000000"/>
+                        </a:solidFill>
+                        <a:effectLst/>
+                        <a:latin typeface="Arial" panose="020B0604020202020204" pitchFamily="34" charset="0"/>
+                      </a:endParaRPr>
+                    </a:p>
+                  </a:txBody>
+                  <a:tcPr marL="3175" marR="3175" marT="3175" marB="0" anchor="b"/>
+                </a:tc>
+                <a:tc>
+                  <a:txBody>
+                    <a:bodyPr/>
+                    <a:lstStyle/>
+                    <a:p>
+                      <a:pPr algn="ctr" fontAlgn="b"/>
+                      <a:r>
                         <a:rPr lang="en-US" sz="1000" u="none" strike="noStrike" dirty="0">
                           <a:effectLst/>
                         </a:rPr>
-                        <a:t>39</a:t>
+                        <a:t>IL</a:t>
                       </a:r>
                       <a:endParaRPr lang="en-US" sz="1000" b="1" i="0" u="none" strike="noStrike" dirty="0">
                         <a:solidFill>
@@ -7798,10 +10853,293 @@
                     <a:p>
                       <a:pPr algn="ctr" fontAlgn="b"/>
                       <a:r>
+                        <a:rPr lang="en-US" sz="1000" u="none" strike="noStrike">
+                          <a:effectLst/>
+                        </a:rPr>
+                        <a:t>IN</a:t>
+                      </a:r>
+                      <a:endParaRPr lang="en-US" sz="1000" b="1" i="0" u="none" strike="noStrike">
+                        <a:solidFill>
+                          <a:srgbClr val="000000"/>
+                        </a:solidFill>
+                        <a:effectLst/>
+                        <a:latin typeface="Arial" panose="020B0604020202020204" pitchFamily="34" charset="0"/>
+                      </a:endParaRPr>
+                    </a:p>
+                  </a:txBody>
+                  <a:tcPr marL="3175" marR="3175" marT="3175" marB="0" anchor="b"/>
+                </a:tc>
+                <a:tc>
+                  <a:txBody>
+                    <a:bodyPr/>
+                    <a:lstStyle/>
+                    <a:p>
+                      <a:pPr algn="ctr" fontAlgn="b"/>
+                      <a:r>
+                        <a:rPr lang="en-US" sz="1000" u="none" strike="noStrike">
+                          <a:effectLst/>
+                        </a:rPr>
+                        <a:t>KS</a:t>
+                      </a:r>
+                      <a:endParaRPr lang="en-US" sz="1000" b="1" i="0" u="none" strike="noStrike">
+                        <a:solidFill>
+                          <a:srgbClr val="000000"/>
+                        </a:solidFill>
+                        <a:effectLst/>
+                        <a:latin typeface="Arial" panose="020B0604020202020204" pitchFamily="34" charset="0"/>
+                      </a:endParaRPr>
+                    </a:p>
+                  </a:txBody>
+                  <a:tcPr marL="3175" marR="3175" marT="3175" marB="0" anchor="b"/>
+                </a:tc>
+                <a:tc>
+                  <a:txBody>
+                    <a:bodyPr/>
+                    <a:lstStyle/>
+                    <a:p>
+                      <a:pPr algn="ctr" fontAlgn="b"/>
+                      <a:r>
+                        <a:rPr lang="en-US" sz="1000" u="none" strike="noStrike">
+                          <a:effectLst/>
+                        </a:rPr>
+                        <a:t>KY</a:t>
+                      </a:r>
+                      <a:endParaRPr lang="en-US" sz="1000" b="1" i="0" u="none" strike="noStrike">
+                        <a:solidFill>
+                          <a:srgbClr val="000000"/>
+                        </a:solidFill>
+                        <a:effectLst/>
+                        <a:latin typeface="Arial" panose="020B0604020202020204" pitchFamily="34" charset="0"/>
+                      </a:endParaRPr>
+                    </a:p>
+                  </a:txBody>
+                  <a:tcPr marL="3175" marR="3175" marT="3175" marB="0" anchor="b"/>
+                </a:tc>
+                <a:tc>
+                  <a:txBody>
+                    <a:bodyPr/>
+                    <a:lstStyle/>
+                    <a:p>
+                      <a:pPr algn="ctr" fontAlgn="b"/>
+                      <a:r>
+                        <a:rPr lang="en-US" sz="1000" u="none" strike="noStrike">
+                          <a:effectLst/>
+                        </a:rPr>
+                        <a:t>LA</a:t>
+                      </a:r>
+                      <a:endParaRPr lang="en-US" sz="1000" b="1" i="0" u="none" strike="noStrike">
+                        <a:solidFill>
+                          <a:srgbClr val="000000"/>
+                        </a:solidFill>
+                        <a:effectLst/>
+                        <a:latin typeface="Arial" panose="020B0604020202020204" pitchFamily="34" charset="0"/>
+                      </a:endParaRPr>
+                    </a:p>
+                  </a:txBody>
+                  <a:tcPr marL="3175" marR="3175" marT="3175" marB="0" anchor="b"/>
+                </a:tc>
+                <a:tc>
+                  <a:txBody>
+                    <a:bodyPr/>
+                    <a:lstStyle/>
+                    <a:p>
+                      <a:pPr algn="ctr" fontAlgn="b"/>
+                      <a:r>
+                        <a:rPr lang="en-US" sz="1000" u="none" strike="noStrike">
+                          <a:effectLst/>
+                        </a:rPr>
+                        <a:t>MA</a:t>
+                      </a:r>
+                      <a:endParaRPr lang="en-US" sz="1000" b="1" i="0" u="none" strike="noStrike">
+                        <a:solidFill>
+                          <a:srgbClr val="000000"/>
+                        </a:solidFill>
+                        <a:effectLst/>
+                        <a:latin typeface="Arial" panose="020B0604020202020204" pitchFamily="34" charset="0"/>
+                      </a:endParaRPr>
+                    </a:p>
+                  </a:txBody>
+                  <a:tcPr marL="3175" marR="3175" marT="3175" marB="0" anchor="b"/>
+                </a:tc>
+                <a:tc>
+                  <a:txBody>
+                    <a:bodyPr/>
+                    <a:lstStyle/>
+                    <a:p>
+                      <a:pPr algn="ctr" fontAlgn="b"/>
+                      <a:r>
+                        <a:rPr lang="en-US" sz="1000" u="none" strike="noStrike">
+                          <a:effectLst/>
+                        </a:rPr>
+                        <a:t>MD</a:t>
+                      </a:r>
+                      <a:endParaRPr lang="en-US" sz="1000" b="1" i="0" u="none" strike="noStrike">
+                        <a:solidFill>
+                          <a:srgbClr val="000000"/>
+                        </a:solidFill>
+                        <a:effectLst/>
+                        <a:latin typeface="Arial" panose="020B0604020202020204" pitchFamily="34" charset="0"/>
+                      </a:endParaRPr>
+                    </a:p>
+                  </a:txBody>
+                  <a:tcPr marL="3175" marR="3175" marT="3175" marB="0" anchor="b"/>
+                </a:tc>
+                <a:tc>
+                  <a:txBody>
+                    <a:bodyPr/>
+                    <a:lstStyle/>
+                    <a:p>
+                      <a:pPr algn="ctr" fontAlgn="b"/>
+                      <a:r>
+                        <a:rPr lang="en-US" sz="1000" u="none" strike="noStrike">
+                          <a:effectLst/>
+                        </a:rPr>
+                        <a:t>ME</a:t>
+                      </a:r>
+                      <a:endParaRPr lang="en-US" sz="1000" b="1" i="0" u="none" strike="noStrike">
+                        <a:solidFill>
+                          <a:srgbClr val="000000"/>
+                        </a:solidFill>
+                        <a:effectLst/>
+                        <a:latin typeface="Arial" panose="020B0604020202020204" pitchFamily="34" charset="0"/>
+                      </a:endParaRPr>
+                    </a:p>
+                  </a:txBody>
+                  <a:tcPr marL="3175" marR="3175" marT="3175" marB="0" anchor="b"/>
+                </a:tc>
+                <a:tc>
+                  <a:txBody>
+                    <a:bodyPr/>
+                    <a:lstStyle/>
+                    <a:p>
+                      <a:pPr algn="ctr" fontAlgn="b"/>
+                      <a:r>
+                        <a:rPr lang="en-US" sz="1000" u="none" strike="noStrike">
+                          <a:effectLst/>
+                        </a:rPr>
+                        <a:t>MI</a:t>
+                      </a:r>
+                      <a:endParaRPr lang="en-US" sz="1000" b="1" i="0" u="none" strike="noStrike">
+                        <a:solidFill>
+                          <a:srgbClr val="000000"/>
+                        </a:solidFill>
+                        <a:effectLst/>
+                        <a:latin typeface="Arial" panose="020B0604020202020204" pitchFamily="34" charset="0"/>
+                      </a:endParaRPr>
+                    </a:p>
+                  </a:txBody>
+                  <a:tcPr marL="3175" marR="3175" marT="3175" marB="0" anchor="b"/>
+                </a:tc>
+                <a:tc>
+                  <a:txBody>
+                    <a:bodyPr/>
+                    <a:lstStyle/>
+                    <a:p>
+                      <a:pPr algn="ctr" fontAlgn="b"/>
+                      <a:r>
+                        <a:rPr lang="en-US" sz="1000" u="none" strike="noStrike">
+                          <a:effectLst/>
+                        </a:rPr>
+                        <a:t>MN</a:t>
+                      </a:r>
+                      <a:endParaRPr lang="en-US" sz="1000" b="1" i="0" u="none" strike="noStrike">
+                        <a:solidFill>
+                          <a:srgbClr val="000000"/>
+                        </a:solidFill>
+                        <a:effectLst/>
+                        <a:latin typeface="Arial" panose="020B0604020202020204" pitchFamily="34" charset="0"/>
+                      </a:endParaRPr>
+                    </a:p>
+                  </a:txBody>
+                  <a:tcPr marL="3175" marR="3175" marT="3175" marB="0" anchor="b"/>
+                </a:tc>
+                <a:extLst>
+                  <a:ext uri="{0D108BD9-81ED-4DB2-BD59-A6C34878D82A}">
+                    <a16:rowId xmlns:a16="http://schemas.microsoft.com/office/drawing/2014/main" val="4279814043"/>
+                  </a:ext>
+                </a:extLst>
+              </a:tr>
+              <a:tr h="213787">
+                <a:tc>
+                  <a:txBody>
+                    <a:bodyPr/>
+                    <a:lstStyle/>
+                    <a:p>
+                      <a:pPr algn="ctr" fontAlgn="b"/>
+                      <a:r>
+                        <a:rPr lang="en-US" sz="1000" u="none" strike="noStrike">
+                          <a:effectLst/>
+                        </a:rPr>
+                        <a:t>5</a:t>
+                      </a:r>
+                      <a:endParaRPr lang="en-US" sz="1000" b="1" i="0" u="none" strike="noStrike">
+                        <a:solidFill>
+                          <a:srgbClr val="000000"/>
+                        </a:solidFill>
+                        <a:effectLst/>
+                        <a:latin typeface="Arial" panose="020B0604020202020204" pitchFamily="34" charset="0"/>
+                      </a:endParaRPr>
+                    </a:p>
+                  </a:txBody>
+                  <a:tcPr marL="3175" marR="3175" marT="3175" marB="0" anchor="b"/>
+                </a:tc>
+                <a:tc>
+                  <a:txBody>
+                    <a:bodyPr/>
+                    <a:lstStyle/>
+                    <a:p>
+                      <a:pPr algn="ctr" fontAlgn="b"/>
+                      <a:r>
+                        <a:rPr lang="en-US" sz="1000" u="none" strike="noStrike">
+                          <a:effectLst/>
+                        </a:rPr>
+                        <a:t>5</a:t>
+                      </a:r>
+                      <a:endParaRPr lang="en-US" sz="1000" b="1" i="0" u="none" strike="noStrike">
+                        <a:solidFill>
+                          <a:srgbClr val="000000"/>
+                        </a:solidFill>
+                        <a:effectLst/>
+                        <a:latin typeface="Arial" panose="020B0604020202020204" pitchFamily="34" charset="0"/>
+                      </a:endParaRPr>
+                    </a:p>
+                  </a:txBody>
+                  <a:tcPr marL="3175" marR="3175" marT="3175" marB="0" anchor="b"/>
+                </a:tc>
+                <a:tc>
+                  <a:txBody>
+                    <a:bodyPr/>
+                    <a:lstStyle/>
+                    <a:p>
+                      <a:pPr algn="ctr" fontAlgn="b"/>
+                      <a:r>
+                        <a:rPr lang="en-US" sz="1000" u="none" strike="noStrike">
+                          <a:effectLst/>
+                        </a:rPr>
+                        <a:t>18</a:t>
+                      </a:r>
+                      <a:endParaRPr lang="en-US" sz="1000" b="1" i="0" u="none" strike="noStrike">
+                        <a:solidFill>
+                          <a:srgbClr val="000000"/>
+                        </a:solidFill>
+                        <a:effectLst/>
+                        <a:latin typeface="Arial" panose="020B0604020202020204" pitchFamily="34" charset="0"/>
+                      </a:endParaRPr>
+                    </a:p>
+                  </a:txBody>
+                  <a:tcPr marL="3175" marR="3175" marT="3175" marB="0" anchor="b"/>
+                </a:tc>
+                <a:tc>
+                  <a:txBody>
+                    <a:bodyPr/>
+                    <a:lstStyle/>
+                    <a:p>
+                      <a:pPr algn="ctr" fontAlgn="b"/>
+                      <a:r>
                         <a:rPr lang="en-US" sz="1000" u="none" strike="noStrike" dirty="0">
                           <a:effectLst/>
                         </a:rPr>
-                        <a:t>47</a:t>
+                        <a:t>22</a:t>
                       </a:r>
                       <a:endParaRPr lang="en-US" sz="1000" b="1" i="0" u="none" strike="noStrike" dirty="0">
                         <a:solidFill>
@@ -7824,7 +11162,7 @@
                         <a:rPr lang="en-US" sz="1000" u="none" strike="noStrike" dirty="0">
                           <a:effectLst/>
                         </a:rPr>
-                        <a:t>8</a:t>
+                        <a:t>3</a:t>
                       </a:r>
                       <a:endParaRPr lang="en-US" sz="1000" b="1" i="0" u="none" strike="noStrike" dirty="0">
                         <a:solidFill>
@@ -7847,7 +11185,7 @@
                         <a:rPr lang="en-US" sz="1000" u="none" strike="noStrike">
                           <a:effectLst/>
                         </a:rPr>
-                        <a:t>1</a:t>
+                        <a:t>4</a:t>
                       </a:r>
                       <a:endParaRPr lang="en-US" sz="1000" b="1" i="0" u="none" strike="noStrike">
                         <a:solidFill>
@@ -7870,7 +11208,7 @@
                         <a:rPr lang="en-US" sz="1000" u="none" strike="noStrike">
                           <a:effectLst/>
                         </a:rPr>
-                        <a:t>2</a:t>
+                        <a:t>5</a:t>
                       </a:r>
                       <a:endParaRPr lang="en-US" sz="1000" b="1" i="0" u="none" strike="noStrike">
                         <a:solidFill>
@@ -7893,7 +11231,7 @@
                         <a:rPr lang="en-US" sz="1000" u="none" strike="noStrike">
                           <a:effectLst/>
                         </a:rPr>
-                        <a:t>15</a:t>
+                        <a:t>23</a:t>
                       </a:r>
                       <a:endParaRPr lang="en-US" sz="1000" b="1" i="0" u="none" strike="noStrike">
                         <a:solidFill>
@@ -7939,7 +11277,7 @@
                         <a:rPr lang="en-US" sz="1000" u="none" strike="noStrike">
                           <a:effectLst/>
                         </a:rPr>
-                        <a:t>4</a:t>
+                        <a:t>9</a:t>
                       </a:r>
                       <a:endParaRPr lang="en-US" sz="1000" b="1" i="0" u="none" strike="noStrike">
                         <a:solidFill>
@@ -7952,13 +11290,6 @@
                   </a:txBody>
                   <a:tcPr marL="3175" marR="3175" marT="3175" marB="0" anchor="b"/>
                 </a:tc>
-                <a:extLst>
-                  <a:ext uri="{0D108BD9-81ED-4DB2-BD59-A6C34878D82A}">
-                    <a16:rowId xmlns:a16="http://schemas.microsoft.com/office/drawing/2014/main" val="4223265847"/>
-                  </a:ext>
-                </a:extLst>
-              </a:tr>
-              <a:tr h="213787">
                 <a:tc>
                   <a:txBody>
                     <a:bodyPr/>
@@ -7969,7 +11300,7 @@
                         <a:rPr lang="en-US" sz="1000" u="none" strike="noStrike">
                           <a:effectLst/>
                         </a:rPr>
-                        <a:t>IA</a:t>
+                        <a:t>32</a:t>
                       </a:r>
                       <a:endParaRPr lang="en-US" sz="1000" b="1" i="0" u="none" strike="noStrike">
                         <a:solidFill>
@@ -7992,7 +11323,7 @@
                         <a:rPr lang="en-US" sz="1000" u="none" strike="noStrike">
                           <a:effectLst/>
                         </a:rPr>
-                        <a:t>ID</a:t>
+                        <a:t>12</a:t>
                       </a:r>
                       <a:endParaRPr lang="en-US" sz="1000" b="1" i="0" u="none" strike="noStrike">
                         <a:solidFill>
@@ -8005,6 +11336,13 @@
                   </a:txBody>
                   <a:tcPr marL="3175" marR="3175" marT="3175" marB="0" anchor="b"/>
                 </a:tc>
+                <a:extLst>
+                  <a:ext uri="{0D108BD9-81ED-4DB2-BD59-A6C34878D82A}">
+                    <a16:rowId xmlns:a16="http://schemas.microsoft.com/office/drawing/2014/main" val="1872016988"/>
+                  </a:ext>
+                </a:extLst>
+              </a:tr>
+              <a:tr h="213787">
                 <a:tc>
                   <a:txBody>
                     <a:bodyPr/>
@@ -8012,10 +11350,79 @@
                     <a:p>
                       <a:pPr algn="ctr" fontAlgn="b"/>
                       <a:r>
+                        <a:rPr lang="en-US" sz="1000" u="none" strike="noStrike">
+                          <a:effectLst/>
+                        </a:rPr>
+                        <a:t>MO</a:t>
+                      </a:r>
+                      <a:endParaRPr lang="en-US" sz="1000" b="1" i="0" u="none" strike="noStrike">
+                        <a:solidFill>
+                          <a:srgbClr val="000000"/>
+                        </a:solidFill>
+                        <a:effectLst/>
+                        <a:latin typeface="Arial" panose="020B0604020202020204" pitchFamily="34" charset="0"/>
+                      </a:endParaRPr>
+                    </a:p>
+                  </a:txBody>
+                  <a:tcPr marL="3175" marR="3175" marT="3175" marB="0" anchor="b"/>
+                </a:tc>
+                <a:tc>
+                  <a:txBody>
+                    <a:bodyPr/>
+                    <a:lstStyle/>
+                    <a:p>
+                      <a:pPr algn="ctr" fontAlgn="ctr"/>
+                      <a:r>
+                        <a:rPr lang="en-US" sz="1000" u="none" strike="noStrike">
+                          <a:effectLst/>
+                        </a:rPr>
+                        <a:t>MS</a:t>
+                      </a:r>
+                      <a:endParaRPr lang="en-US" sz="1000" b="1" i="0" u="none" strike="noStrike">
+                        <a:solidFill>
+                          <a:srgbClr val="333333"/>
+                        </a:solidFill>
+                        <a:effectLst/>
+                        <a:latin typeface="Arial" panose="020B0604020202020204" pitchFamily="34" charset="0"/>
+                      </a:endParaRPr>
+                    </a:p>
+                  </a:txBody>
+                  <a:tcPr marL="3175" marR="3175" marT="3175" marB="0" anchor="ctr"/>
+                </a:tc>
+                <a:tc>
+                  <a:txBody>
+                    <a:bodyPr/>
+                    <a:lstStyle/>
+                    <a:p>
+                      <a:pPr algn="ctr" fontAlgn="b"/>
+                      <a:r>
+                        <a:rPr lang="en-US" sz="1000" u="none" strike="noStrike">
+                          <a:effectLst/>
+                        </a:rPr>
+                        <a:t>MT</a:t>
+                      </a:r>
+                      <a:endParaRPr lang="en-US" sz="1000" b="1" i="0" u="none" strike="noStrike">
+                        <a:solidFill>
+                          <a:srgbClr val="000000"/>
+                        </a:solidFill>
+                        <a:effectLst/>
+                        <a:latin typeface="Arial" panose="020B0604020202020204" pitchFamily="34" charset="0"/>
+                      </a:endParaRPr>
+                    </a:p>
+                  </a:txBody>
+                  <a:tcPr marL="3175" marR="3175" marT="3175" marB="0" anchor="b"/>
+                </a:tc>
+                <a:tc>
+                  <a:txBody>
+                    <a:bodyPr/>
+                    <a:lstStyle/>
+                    <a:p>
+                      <a:pPr algn="ctr" fontAlgn="b"/>
+                      <a:r>
                         <a:rPr lang="en-US" sz="1000" u="none" strike="noStrike" dirty="0">
                           <a:effectLst/>
                         </a:rPr>
-                        <a:t>IL</a:t>
+                        <a:t>NC</a:t>
                       </a:r>
                       <a:endParaRPr lang="en-US" sz="1000" b="1" i="0" u="none" strike="noStrike" dirty="0">
                         <a:solidFill>
@@ -8035,10 +11442,33 @@
                     <a:p>
                       <a:pPr algn="ctr" fontAlgn="b"/>
                       <a:r>
+                        <a:rPr lang="en-US" sz="1000" u="none" strike="noStrike" dirty="0">
+                          <a:effectLst/>
+                        </a:rPr>
+                        <a:t>ND</a:t>
+                      </a:r>
+                      <a:endParaRPr lang="en-US" sz="1000" b="1" i="0" u="none" strike="noStrike" dirty="0">
+                        <a:solidFill>
+                          <a:srgbClr val="000000"/>
+                        </a:solidFill>
+                        <a:effectLst/>
+                        <a:latin typeface="Arial" panose="020B0604020202020204" pitchFamily="34" charset="0"/>
+                      </a:endParaRPr>
+                    </a:p>
+                  </a:txBody>
+                  <a:tcPr marL="3175" marR="3175" marT="3175" marB="0" anchor="b"/>
+                </a:tc>
+                <a:tc>
+                  <a:txBody>
+                    <a:bodyPr/>
+                    <a:lstStyle/>
+                    <a:p>
+                      <a:pPr algn="ctr" fontAlgn="b"/>
+                      <a:r>
                         <a:rPr lang="en-US" sz="1000" u="none" strike="noStrike">
                           <a:effectLst/>
                         </a:rPr>
-                        <a:t>IN</a:t>
+                        <a:t>NE</a:t>
                       </a:r>
                       <a:endParaRPr lang="en-US" sz="1000" b="1" i="0" u="none" strike="noStrike">
                         <a:solidFill>
@@ -8061,7 +11491,7 @@
                         <a:rPr lang="en-US" sz="1000" u="none" strike="noStrike">
                           <a:effectLst/>
                         </a:rPr>
-                        <a:t>KS</a:t>
+                        <a:t>NH</a:t>
                       </a:r>
                       <a:endParaRPr lang="en-US" sz="1000" b="1" i="0" u="none" strike="noStrike">
                         <a:solidFill>
@@ -8084,7 +11514,7 @@
                         <a:rPr lang="en-US" sz="1000" u="none" strike="noStrike">
                           <a:effectLst/>
                         </a:rPr>
-                        <a:t>KY</a:t>
+                        <a:t>NJ</a:t>
                       </a:r>
                       <a:endParaRPr lang="en-US" sz="1000" b="1" i="0" u="none" strike="noStrike">
                         <a:solidFill>
@@ -8107,7 +11537,7 @@
                         <a:rPr lang="en-US" sz="1000" u="none" strike="noStrike">
                           <a:effectLst/>
                         </a:rPr>
-                        <a:t>LA</a:t>
+                        <a:t>NM</a:t>
                       </a:r>
                       <a:endParaRPr lang="en-US" sz="1000" b="1" i="0" u="none" strike="noStrike">
                         <a:solidFill>
@@ -8130,7 +11560,7 @@
                         <a:rPr lang="en-US" sz="1000" u="none" strike="noStrike">
                           <a:effectLst/>
                         </a:rPr>
-                        <a:t>MA</a:t>
+                        <a:t>NV</a:t>
                       </a:r>
                       <a:endParaRPr lang="en-US" sz="1000" b="1" i="0" u="none" strike="noStrike">
                         <a:solidFill>
@@ -8153,7 +11583,7 @@
                         <a:rPr lang="en-US" sz="1000" u="none" strike="noStrike">
                           <a:effectLst/>
                         </a:rPr>
-                        <a:t>MD</a:t>
+                        <a:t>NY</a:t>
                       </a:r>
                       <a:endParaRPr lang="en-US" sz="1000" b="1" i="0" u="none" strike="noStrike">
                         <a:solidFill>
@@ -8176,7 +11606,7 @@
                         <a:rPr lang="en-US" sz="1000" u="none" strike="noStrike">
                           <a:effectLst/>
                         </a:rPr>
-                        <a:t>ME</a:t>
+                        <a:t>OH</a:t>
                       </a:r>
                       <a:endParaRPr lang="en-US" sz="1000" b="1" i="0" u="none" strike="noStrike">
                         <a:solidFill>
@@ -8189,6 +11619,13 @@
                   </a:txBody>
                   <a:tcPr marL="3175" marR="3175" marT="3175" marB="0" anchor="b"/>
                 </a:tc>
+                <a:extLst>
+                  <a:ext uri="{0D108BD9-81ED-4DB2-BD59-A6C34878D82A}">
+                    <a16:rowId xmlns:a16="http://schemas.microsoft.com/office/drawing/2014/main" val="2648278300"/>
+                  </a:ext>
+                </a:extLst>
+              </a:tr>
+              <a:tr h="213787">
                 <a:tc>
                   <a:txBody>
                     <a:bodyPr/>
@@ -8199,7 +11636,7 @@
                         <a:rPr lang="en-US" sz="1000" u="none" strike="noStrike">
                           <a:effectLst/>
                         </a:rPr>
-                        <a:t>MI</a:t>
+                        <a:t>9</a:t>
                       </a:r>
                       <a:endParaRPr lang="en-US" sz="1000" b="1" i="0" u="none" strike="noStrike">
                         <a:solidFill>
@@ -8217,12 +11654,35 @@
                     <a:bodyPr/>
                     <a:lstStyle/>
                     <a:p>
+                      <a:pPr algn="ctr" fontAlgn="ctr"/>
+                      <a:r>
+                        <a:rPr lang="en-US" sz="1000" u="none" strike="noStrike">
+                          <a:effectLst/>
+                        </a:rPr>
+                        <a:t>2</a:t>
+                      </a:r>
+                      <a:endParaRPr lang="en-US" sz="1000" b="1" i="0" u="none" strike="noStrike">
+                        <a:solidFill>
+                          <a:srgbClr val="333333"/>
+                        </a:solidFill>
+                        <a:effectLst/>
+                        <a:latin typeface="Arial" panose="020B0604020202020204" pitchFamily="34" charset="0"/>
+                      </a:endParaRPr>
+                    </a:p>
+                  </a:txBody>
+                  <a:tcPr marL="3175" marR="3175" marT="3175" marB="0" anchor="ctr"/>
+                </a:tc>
+                <a:tc>
+                  <a:txBody>
+                    <a:bodyPr/>
+                    <a:lstStyle/>
+                    <a:p>
                       <a:pPr algn="ctr" fontAlgn="b"/>
                       <a:r>
                         <a:rPr lang="en-US" sz="1000" u="none" strike="noStrike">
                           <a:effectLst/>
                         </a:rPr>
-                        <a:t>MN</a:t>
+                        <a:t>9</a:t>
                       </a:r>
                       <a:endParaRPr lang="en-US" sz="1000" b="1" i="0" u="none" strike="noStrike">
                         <a:solidFill>
@@ -8235,13 +11695,6 @@
                   </a:txBody>
                   <a:tcPr marL="3175" marR="3175" marT="3175" marB="0" anchor="b"/>
                 </a:tc>
-                <a:extLst>
-                  <a:ext uri="{0D108BD9-81ED-4DB2-BD59-A6C34878D82A}">
-                    <a16:rowId xmlns:a16="http://schemas.microsoft.com/office/drawing/2014/main" val="4279814043"/>
-                  </a:ext>
-                </a:extLst>
-              </a:tr>
-              <a:tr h="213787">
                 <a:tc>
                   <a:txBody>
                     <a:bodyPr/>
@@ -8252,7 +11705,7 @@
                         <a:rPr lang="en-US" sz="1000" u="none" strike="noStrike">
                           <a:effectLst/>
                         </a:rPr>
-                        <a:t>5</a:t>
+                        <a:t>19</a:t>
                       </a:r>
                       <a:endParaRPr lang="en-US" sz="1000" b="1" i="0" u="none" strike="noStrike">
                         <a:solidFill>
@@ -8275,7 +11728,7 @@
                         <a:rPr lang="en-US" sz="1000" u="none" strike="noStrike">
                           <a:effectLst/>
                         </a:rPr>
-                        <a:t>5</a:t>
+                        <a:t>1</a:t>
                       </a:r>
                       <a:endParaRPr lang="en-US" sz="1000" b="1" i="0" u="none" strike="noStrike">
                         <a:solidFill>
@@ -8295,10 +11748,79 @@
                     <a:p>
                       <a:pPr algn="ctr" fontAlgn="b"/>
                       <a:r>
+                        <a:rPr lang="en-US" sz="1000" u="none" strike="noStrike" dirty="0">
+                          <a:effectLst/>
+                        </a:rPr>
+                        <a:t>5</a:t>
+                      </a:r>
+                      <a:endParaRPr lang="en-US" sz="1000" b="1" i="0" u="none" strike="noStrike" dirty="0">
+                        <a:solidFill>
+                          <a:srgbClr val="000000"/>
+                        </a:solidFill>
+                        <a:effectLst/>
+                        <a:latin typeface="Arial" panose="020B0604020202020204" pitchFamily="34" charset="0"/>
+                      </a:endParaRPr>
+                    </a:p>
+                  </a:txBody>
+                  <a:tcPr marL="3175" marR="3175" marT="3175" marB="0" anchor="b"/>
+                </a:tc>
+                <a:tc>
+                  <a:txBody>
+                    <a:bodyPr/>
+                    <a:lstStyle/>
+                    <a:p>
+                      <a:pPr algn="ctr" fontAlgn="b"/>
+                      <a:r>
+                        <a:rPr lang="en-US" sz="1000" u="none" strike="noStrike" dirty="0">
+                          <a:effectLst/>
+                        </a:rPr>
+                        <a:t>3</a:t>
+                      </a:r>
+                      <a:endParaRPr lang="en-US" sz="1000" b="1" i="0" u="none" strike="noStrike" dirty="0">
+                        <a:solidFill>
+                          <a:srgbClr val="000000"/>
+                        </a:solidFill>
+                        <a:effectLst/>
+                        <a:latin typeface="Arial" panose="020B0604020202020204" pitchFamily="34" charset="0"/>
+                      </a:endParaRPr>
+                    </a:p>
+                  </a:txBody>
+                  <a:tcPr marL="3175" marR="3175" marT="3175" marB="0" anchor="b"/>
+                </a:tc>
+                <a:tc>
+                  <a:txBody>
+                    <a:bodyPr/>
+                    <a:lstStyle/>
+                    <a:p>
+                      <a:pPr algn="ctr" fontAlgn="b"/>
+                      <a:r>
+                        <a:rPr lang="en-US" sz="1000" u="none" strike="noStrike" dirty="0">
+                          <a:effectLst/>
+                        </a:rPr>
+                        <a:t>3</a:t>
+                      </a:r>
+                      <a:endParaRPr lang="en-US" sz="1000" b="1" i="0" u="none" strike="noStrike" dirty="0">
+                        <a:solidFill>
+                          <a:srgbClr val="000000"/>
+                        </a:solidFill>
+                        <a:effectLst/>
+                        <a:latin typeface="Arial" panose="020B0604020202020204" pitchFamily="34" charset="0"/>
+                      </a:endParaRPr>
+                    </a:p>
+                  </a:txBody>
+                  <a:tcPr marL="3175" marR="3175" marT="3175" marB="0" anchor="b"/>
+                </a:tc>
+                <a:tc>
+                  <a:txBody>
+                    <a:bodyPr/>
+                    <a:lstStyle/>
+                    <a:p>
+                      <a:pPr algn="ctr" fontAlgn="b"/>
+                      <a:r>
                         <a:rPr lang="en-US" sz="1000" u="none" strike="noStrike">
                           <a:effectLst/>
                         </a:rPr>
-                        <a:t>18</a:t>
+                        <a:t>4</a:t>
                       </a:r>
                       <a:endParaRPr lang="en-US" sz="1000" b="1" i="0" u="none" strike="noStrike">
                         <a:solidFill>
@@ -8318,10 +11840,247 @@
                     <a:p>
                       <a:pPr algn="ctr" fontAlgn="b"/>
                       <a:r>
+                        <a:rPr lang="en-US" sz="1000" u="none" strike="noStrike">
+                          <a:effectLst/>
+                        </a:rPr>
+                        <a:t>2</a:t>
+                      </a:r>
+                      <a:endParaRPr lang="en-US" sz="1000" b="1" i="0" u="none" strike="noStrike">
+                        <a:solidFill>
+                          <a:srgbClr val="000000"/>
+                        </a:solidFill>
+                        <a:effectLst/>
+                        <a:latin typeface="Arial" panose="020B0604020202020204" pitchFamily="34" charset="0"/>
+                      </a:endParaRPr>
+                    </a:p>
+                  </a:txBody>
+                  <a:tcPr marL="3175" marR="3175" marT="3175" marB="0" anchor="b"/>
+                </a:tc>
+                <a:tc>
+                  <a:txBody>
+                    <a:bodyPr/>
+                    <a:lstStyle/>
+                    <a:p>
+                      <a:pPr algn="ctr" fontAlgn="b"/>
+                      <a:r>
+                        <a:rPr lang="en-US" sz="1000" u="none" strike="noStrike">
+                          <a:effectLst/>
+                        </a:rPr>
+                        <a:t>16</a:t>
+                      </a:r>
+                      <a:endParaRPr lang="en-US" sz="1000" b="1" i="0" u="none" strike="noStrike">
+                        <a:solidFill>
+                          <a:srgbClr val="000000"/>
+                        </a:solidFill>
+                        <a:effectLst/>
+                        <a:latin typeface="Arial" panose="020B0604020202020204" pitchFamily="34" charset="0"/>
+                      </a:endParaRPr>
+                    </a:p>
+                  </a:txBody>
+                  <a:tcPr marL="3175" marR="3175" marT="3175" marB="0" anchor="b"/>
+                </a:tc>
+                <a:tc>
+                  <a:txBody>
+                    <a:bodyPr/>
+                    <a:lstStyle/>
+                    <a:p>
+                      <a:pPr algn="ctr" fontAlgn="b"/>
+                      <a:r>
+                        <a:rPr lang="en-US" sz="1000" u="none" strike="noStrike">
+                          <a:effectLst/>
+                        </a:rPr>
+                        <a:t>15</a:t>
+                      </a:r>
+                      <a:endParaRPr lang="en-US" sz="1000" b="1" i="0" u="none" strike="noStrike">
+                        <a:solidFill>
+                          <a:srgbClr val="000000"/>
+                        </a:solidFill>
+                        <a:effectLst/>
+                        <a:latin typeface="Arial" panose="020B0604020202020204" pitchFamily="34" charset="0"/>
+                      </a:endParaRPr>
+                    </a:p>
+                  </a:txBody>
+                  <a:tcPr marL="3175" marR="3175" marT="3175" marB="0" anchor="b"/>
+                </a:tc>
+                <a:extLst>
+                  <a:ext uri="{0D108BD9-81ED-4DB2-BD59-A6C34878D82A}">
+                    <a16:rowId xmlns:a16="http://schemas.microsoft.com/office/drawing/2014/main" val="1932478320"/>
+                  </a:ext>
+                </a:extLst>
+              </a:tr>
+              <a:tr h="213787">
+                <a:tc>
+                  <a:txBody>
+                    <a:bodyPr/>
+                    <a:lstStyle/>
+                    <a:p>
+                      <a:pPr algn="ctr" fontAlgn="ctr"/>
+                      <a:r>
+                        <a:rPr lang="en-US" sz="1000" u="none" strike="noStrike">
+                          <a:effectLst/>
+                        </a:rPr>
+                        <a:t>OK</a:t>
+                      </a:r>
+                      <a:endParaRPr lang="en-US" sz="1000" b="1" i="0" u="none" strike="noStrike">
+                        <a:solidFill>
+                          <a:srgbClr val="333333"/>
+                        </a:solidFill>
+                        <a:effectLst/>
+                        <a:latin typeface="Arial" panose="020B0604020202020204" pitchFamily="34" charset="0"/>
+                      </a:endParaRPr>
+                    </a:p>
+                  </a:txBody>
+                  <a:tcPr marL="3175" marR="3175" marT="3175" marB="0" anchor="ctr"/>
+                </a:tc>
+                <a:tc>
+                  <a:txBody>
+                    <a:bodyPr/>
+                    <a:lstStyle/>
+                    <a:p>
+                      <a:pPr algn="ctr" fontAlgn="b"/>
+                      <a:r>
+                        <a:rPr lang="en-US" sz="1000" u="none" strike="noStrike">
+                          <a:effectLst/>
+                        </a:rPr>
+                        <a:t>OR</a:t>
+                      </a:r>
+                      <a:endParaRPr lang="en-US" sz="1000" b="1" i="0" u="none" strike="noStrike">
+                        <a:solidFill>
+                          <a:srgbClr val="000000"/>
+                        </a:solidFill>
+                        <a:effectLst/>
+                        <a:latin typeface="Arial" panose="020B0604020202020204" pitchFamily="34" charset="0"/>
+                      </a:endParaRPr>
+                    </a:p>
+                  </a:txBody>
+                  <a:tcPr marL="3175" marR="3175" marT="3175" marB="0" anchor="b"/>
+                </a:tc>
+                <a:tc>
+                  <a:txBody>
+                    <a:bodyPr/>
+                    <a:lstStyle/>
+                    <a:p>
+                      <a:pPr algn="ctr" fontAlgn="b"/>
+                      <a:r>
+                        <a:rPr lang="en-US" sz="1000" u="none" strike="noStrike">
+                          <a:effectLst/>
+                        </a:rPr>
+                        <a:t>PA</a:t>
+                      </a:r>
+                      <a:endParaRPr lang="en-US" sz="1000" b="1" i="0" u="none" strike="noStrike">
+                        <a:solidFill>
+                          <a:srgbClr val="000000"/>
+                        </a:solidFill>
+                        <a:effectLst/>
+                        <a:latin typeface="Arial" panose="020B0604020202020204" pitchFamily="34" charset="0"/>
+                      </a:endParaRPr>
+                    </a:p>
+                  </a:txBody>
+                  <a:tcPr marL="3175" marR="3175" marT="3175" marB="0" anchor="b"/>
+                </a:tc>
+                <a:tc>
+                  <a:txBody>
+                    <a:bodyPr/>
+                    <a:lstStyle/>
+                    <a:p>
+                      <a:pPr algn="ctr" fontAlgn="b"/>
+                      <a:r>
+                        <a:rPr lang="en-US" sz="1000" u="none" strike="noStrike">
+                          <a:effectLst/>
+                        </a:rPr>
+                        <a:t>RI</a:t>
+                      </a:r>
+                      <a:endParaRPr lang="en-US" sz="1000" b="1" i="0" u="none" strike="noStrike">
+                        <a:solidFill>
+                          <a:srgbClr val="000000"/>
+                        </a:solidFill>
+                        <a:effectLst/>
+                        <a:latin typeface="Arial" panose="020B0604020202020204" pitchFamily="34" charset="0"/>
+                      </a:endParaRPr>
+                    </a:p>
+                  </a:txBody>
+                  <a:tcPr marL="3175" marR="3175" marT="3175" marB="0" anchor="b"/>
+                </a:tc>
+                <a:tc>
+                  <a:txBody>
+                    <a:bodyPr/>
+                    <a:lstStyle/>
+                    <a:p>
+                      <a:pPr algn="ctr" fontAlgn="b"/>
+                      <a:r>
+                        <a:rPr lang="en-US" sz="1000" u="none" strike="noStrike">
+                          <a:effectLst/>
+                        </a:rPr>
+                        <a:t>SC</a:t>
+                      </a:r>
+                      <a:endParaRPr lang="en-US" sz="1000" b="1" i="0" u="none" strike="noStrike">
+                        <a:solidFill>
+                          <a:srgbClr val="000000"/>
+                        </a:solidFill>
+                        <a:effectLst/>
+                        <a:latin typeface="Arial" panose="020B0604020202020204" pitchFamily="34" charset="0"/>
+                      </a:endParaRPr>
+                    </a:p>
+                  </a:txBody>
+                  <a:tcPr marL="3175" marR="3175" marT="3175" marB="0" anchor="b"/>
+                </a:tc>
+                <a:tc>
+                  <a:txBody>
+                    <a:bodyPr/>
+                    <a:lstStyle/>
+                    <a:p>
+                      <a:pPr algn="ctr" fontAlgn="b"/>
+                      <a:r>
+                        <a:rPr lang="en-US" sz="1000" u="none" strike="noStrike">
+                          <a:effectLst/>
+                        </a:rPr>
+                        <a:t>SD</a:t>
+                      </a:r>
+                      <a:endParaRPr lang="en-US" sz="1000" b="1" i="0" u="none" strike="noStrike">
+                        <a:solidFill>
+                          <a:srgbClr val="000000"/>
+                        </a:solidFill>
+                        <a:effectLst/>
+                        <a:latin typeface="Arial" panose="020B0604020202020204" pitchFamily="34" charset="0"/>
+                      </a:endParaRPr>
+                    </a:p>
+                  </a:txBody>
+                  <a:tcPr marL="3175" marR="3175" marT="3175" marB="0" anchor="b"/>
+                </a:tc>
+                <a:tc>
+                  <a:txBody>
+                    <a:bodyPr/>
+                    <a:lstStyle/>
+                    <a:p>
+                      <a:pPr algn="ctr" fontAlgn="b"/>
+                      <a:r>
+                        <a:rPr lang="en-US" sz="1000" u="none" strike="noStrike">
+                          <a:effectLst/>
+                        </a:rPr>
+                        <a:t>TN</a:t>
+                      </a:r>
+                      <a:endParaRPr lang="en-US" sz="1000" b="1" i="0" u="none" strike="noStrike">
+                        <a:solidFill>
+                          <a:srgbClr val="000000"/>
+                        </a:solidFill>
+                        <a:effectLst/>
+                        <a:latin typeface="Arial" panose="020B0604020202020204" pitchFamily="34" charset="0"/>
+                      </a:endParaRPr>
+                    </a:p>
+                  </a:txBody>
+                  <a:tcPr marL="3175" marR="3175" marT="3175" marB="0" anchor="b"/>
+                </a:tc>
+                <a:tc>
+                  <a:txBody>
+                    <a:bodyPr/>
+                    <a:lstStyle/>
+                    <a:p>
+                      <a:pPr algn="ctr" fontAlgn="b"/>
+                      <a:r>
                         <a:rPr lang="en-US" sz="1000" u="none" strike="noStrike" dirty="0">
                           <a:effectLst/>
                         </a:rPr>
-                        <a:t>22</a:t>
+                        <a:t>TX</a:t>
                       </a:r>
                       <a:endParaRPr lang="en-US" sz="1000" b="1" i="0" u="none" strike="noStrike" dirty="0">
                         <a:solidFill>
@@ -8344,7 +12103,7 @@
                         <a:rPr lang="en-US" sz="1000" u="none" strike="noStrike" dirty="0">
                           <a:effectLst/>
                         </a:rPr>
-                        <a:t>3</a:t>
+                        <a:t>UT</a:t>
                       </a:r>
                       <a:endParaRPr lang="en-US" sz="1000" b="1" i="0" u="none" strike="noStrike" dirty="0">
                         <a:solidFill>
@@ -8367,7 +12126,7 @@
                         <a:rPr lang="en-US" sz="1000" u="none" strike="noStrike">
                           <a:effectLst/>
                         </a:rPr>
-                        <a:t>4</a:t>
+                        <a:t>VA</a:t>
                       </a:r>
                       <a:endParaRPr lang="en-US" sz="1000" b="1" i="0" u="none" strike="noStrike">
                         <a:solidFill>
@@ -8390,7 +12149,7 @@
                         <a:rPr lang="en-US" sz="1000" u="none" strike="noStrike">
                           <a:effectLst/>
                         </a:rPr>
-                        <a:t>5</a:t>
+                        <a:t>VT</a:t>
                       </a:r>
                       <a:endParaRPr lang="en-US" sz="1000" b="1" i="0" u="none" strike="noStrike">
                         <a:solidFill>
@@ -8413,7 +12172,7 @@
                         <a:rPr lang="en-US" sz="1000" u="none" strike="noStrike">
                           <a:effectLst/>
                         </a:rPr>
-                        <a:t>23</a:t>
+                        <a:t>WA</a:t>
                       </a:r>
                       <a:endParaRPr lang="en-US" sz="1000" b="1" i="0" u="none" strike="noStrike">
                         <a:solidFill>
@@ -8426,6 +12185,36 @@
                   </a:txBody>
                   <a:tcPr marL="3175" marR="3175" marT="3175" marB="0" anchor="b"/>
                 </a:tc>
+                <a:extLst>
+                  <a:ext uri="{0D108BD9-81ED-4DB2-BD59-A6C34878D82A}">
+                    <a16:rowId xmlns:a16="http://schemas.microsoft.com/office/drawing/2014/main" val="1070090293"/>
+                  </a:ext>
+                </a:extLst>
+              </a:tr>
+              <a:tr h="213787">
+                <a:tc>
+                  <a:txBody>
+                    <a:bodyPr/>
+                    <a:lstStyle/>
+                    <a:p>
+                      <a:pPr algn="ctr" fontAlgn="ctr"/>
+                      <a:r>
+                        <a:rPr lang="en-US" sz="1000" u="none" strike="noStrike">
+                          <a:effectLst/>
+                        </a:rPr>
+                        <a:t>6</a:t>
+                      </a:r>
+                      <a:endParaRPr lang="en-US" sz="1000" b="1" i="0" u="none" strike="noStrike">
+                        <a:solidFill>
+                          <a:srgbClr val="333333"/>
+                        </a:solidFill>
+                        <a:effectLst/>
+                        <a:latin typeface="Arial" panose="020B0604020202020204" pitchFamily="34" charset="0"/>
+                      </a:endParaRPr>
+                    </a:p>
+                  </a:txBody>
+                  <a:tcPr marL="3175" marR="3175" marT="3175" marB="0" anchor="ctr"/>
+                </a:tc>
                 <a:tc>
                   <a:txBody>
                     <a:bodyPr/>
@@ -8436,7 +12225,7 @@
                         <a:rPr lang="en-US" sz="1000" u="none" strike="noStrike">
                           <a:effectLst/>
                         </a:rPr>
-                        <a:t>7</a:t>
+                        <a:t>29</a:t>
                       </a:r>
                       <a:endParaRPr lang="en-US" sz="1000" b="1" i="0" u="none" strike="noStrike">
                         <a:solidFill>
@@ -8459,7 +12248,7 @@
                         <a:rPr lang="en-US" sz="1000" u="none" strike="noStrike">
                           <a:effectLst/>
                         </a:rPr>
-                        <a:t>9</a:t>
+                        <a:t>25</a:t>
                       </a:r>
                       <a:endParaRPr lang="en-US" sz="1000" b="1" i="0" u="none" strike="noStrike">
                         <a:solidFill>
@@ -8482,7 +12271,7 @@
                         <a:rPr lang="en-US" sz="1000" u="none" strike="noStrike">
                           <a:effectLst/>
                         </a:rPr>
-                        <a:t>32</a:t>
+                        <a:t>5</a:t>
                       </a:r>
                       <a:endParaRPr lang="en-US" sz="1000" b="1" i="0" u="none" strike="noStrike">
                         <a:solidFill>
@@ -8505,7 +12294,7 @@
                         <a:rPr lang="en-US" sz="1000" u="none" strike="noStrike">
                           <a:effectLst/>
                         </a:rPr>
-                        <a:t>12</a:t>
+                        <a:t>4</a:t>
                       </a:r>
                       <a:endParaRPr lang="en-US" sz="1000" b="1" i="0" u="none" strike="noStrike">
                         <a:solidFill>
@@ -8518,13 +12307,6 @@
                   </a:txBody>
                   <a:tcPr marL="3175" marR="3175" marT="3175" marB="0" anchor="b"/>
                 </a:tc>
-                <a:extLst>
-                  <a:ext uri="{0D108BD9-81ED-4DB2-BD59-A6C34878D82A}">
-                    <a16:rowId xmlns:a16="http://schemas.microsoft.com/office/drawing/2014/main" val="1872016988"/>
-                  </a:ext>
-                </a:extLst>
-              </a:tr>
-              <a:tr h="213787">
                 <a:tc>
                   <a:txBody>
                     <a:bodyPr/>
@@ -8535,973 +12317,9 @@
                         <a:rPr lang="en-US" sz="1000" u="none" strike="noStrike">
                           <a:effectLst/>
                         </a:rPr>
-                        <a:t>MO</a:t>
+                        <a:t>1</a:t>
                       </a:r>
                       <a:endParaRPr lang="en-US" sz="1000" b="1" i="0" u="none" strike="noStrike">
-                        <a:solidFill>
-                          <a:srgbClr val="000000"/>
-                        </a:solidFill>
-                        <a:effectLst/>
-                        <a:latin typeface="Arial" panose="020B0604020202020204" pitchFamily="34" charset="0"/>
-                      </a:endParaRPr>
-                    </a:p>
-                  </a:txBody>
-                  <a:tcPr marL="3175" marR="3175" marT="3175" marB="0" anchor="b"/>
-                </a:tc>
-                <a:tc>
-                  <a:txBody>
-                    <a:bodyPr/>
-                    <a:lstStyle/>
-                    <a:p>
-                      <a:pPr algn="ctr" fontAlgn="ctr"/>
-                      <a:r>
-                        <a:rPr lang="en-US" sz="1000" u="none" strike="noStrike">
-                          <a:effectLst/>
-                        </a:rPr>
-                        <a:t>MS</a:t>
-                      </a:r>
-                      <a:endParaRPr lang="en-US" sz="1000" b="1" i="0" u="none" strike="noStrike">
-                        <a:solidFill>
-                          <a:srgbClr val="333333"/>
-                        </a:solidFill>
-                        <a:effectLst/>
-                        <a:latin typeface="Arial" panose="020B0604020202020204" pitchFamily="34" charset="0"/>
-                      </a:endParaRPr>
-                    </a:p>
-                  </a:txBody>
-                  <a:tcPr marL="3175" marR="3175" marT="3175" marB="0" anchor="ctr"/>
-                </a:tc>
-                <a:tc>
-                  <a:txBody>
-                    <a:bodyPr/>
-                    <a:lstStyle/>
-                    <a:p>
-                      <a:pPr algn="ctr" fontAlgn="b"/>
-                      <a:r>
-                        <a:rPr lang="en-US" sz="1000" u="none" strike="noStrike">
-                          <a:effectLst/>
-                        </a:rPr>
-                        <a:t>MT</a:t>
-                      </a:r>
-                      <a:endParaRPr lang="en-US" sz="1000" b="1" i="0" u="none" strike="noStrike">
-                        <a:solidFill>
-                          <a:srgbClr val="000000"/>
-                        </a:solidFill>
-                        <a:effectLst/>
-                        <a:latin typeface="Arial" panose="020B0604020202020204" pitchFamily="34" charset="0"/>
-                      </a:endParaRPr>
-                    </a:p>
-                  </a:txBody>
-                  <a:tcPr marL="3175" marR="3175" marT="3175" marB="0" anchor="b"/>
-                </a:tc>
-                <a:tc>
-                  <a:txBody>
-                    <a:bodyPr/>
-                    <a:lstStyle/>
-                    <a:p>
-                      <a:pPr algn="ctr" fontAlgn="b"/>
-                      <a:r>
-                        <a:rPr lang="en-US" sz="1000" u="none" strike="noStrike">
-                          <a:effectLst/>
-                        </a:rPr>
-                        <a:t>NC</a:t>
-                      </a:r>
-                      <a:endParaRPr lang="en-US" sz="1000" b="1" i="0" u="none" strike="noStrike">
-                        <a:solidFill>
-                          <a:srgbClr val="000000"/>
-                        </a:solidFill>
-                        <a:effectLst/>
-                        <a:latin typeface="Arial" panose="020B0604020202020204" pitchFamily="34" charset="0"/>
-                      </a:endParaRPr>
-                    </a:p>
-                  </a:txBody>
-                  <a:tcPr marL="3175" marR="3175" marT="3175" marB="0" anchor="b"/>
-                </a:tc>
-                <a:tc>
-                  <a:txBody>
-                    <a:bodyPr/>
-                    <a:lstStyle/>
-                    <a:p>
-                      <a:pPr algn="ctr" fontAlgn="b"/>
-                      <a:r>
-                        <a:rPr lang="en-US" sz="1000" u="none" strike="noStrike" dirty="0">
-                          <a:effectLst/>
-                        </a:rPr>
-                        <a:t>ND</a:t>
-                      </a:r>
-                      <a:endParaRPr lang="en-US" sz="1000" b="1" i="0" u="none" strike="noStrike" dirty="0">
-                        <a:solidFill>
-                          <a:srgbClr val="000000"/>
-                        </a:solidFill>
-                        <a:effectLst/>
-                        <a:latin typeface="Arial" panose="020B0604020202020204" pitchFamily="34" charset="0"/>
-                      </a:endParaRPr>
-                    </a:p>
-                  </a:txBody>
-                  <a:tcPr marL="3175" marR="3175" marT="3175" marB="0" anchor="b"/>
-                </a:tc>
-                <a:tc>
-                  <a:txBody>
-                    <a:bodyPr/>
-                    <a:lstStyle/>
-                    <a:p>
-                      <a:pPr algn="ctr" fontAlgn="b"/>
-                      <a:r>
-                        <a:rPr lang="en-US" sz="1000" u="none" strike="noStrike">
-                          <a:effectLst/>
-                        </a:rPr>
-                        <a:t>NE</a:t>
-                      </a:r>
-                      <a:endParaRPr lang="en-US" sz="1000" b="1" i="0" u="none" strike="noStrike">
-                        <a:solidFill>
-                          <a:srgbClr val="000000"/>
-                        </a:solidFill>
-                        <a:effectLst/>
-                        <a:latin typeface="Arial" panose="020B0604020202020204" pitchFamily="34" charset="0"/>
-                      </a:endParaRPr>
-                    </a:p>
-                  </a:txBody>
-                  <a:tcPr marL="3175" marR="3175" marT="3175" marB="0" anchor="b"/>
-                </a:tc>
-                <a:tc>
-                  <a:txBody>
-                    <a:bodyPr/>
-                    <a:lstStyle/>
-                    <a:p>
-                      <a:pPr algn="ctr" fontAlgn="b"/>
-                      <a:r>
-                        <a:rPr lang="en-US" sz="1000" u="none" strike="noStrike">
-                          <a:effectLst/>
-                        </a:rPr>
-                        <a:t>NH</a:t>
-                      </a:r>
-                      <a:endParaRPr lang="en-US" sz="1000" b="1" i="0" u="none" strike="noStrike">
-                        <a:solidFill>
-                          <a:srgbClr val="000000"/>
-                        </a:solidFill>
-                        <a:effectLst/>
-                        <a:latin typeface="Arial" panose="020B0604020202020204" pitchFamily="34" charset="0"/>
-                      </a:endParaRPr>
-                    </a:p>
-                  </a:txBody>
-                  <a:tcPr marL="3175" marR="3175" marT="3175" marB="0" anchor="b"/>
-                </a:tc>
-                <a:tc>
-                  <a:txBody>
-                    <a:bodyPr/>
-                    <a:lstStyle/>
-                    <a:p>
-                      <a:pPr algn="ctr" fontAlgn="b"/>
-                      <a:r>
-                        <a:rPr lang="en-US" sz="1000" u="none" strike="noStrike">
-                          <a:effectLst/>
-                        </a:rPr>
-                        <a:t>NJ</a:t>
-                      </a:r>
-                      <a:endParaRPr lang="en-US" sz="1000" b="1" i="0" u="none" strike="noStrike">
-                        <a:solidFill>
-                          <a:srgbClr val="000000"/>
-                        </a:solidFill>
-                        <a:effectLst/>
-                        <a:latin typeface="Arial" panose="020B0604020202020204" pitchFamily="34" charset="0"/>
-                      </a:endParaRPr>
-                    </a:p>
-                  </a:txBody>
-                  <a:tcPr marL="3175" marR="3175" marT="3175" marB="0" anchor="b"/>
-                </a:tc>
-                <a:tc>
-                  <a:txBody>
-                    <a:bodyPr/>
-                    <a:lstStyle/>
-                    <a:p>
-                      <a:pPr algn="ctr" fontAlgn="b"/>
-                      <a:r>
-                        <a:rPr lang="en-US" sz="1000" u="none" strike="noStrike">
-                          <a:effectLst/>
-                        </a:rPr>
-                        <a:t>NM</a:t>
-                      </a:r>
-                      <a:endParaRPr lang="en-US" sz="1000" b="1" i="0" u="none" strike="noStrike">
-                        <a:solidFill>
-                          <a:srgbClr val="000000"/>
-                        </a:solidFill>
-                        <a:effectLst/>
-                        <a:latin typeface="Arial" panose="020B0604020202020204" pitchFamily="34" charset="0"/>
-                      </a:endParaRPr>
-                    </a:p>
-                  </a:txBody>
-                  <a:tcPr marL="3175" marR="3175" marT="3175" marB="0" anchor="b"/>
-                </a:tc>
-                <a:tc>
-                  <a:txBody>
-                    <a:bodyPr/>
-                    <a:lstStyle/>
-                    <a:p>
-                      <a:pPr algn="ctr" fontAlgn="b"/>
-                      <a:r>
-                        <a:rPr lang="en-US" sz="1000" u="none" strike="noStrike">
-                          <a:effectLst/>
-                        </a:rPr>
-                        <a:t>NV</a:t>
-                      </a:r>
-                      <a:endParaRPr lang="en-US" sz="1000" b="1" i="0" u="none" strike="noStrike">
-                        <a:solidFill>
-                          <a:srgbClr val="000000"/>
-                        </a:solidFill>
-                        <a:effectLst/>
-                        <a:latin typeface="Arial" panose="020B0604020202020204" pitchFamily="34" charset="0"/>
-                      </a:endParaRPr>
-                    </a:p>
-                  </a:txBody>
-                  <a:tcPr marL="3175" marR="3175" marT="3175" marB="0" anchor="b"/>
-                </a:tc>
-                <a:tc>
-                  <a:txBody>
-                    <a:bodyPr/>
-                    <a:lstStyle/>
-                    <a:p>
-                      <a:pPr algn="ctr" fontAlgn="b"/>
-                      <a:r>
-                        <a:rPr lang="en-US" sz="1000" u="none" strike="noStrike">
-                          <a:effectLst/>
-                        </a:rPr>
-                        <a:t>NY</a:t>
-                      </a:r>
-                      <a:endParaRPr lang="en-US" sz="1000" b="1" i="0" u="none" strike="noStrike">
-                        <a:solidFill>
-                          <a:srgbClr val="000000"/>
-                        </a:solidFill>
-                        <a:effectLst/>
-                        <a:latin typeface="Arial" panose="020B0604020202020204" pitchFamily="34" charset="0"/>
-                      </a:endParaRPr>
-                    </a:p>
-                  </a:txBody>
-                  <a:tcPr marL="3175" marR="3175" marT="3175" marB="0" anchor="b"/>
-                </a:tc>
-                <a:tc>
-                  <a:txBody>
-                    <a:bodyPr/>
-                    <a:lstStyle/>
-                    <a:p>
-                      <a:pPr algn="ctr" fontAlgn="b"/>
-                      <a:r>
-                        <a:rPr lang="en-US" sz="1000" u="none" strike="noStrike">
-                          <a:effectLst/>
-                        </a:rPr>
-                        <a:t>OH</a:t>
-                      </a:r>
-                      <a:endParaRPr lang="en-US" sz="1000" b="1" i="0" u="none" strike="noStrike">
-                        <a:solidFill>
-                          <a:srgbClr val="000000"/>
-                        </a:solidFill>
-                        <a:effectLst/>
-                        <a:latin typeface="Arial" panose="020B0604020202020204" pitchFamily="34" charset="0"/>
-                      </a:endParaRPr>
-                    </a:p>
-                  </a:txBody>
-                  <a:tcPr marL="3175" marR="3175" marT="3175" marB="0" anchor="b"/>
-                </a:tc>
-                <a:extLst>
-                  <a:ext uri="{0D108BD9-81ED-4DB2-BD59-A6C34878D82A}">
-                    <a16:rowId xmlns:a16="http://schemas.microsoft.com/office/drawing/2014/main" val="2648278300"/>
-                  </a:ext>
-                </a:extLst>
-              </a:tr>
-              <a:tr h="213787">
-                <a:tc>
-                  <a:txBody>
-                    <a:bodyPr/>
-                    <a:lstStyle/>
-                    <a:p>
-                      <a:pPr algn="ctr" fontAlgn="b"/>
-                      <a:r>
-                        <a:rPr lang="en-US" sz="1000" u="none" strike="noStrike">
-                          <a:effectLst/>
-                        </a:rPr>
-                        <a:t>9</a:t>
-                      </a:r>
-                      <a:endParaRPr lang="en-US" sz="1000" b="1" i="0" u="none" strike="noStrike">
-                        <a:solidFill>
-                          <a:srgbClr val="000000"/>
-                        </a:solidFill>
-                        <a:effectLst/>
-                        <a:latin typeface="Arial" panose="020B0604020202020204" pitchFamily="34" charset="0"/>
-                      </a:endParaRPr>
-                    </a:p>
-                  </a:txBody>
-                  <a:tcPr marL="3175" marR="3175" marT="3175" marB="0" anchor="b"/>
-                </a:tc>
-                <a:tc>
-                  <a:txBody>
-                    <a:bodyPr/>
-                    <a:lstStyle/>
-                    <a:p>
-                      <a:pPr algn="ctr" fontAlgn="ctr"/>
-                      <a:r>
-                        <a:rPr lang="en-US" sz="1000" u="none" strike="noStrike">
-                          <a:effectLst/>
-                        </a:rPr>
-                        <a:t>2</a:t>
-                      </a:r>
-                      <a:endParaRPr lang="en-US" sz="1000" b="1" i="0" u="none" strike="noStrike">
-                        <a:solidFill>
-                          <a:srgbClr val="333333"/>
-                        </a:solidFill>
-                        <a:effectLst/>
-                        <a:latin typeface="Arial" panose="020B0604020202020204" pitchFamily="34" charset="0"/>
-                      </a:endParaRPr>
-                    </a:p>
-                  </a:txBody>
-                  <a:tcPr marL="3175" marR="3175" marT="3175" marB="0" anchor="ctr"/>
-                </a:tc>
-                <a:tc>
-                  <a:txBody>
-                    <a:bodyPr/>
-                    <a:lstStyle/>
-                    <a:p>
-                      <a:pPr algn="ctr" fontAlgn="b"/>
-                      <a:r>
-                        <a:rPr lang="en-US" sz="1000" u="none" strike="noStrike">
-                          <a:effectLst/>
-                        </a:rPr>
-                        <a:t>9</a:t>
-                      </a:r>
-                      <a:endParaRPr lang="en-US" sz="1000" b="1" i="0" u="none" strike="noStrike">
-                        <a:solidFill>
-                          <a:srgbClr val="000000"/>
-                        </a:solidFill>
-                        <a:effectLst/>
-                        <a:latin typeface="Arial" panose="020B0604020202020204" pitchFamily="34" charset="0"/>
-                      </a:endParaRPr>
-                    </a:p>
-                  </a:txBody>
-                  <a:tcPr marL="3175" marR="3175" marT="3175" marB="0" anchor="b"/>
-                </a:tc>
-                <a:tc>
-                  <a:txBody>
-                    <a:bodyPr/>
-                    <a:lstStyle/>
-                    <a:p>
-                      <a:pPr algn="ctr" fontAlgn="b"/>
-                      <a:r>
-                        <a:rPr lang="en-US" sz="1000" u="none" strike="noStrike">
-                          <a:effectLst/>
-                        </a:rPr>
-                        <a:t>19</a:t>
-                      </a:r>
-                      <a:endParaRPr lang="en-US" sz="1000" b="1" i="0" u="none" strike="noStrike">
-                        <a:solidFill>
-                          <a:srgbClr val="000000"/>
-                        </a:solidFill>
-                        <a:effectLst/>
-                        <a:latin typeface="Arial" panose="020B0604020202020204" pitchFamily="34" charset="0"/>
-                      </a:endParaRPr>
-                    </a:p>
-                  </a:txBody>
-                  <a:tcPr marL="3175" marR="3175" marT="3175" marB="0" anchor="b"/>
-                </a:tc>
-                <a:tc>
-                  <a:txBody>
-                    <a:bodyPr/>
-                    <a:lstStyle/>
-                    <a:p>
-                      <a:pPr algn="ctr" fontAlgn="b"/>
-                      <a:r>
-                        <a:rPr lang="en-US" sz="1000" u="none" strike="noStrike">
-                          <a:effectLst/>
-                        </a:rPr>
-                        <a:t>1</a:t>
-                      </a:r>
-                      <a:endParaRPr lang="en-US" sz="1000" b="1" i="0" u="none" strike="noStrike">
-                        <a:solidFill>
-                          <a:srgbClr val="000000"/>
-                        </a:solidFill>
-                        <a:effectLst/>
-                        <a:latin typeface="Arial" panose="020B0604020202020204" pitchFamily="34" charset="0"/>
-                      </a:endParaRPr>
-                    </a:p>
-                  </a:txBody>
-                  <a:tcPr marL="3175" marR="3175" marT="3175" marB="0" anchor="b"/>
-                </a:tc>
-                <a:tc>
-                  <a:txBody>
-                    <a:bodyPr/>
-                    <a:lstStyle/>
-                    <a:p>
-                      <a:pPr algn="ctr" fontAlgn="b"/>
-                      <a:r>
-                        <a:rPr lang="en-US" sz="1000" u="none" strike="noStrike" dirty="0">
-                          <a:effectLst/>
-                        </a:rPr>
-                        <a:t>5</a:t>
-                      </a:r>
-                      <a:endParaRPr lang="en-US" sz="1000" b="1" i="0" u="none" strike="noStrike" dirty="0">
-                        <a:solidFill>
-                          <a:srgbClr val="000000"/>
-                        </a:solidFill>
-                        <a:effectLst/>
-                        <a:latin typeface="Arial" panose="020B0604020202020204" pitchFamily="34" charset="0"/>
-                      </a:endParaRPr>
-                    </a:p>
-                  </a:txBody>
-                  <a:tcPr marL="3175" marR="3175" marT="3175" marB="0" anchor="b"/>
-                </a:tc>
-                <a:tc>
-                  <a:txBody>
-                    <a:bodyPr/>
-                    <a:lstStyle/>
-                    <a:p>
-                      <a:pPr algn="ctr" fontAlgn="b"/>
-                      <a:r>
-                        <a:rPr lang="en-US" sz="1000" u="none" strike="noStrike" dirty="0">
-                          <a:effectLst/>
-                        </a:rPr>
-                        <a:t>3</a:t>
-                      </a:r>
-                      <a:endParaRPr lang="en-US" sz="1000" b="1" i="0" u="none" strike="noStrike" dirty="0">
-                        <a:solidFill>
-                          <a:srgbClr val="000000"/>
-                        </a:solidFill>
-                        <a:effectLst/>
-                        <a:latin typeface="Arial" panose="020B0604020202020204" pitchFamily="34" charset="0"/>
-                      </a:endParaRPr>
-                    </a:p>
-                  </a:txBody>
-                  <a:tcPr marL="3175" marR="3175" marT="3175" marB="0" anchor="b"/>
-                </a:tc>
-                <a:tc>
-                  <a:txBody>
-                    <a:bodyPr/>
-                    <a:lstStyle/>
-                    <a:p>
-                      <a:pPr algn="ctr" fontAlgn="b"/>
-                      <a:r>
-                        <a:rPr lang="en-US" sz="1000" u="none" strike="noStrike" dirty="0">
-                          <a:effectLst/>
-                        </a:rPr>
-                        <a:t>3</a:t>
-                      </a:r>
-                      <a:endParaRPr lang="en-US" sz="1000" b="1" i="0" u="none" strike="noStrike" dirty="0">
-                        <a:solidFill>
-                          <a:srgbClr val="000000"/>
-                        </a:solidFill>
-                        <a:effectLst/>
-                        <a:latin typeface="Arial" panose="020B0604020202020204" pitchFamily="34" charset="0"/>
-                      </a:endParaRPr>
-                    </a:p>
-                  </a:txBody>
-                  <a:tcPr marL="3175" marR="3175" marT="3175" marB="0" anchor="b"/>
-                </a:tc>
-                <a:tc>
-                  <a:txBody>
-                    <a:bodyPr/>
-                    <a:lstStyle/>
-                    <a:p>
-                      <a:pPr algn="ctr" fontAlgn="b"/>
-                      <a:r>
-                        <a:rPr lang="en-US" sz="1000" u="none" strike="noStrike">
-                          <a:effectLst/>
-                        </a:rPr>
-                        <a:t>4</a:t>
-                      </a:r>
-                      <a:endParaRPr lang="en-US" sz="1000" b="1" i="0" u="none" strike="noStrike">
-                        <a:solidFill>
-                          <a:srgbClr val="000000"/>
-                        </a:solidFill>
-                        <a:effectLst/>
-                        <a:latin typeface="Arial" panose="020B0604020202020204" pitchFamily="34" charset="0"/>
-                      </a:endParaRPr>
-                    </a:p>
-                  </a:txBody>
-                  <a:tcPr marL="3175" marR="3175" marT="3175" marB="0" anchor="b"/>
-                </a:tc>
-                <a:tc>
-                  <a:txBody>
-                    <a:bodyPr/>
-                    <a:lstStyle/>
-                    <a:p>
-                      <a:pPr algn="ctr" fontAlgn="b"/>
-                      <a:r>
-                        <a:rPr lang="en-US" sz="1000" u="none" strike="noStrike">
-                          <a:effectLst/>
-                        </a:rPr>
-                        <a:t>2</a:t>
-                      </a:r>
-                      <a:endParaRPr lang="en-US" sz="1000" b="1" i="0" u="none" strike="noStrike">
-                        <a:solidFill>
-                          <a:srgbClr val="000000"/>
-                        </a:solidFill>
-                        <a:effectLst/>
-                        <a:latin typeface="Arial" panose="020B0604020202020204" pitchFamily="34" charset="0"/>
-                      </a:endParaRPr>
-                    </a:p>
-                  </a:txBody>
-                  <a:tcPr marL="3175" marR="3175" marT="3175" marB="0" anchor="b"/>
-                </a:tc>
-                <a:tc>
-                  <a:txBody>
-                    <a:bodyPr/>
-                    <a:lstStyle/>
-                    <a:p>
-                      <a:pPr algn="ctr" fontAlgn="b"/>
-                      <a:r>
-                        <a:rPr lang="en-US" sz="1000" u="none" strike="noStrike">
-                          <a:effectLst/>
-                        </a:rPr>
-                        <a:t>16</a:t>
-                      </a:r>
-                      <a:endParaRPr lang="en-US" sz="1000" b="1" i="0" u="none" strike="noStrike">
-                        <a:solidFill>
-                          <a:srgbClr val="000000"/>
-                        </a:solidFill>
-                        <a:effectLst/>
-                        <a:latin typeface="Arial" panose="020B0604020202020204" pitchFamily="34" charset="0"/>
-                      </a:endParaRPr>
-                    </a:p>
-                  </a:txBody>
-                  <a:tcPr marL="3175" marR="3175" marT="3175" marB="0" anchor="b"/>
-                </a:tc>
-                <a:tc>
-                  <a:txBody>
-                    <a:bodyPr/>
-                    <a:lstStyle/>
-                    <a:p>
-                      <a:pPr algn="ctr" fontAlgn="b"/>
-                      <a:r>
-                        <a:rPr lang="en-US" sz="1000" u="none" strike="noStrike">
-                          <a:effectLst/>
-                        </a:rPr>
-                        <a:t>15</a:t>
-                      </a:r>
-                      <a:endParaRPr lang="en-US" sz="1000" b="1" i="0" u="none" strike="noStrike">
-                        <a:solidFill>
-                          <a:srgbClr val="000000"/>
-                        </a:solidFill>
-                        <a:effectLst/>
-                        <a:latin typeface="Arial" panose="020B0604020202020204" pitchFamily="34" charset="0"/>
-                      </a:endParaRPr>
-                    </a:p>
-                  </a:txBody>
-                  <a:tcPr marL="3175" marR="3175" marT="3175" marB="0" anchor="b"/>
-                </a:tc>
-                <a:extLst>
-                  <a:ext uri="{0D108BD9-81ED-4DB2-BD59-A6C34878D82A}">
-                    <a16:rowId xmlns:a16="http://schemas.microsoft.com/office/drawing/2014/main" val="1932478320"/>
-                  </a:ext>
-                </a:extLst>
-              </a:tr>
-              <a:tr h="213787">
-                <a:tc>
-                  <a:txBody>
-                    <a:bodyPr/>
-                    <a:lstStyle/>
-                    <a:p>
-                      <a:pPr algn="ctr" fontAlgn="ctr"/>
-                      <a:r>
-                        <a:rPr lang="en-US" sz="1000" u="none" strike="noStrike">
-                          <a:effectLst/>
-                        </a:rPr>
-                        <a:t>OK</a:t>
-                      </a:r>
-                      <a:endParaRPr lang="en-US" sz="1000" b="1" i="0" u="none" strike="noStrike">
-                        <a:solidFill>
-                          <a:srgbClr val="333333"/>
-                        </a:solidFill>
-                        <a:effectLst/>
-                        <a:latin typeface="Arial" panose="020B0604020202020204" pitchFamily="34" charset="0"/>
-                      </a:endParaRPr>
-                    </a:p>
-                  </a:txBody>
-                  <a:tcPr marL="3175" marR="3175" marT="3175" marB="0" anchor="ctr"/>
-                </a:tc>
-                <a:tc>
-                  <a:txBody>
-                    <a:bodyPr/>
-                    <a:lstStyle/>
-                    <a:p>
-                      <a:pPr algn="ctr" fontAlgn="b"/>
-                      <a:r>
-                        <a:rPr lang="en-US" sz="1000" u="none" strike="noStrike">
-                          <a:effectLst/>
-                        </a:rPr>
-                        <a:t>OR</a:t>
-                      </a:r>
-                      <a:endParaRPr lang="en-US" sz="1000" b="1" i="0" u="none" strike="noStrike">
-                        <a:solidFill>
-                          <a:srgbClr val="000000"/>
-                        </a:solidFill>
-                        <a:effectLst/>
-                        <a:latin typeface="Arial" panose="020B0604020202020204" pitchFamily="34" charset="0"/>
-                      </a:endParaRPr>
-                    </a:p>
-                  </a:txBody>
-                  <a:tcPr marL="3175" marR="3175" marT="3175" marB="0" anchor="b"/>
-                </a:tc>
-                <a:tc>
-                  <a:txBody>
-                    <a:bodyPr/>
-                    <a:lstStyle/>
-                    <a:p>
-                      <a:pPr algn="ctr" fontAlgn="b"/>
-                      <a:r>
-                        <a:rPr lang="en-US" sz="1000" u="none" strike="noStrike">
-                          <a:effectLst/>
-                        </a:rPr>
-                        <a:t>PA</a:t>
-                      </a:r>
-                      <a:endParaRPr lang="en-US" sz="1000" b="1" i="0" u="none" strike="noStrike">
-                        <a:solidFill>
-                          <a:srgbClr val="000000"/>
-                        </a:solidFill>
-                        <a:effectLst/>
-                        <a:latin typeface="Arial" panose="020B0604020202020204" pitchFamily="34" charset="0"/>
-                      </a:endParaRPr>
-                    </a:p>
-                  </a:txBody>
-                  <a:tcPr marL="3175" marR="3175" marT="3175" marB="0" anchor="b"/>
-                </a:tc>
-                <a:tc>
-                  <a:txBody>
-                    <a:bodyPr/>
-                    <a:lstStyle/>
-                    <a:p>
-                      <a:pPr algn="ctr" fontAlgn="b"/>
-                      <a:r>
-                        <a:rPr lang="en-US" sz="1000" u="none" strike="noStrike">
-                          <a:effectLst/>
-                        </a:rPr>
-                        <a:t>RI</a:t>
-                      </a:r>
-                      <a:endParaRPr lang="en-US" sz="1000" b="1" i="0" u="none" strike="noStrike">
-                        <a:solidFill>
-                          <a:srgbClr val="000000"/>
-                        </a:solidFill>
-                        <a:effectLst/>
-                        <a:latin typeface="Arial" panose="020B0604020202020204" pitchFamily="34" charset="0"/>
-                      </a:endParaRPr>
-                    </a:p>
-                  </a:txBody>
-                  <a:tcPr marL="3175" marR="3175" marT="3175" marB="0" anchor="b"/>
-                </a:tc>
-                <a:tc>
-                  <a:txBody>
-                    <a:bodyPr/>
-                    <a:lstStyle/>
-                    <a:p>
-                      <a:pPr algn="ctr" fontAlgn="b"/>
-                      <a:r>
-                        <a:rPr lang="en-US" sz="1000" u="none" strike="noStrike">
-                          <a:effectLst/>
-                        </a:rPr>
-                        <a:t>SC</a:t>
-                      </a:r>
-                      <a:endParaRPr lang="en-US" sz="1000" b="1" i="0" u="none" strike="noStrike">
-                        <a:solidFill>
-                          <a:srgbClr val="000000"/>
-                        </a:solidFill>
-                        <a:effectLst/>
-                        <a:latin typeface="Arial" panose="020B0604020202020204" pitchFamily="34" charset="0"/>
-                      </a:endParaRPr>
-                    </a:p>
-                  </a:txBody>
-                  <a:tcPr marL="3175" marR="3175" marT="3175" marB="0" anchor="b"/>
-                </a:tc>
-                <a:tc>
-                  <a:txBody>
-                    <a:bodyPr/>
-                    <a:lstStyle/>
-                    <a:p>
-                      <a:pPr algn="ctr" fontAlgn="b"/>
-                      <a:r>
-                        <a:rPr lang="en-US" sz="1000" u="none" strike="noStrike">
-                          <a:effectLst/>
-                        </a:rPr>
-                        <a:t>SD</a:t>
-                      </a:r>
-                      <a:endParaRPr lang="en-US" sz="1000" b="1" i="0" u="none" strike="noStrike">
-                        <a:solidFill>
-                          <a:srgbClr val="000000"/>
-                        </a:solidFill>
-                        <a:effectLst/>
-                        <a:latin typeface="Arial" panose="020B0604020202020204" pitchFamily="34" charset="0"/>
-                      </a:endParaRPr>
-                    </a:p>
-                  </a:txBody>
-                  <a:tcPr marL="3175" marR="3175" marT="3175" marB="0" anchor="b"/>
-                </a:tc>
-                <a:tc>
-                  <a:txBody>
-                    <a:bodyPr/>
-                    <a:lstStyle/>
-                    <a:p>
-                      <a:pPr algn="ctr" fontAlgn="b"/>
-                      <a:r>
-                        <a:rPr lang="en-US" sz="1000" u="none" strike="noStrike">
-                          <a:effectLst/>
-                        </a:rPr>
-                        <a:t>TN</a:t>
-                      </a:r>
-                      <a:endParaRPr lang="en-US" sz="1000" b="1" i="0" u="none" strike="noStrike">
-                        <a:solidFill>
-                          <a:srgbClr val="000000"/>
-                        </a:solidFill>
-                        <a:effectLst/>
-                        <a:latin typeface="Arial" panose="020B0604020202020204" pitchFamily="34" charset="0"/>
-                      </a:endParaRPr>
-                    </a:p>
-                  </a:txBody>
-                  <a:tcPr marL="3175" marR="3175" marT="3175" marB="0" anchor="b"/>
-                </a:tc>
-                <a:tc>
-                  <a:txBody>
-                    <a:bodyPr/>
-                    <a:lstStyle/>
-                    <a:p>
-                      <a:pPr algn="ctr" fontAlgn="b"/>
-                      <a:r>
-                        <a:rPr lang="en-US" sz="1000" u="none" strike="noStrike" dirty="0">
-                          <a:effectLst/>
-                        </a:rPr>
-                        <a:t>TX</a:t>
-                      </a:r>
-                      <a:endParaRPr lang="en-US" sz="1000" b="1" i="0" u="none" strike="noStrike" dirty="0">
-                        <a:solidFill>
-                          <a:srgbClr val="000000"/>
-                        </a:solidFill>
-                        <a:effectLst/>
-                        <a:latin typeface="Arial" panose="020B0604020202020204" pitchFamily="34" charset="0"/>
-                      </a:endParaRPr>
-                    </a:p>
-                  </a:txBody>
-                  <a:tcPr marL="3175" marR="3175" marT="3175" marB="0" anchor="b"/>
-                </a:tc>
-                <a:tc>
-                  <a:txBody>
-                    <a:bodyPr/>
-                    <a:lstStyle/>
-                    <a:p>
-                      <a:pPr algn="ctr" fontAlgn="b"/>
-                      <a:r>
-                        <a:rPr lang="en-US" sz="1000" u="none" strike="noStrike" dirty="0">
-                          <a:effectLst/>
-                        </a:rPr>
-                        <a:t>UT</a:t>
-                      </a:r>
-                      <a:endParaRPr lang="en-US" sz="1000" b="1" i="0" u="none" strike="noStrike" dirty="0">
-                        <a:solidFill>
-                          <a:srgbClr val="000000"/>
-                        </a:solidFill>
-                        <a:effectLst/>
-                        <a:latin typeface="Arial" panose="020B0604020202020204" pitchFamily="34" charset="0"/>
-                      </a:endParaRPr>
-                    </a:p>
-                  </a:txBody>
-                  <a:tcPr marL="3175" marR="3175" marT="3175" marB="0" anchor="b"/>
-                </a:tc>
-                <a:tc>
-                  <a:txBody>
-                    <a:bodyPr/>
-                    <a:lstStyle/>
-                    <a:p>
-                      <a:pPr algn="ctr" fontAlgn="b"/>
-                      <a:r>
-                        <a:rPr lang="en-US" sz="1000" u="none" strike="noStrike">
-                          <a:effectLst/>
-                        </a:rPr>
-                        <a:t>VA</a:t>
-                      </a:r>
-                      <a:endParaRPr lang="en-US" sz="1000" b="1" i="0" u="none" strike="noStrike">
-                        <a:solidFill>
-                          <a:srgbClr val="000000"/>
-                        </a:solidFill>
-                        <a:effectLst/>
-                        <a:latin typeface="Arial" panose="020B0604020202020204" pitchFamily="34" charset="0"/>
-                      </a:endParaRPr>
-                    </a:p>
-                  </a:txBody>
-                  <a:tcPr marL="3175" marR="3175" marT="3175" marB="0" anchor="b"/>
-                </a:tc>
-                <a:tc>
-                  <a:txBody>
-                    <a:bodyPr/>
-                    <a:lstStyle/>
-                    <a:p>
-                      <a:pPr algn="ctr" fontAlgn="b"/>
-                      <a:r>
-                        <a:rPr lang="en-US" sz="1000" u="none" strike="noStrike">
-                          <a:effectLst/>
-                        </a:rPr>
-                        <a:t>VT</a:t>
-                      </a:r>
-                      <a:endParaRPr lang="en-US" sz="1000" b="1" i="0" u="none" strike="noStrike">
-                        <a:solidFill>
-                          <a:srgbClr val="000000"/>
-                        </a:solidFill>
-                        <a:effectLst/>
-                        <a:latin typeface="Arial" panose="020B0604020202020204" pitchFamily="34" charset="0"/>
-                      </a:endParaRPr>
-                    </a:p>
-                  </a:txBody>
-                  <a:tcPr marL="3175" marR="3175" marT="3175" marB="0" anchor="b"/>
-                </a:tc>
-                <a:tc>
-                  <a:txBody>
-                    <a:bodyPr/>
-                    <a:lstStyle/>
-                    <a:p>
-                      <a:pPr algn="ctr" fontAlgn="b"/>
-                      <a:r>
-                        <a:rPr lang="en-US" sz="1000" u="none" strike="noStrike">
-                          <a:effectLst/>
-                        </a:rPr>
-                        <a:t>WA</a:t>
-                      </a:r>
-                      <a:endParaRPr lang="en-US" sz="1000" b="1" i="0" u="none" strike="noStrike">
-                        <a:solidFill>
-                          <a:srgbClr val="000000"/>
-                        </a:solidFill>
-                        <a:effectLst/>
-                        <a:latin typeface="Arial" panose="020B0604020202020204" pitchFamily="34" charset="0"/>
-                      </a:endParaRPr>
-                    </a:p>
-                  </a:txBody>
-                  <a:tcPr marL="3175" marR="3175" marT="3175" marB="0" anchor="b"/>
-                </a:tc>
-                <a:extLst>
-                  <a:ext uri="{0D108BD9-81ED-4DB2-BD59-A6C34878D82A}">
-                    <a16:rowId xmlns:a16="http://schemas.microsoft.com/office/drawing/2014/main" val="1070090293"/>
-                  </a:ext>
-                </a:extLst>
-              </a:tr>
-              <a:tr h="213787">
-                <a:tc>
-                  <a:txBody>
-                    <a:bodyPr/>
-                    <a:lstStyle/>
-                    <a:p>
-                      <a:pPr algn="ctr" fontAlgn="ctr"/>
-                      <a:r>
-                        <a:rPr lang="en-US" sz="1000" u="none" strike="noStrike">
-                          <a:effectLst/>
-                        </a:rPr>
-                        <a:t>6</a:t>
-                      </a:r>
-                      <a:endParaRPr lang="en-US" sz="1000" b="1" i="0" u="none" strike="noStrike">
-                        <a:solidFill>
-                          <a:srgbClr val="333333"/>
-                        </a:solidFill>
-                        <a:effectLst/>
-                        <a:latin typeface="Arial" panose="020B0604020202020204" pitchFamily="34" charset="0"/>
-                      </a:endParaRPr>
-                    </a:p>
-                  </a:txBody>
-                  <a:tcPr marL="3175" marR="3175" marT="3175" marB="0" anchor="ctr"/>
-                </a:tc>
-                <a:tc>
-                  <a:txBody>
-                    <a:bodyPr/>
-                    <a:lstStyle/>
-                    <a:p>
-                      <a:pPr algn="ctr" fontAlgn="b"/>
-                      <a:r>
-                        <a:rPr lang="en-US" sz="1000" u="none" strike="noStrike">
-                          <a:effectLst/>
-                        </a:rPr>
-                        <a:t>29</a:t>
-                      </a:r>
-                      <a:endParaRPr lang="en-US" sz="1000" b="1" i="0" u="none" strike="noStrike">
-                        <a:solidFill>
-                          <a:srgbClr val="000000"/>
-                        </a:solidFill>
-                        <a:effectLst/>
-                        <a:latin typeface="Arial" panose="020B0604020202020204" pitchFamily="34" charset="0"/>
-                      </a:endParaRPr>
-                    </a:p>
-                  </a:txBody>
-                  <a:tcPr marL="3175" marR="3175" marT="3175" marB="0" anchor="b"/>
-                </a:tc>
-                <a:tc>
-                  <a:txBody>
-                    <a:bodyPr/>
-                    <a:lstStyle/>
-                    <a:p>
-                      <a:pPr algn="ctr" fontAlgn="b"/>
-                      <a:r>
-                        <a:rPr lang="en-US" sz="1000" u="none" strike="noStrike">
-                          <a:effectLst/>
-                        </a:rPr>
-                        <a:t>25</a:t>
-                      </a:r>
-                      <a:endParaRPr lang="en-US" sz="1000" b="1" i="0" u="none" strike="noStrike">
-                        <a:solidFill>
-                          <a:srgbClr val="000000"/>
-                        </a:solidFill>
-                        <a:effectLst/>
-                        <a:latin typeface="Arial" panose="020B0604020202020204" pitchFamily="34" charset="0"/>
-                      </a:endParaRPr>
-                    </a:p>
-                  </a:txBody>
-                  <a:tcPr marL="3175" marR="3175" marT="3175" marB="0" anchor="b"/>
-                </a:tc>
-                <a:tc>
-                  <a:txBody>
-                    <a:bodyPr/>
-                    <a:lstStyle/>
-                    <a:p>
-                      <a:pPr algn="ctr" fontAlgn="b"/>
-                      <a:r>
-                        <a:rPr lang="en-US" sz="1000" u="none" strike="noStrike">
-                          <a:effectLst/>
-                        </a:rPr>
-                        <a:t>5</a:t>
-                      </a:r>
-                      <a:endParaRPr lang="en-US" sz="1000" b="1" i="0" u="none" strike="noStrike">
-                        <a:solidFill>
-                          <a:srgbClr val="000000"/>
-                        </a:solidFill>
-                        <a:effectLst/>
-                        <a:latin typeface="Arial" panose="020B0604020202020204" pitchFamily="34" charset="0"/>
-                      </a:endParaRPr>
-                    </a:p>
-                  </a:txBody>
-                  <a:tcPr marL="3175" marR="3175" marT="3175" marB="0" anchor="b"/>
-                </a:tc>
-                <a:tc>
-                  <a:txBody>
-                    <a:bodyPr/>
-                    <a:lstStyle/>
-                    <a:p>
-                      <a:pPr algn="ctr" fontAlgn="b"/>
-                      <a:r>
-                        <a:rPr lang="en-US" sz="1000" u="none" strike="noStrike">
-                          <a:effectLst/>
-                        </a:rPr>
-                        <a:t>4</a:t>
-                      </a:r>
-                      <a:endParaRPr lang="en-US" sz="1000" b="1" i="0" u="none" strike="noStrike">
-                        <a:solidFill>
-                          <a:srgbClr val="000000"/>
-                        </a:solidFill>
-                        <a:effectLst/>
-                        <a:latin typeface="Arial" panose="020B0604020202020204" pitchFamily="34" charset="0"/>
-                      </a:endParaRPr>
-                    </a:p>
-                  </a:txBody>
-                  <a:tcPr marL="3175" marR="3175" marT="3175" marB="0" anchor="b"/>
-                </a:tc>
-                <a:tc>
-                  <a:txBody>
-                    <a:bodyPr/>
-                    <a:lstStyle/>
-                    <a:p>
-                      <a:pPr algn="ctr" fontAlgn="b"/>
-                      <a:r>
-                        <a:rPr lang="en-US" sz="1000" u="none" strike="noStrike" dirty="0">
-                          <a:effectLst/>
-                        </a:rPr>
-                        <a:t>1</a:t>
-                      </a:r>
-                      <a:endParaRPr lang="en-US" sz="1000" b="1" i="0" u="none" strike="noStrike" dirty="0">
                         <a:solidFill>
                           <a:srgbClr val="000000"/>
                         </a:solidFill>
@@ -10128,6 +12946,103 @@
   <p:clrMapOvr>
     <a:masterClrMapping/>
   </p:clrMapOvr>
+  <p:transition spd="med">
+    <p:pull/>
+  </p:transition>
+  <p:timing>
+    <p:tnLst>
+      <p:par>
+        <p:cTn id="1" dur="indefinite" restart="never" nodeType="tmRoot">
+          <p:childTnLst>
+            <p:seq concurrent="1" nextAc="seek">
+              <p:cTn id="2" dur="indefinite" nodeType="mainSeq">
+                <p:childTnLst>
+                  <p:par>
+                    <p:cTn id="3" fill="hold">
+                      <p:stCondLst>
+                        <p:cond delay="indefinite"/>
+                      </p:stCondLst>
+                      <p:childTnLst>
+                        <p:par>
+                          <p:cTn id="4" fill="hold">
+                            <p:stCondLst>
+                              <p:cond delay="0"/>
+                            </p:stCondLst>
+                            <p:childTnLst>
+                              <p:par>
+                                <p:cTn id="5" presetID="22" presetClass="entr" presetSubtype="4" fill="hold" grpId="0" nodeType="clickEffect">
+                                  <p:stCondLst>
+                                    <p:cond delay="0"/>
+                                  </p:stCondLst>
+                                  <p:childTnLst>
+                                    <p:set>
+                                      <p:cBhvr>
+                                        <p:cTn id="6" dur="1" fill="hold">
+                                          <p:stCondLst>
+                                            <p:cond delay="0"/>
+                                          </p:stCondLst>
+                                        </p:cTn>
+                                        <p:tgtEl>
+                                          <p:spTgt spid="3">
+                                            <p:txEl>
+                                              <p:pRg st="0" end="0"/>
+                                            </p:txEl>
+                                          </p:spTgt>
+                                        </p:tgtEl>
+                                        <p:attrNameLst>
+                                          <p:attrName>style.visibility</p:attrName>
+                                        </p:attrNameLst>
+                                      </p:cBhvr>
+                                      <p:to>
+                                        <p:strVal val="visible"/>
+                                      </p:to>
+                                    </p:set>
+                                    <p:animEffect transition="in" filter="wipe(down)">
+                                      <p:cBhvr>
+                                        <p:cTn id="7" dur="500"/>
+                                        <p:tgtEl>
+                                          <p:spTgt spid="3">
+                                            <p:txEl>
+                                              <p:pRg st="0" end="0"/>
+                                            </p:txEl>
+                                          </p:spTgt>
+                                        </p:tgtEl>
+                                      </p:cBhvr>
+                                    </p:animEffect>
+                                  </p:childTnLst>
+                                </p:cTn>
+                              </p:par>
+                            </p:childTnLst>
+                          </p:cTn>
+                        </p:par>
+                      </p:childTnLst>
+                    </p:cTn>
+                  </p:par>
+                </p:childTnLst>
+              </p:cTn>
+              <p:prevCondLst>
+                <p:cond evt="onPrev" delay="0">
+                  <p:tgtEl>
+                    <p:sldTgt/>
+                  </p:tgtEl>
+                </p:cond>
+              </p:prevCondLst>
+              <p:nextCondLst>
+                <p:cond evt="onNext" delay="0">
+                  <p:tgtEl>
+                    <p:sldTgt/>
+                  </p:tgtEl>
+                </p:cond>
+              </p:nextCondLst>
+            </p:seq>
+          </p:childTnLst>
+        </p:cTn>
+      </p:par>
+    </p:tnLst>
+    <p:bldLst>
+      <p:bldP spid="3" grpId="0" build="p"/>
+    </p:bldLst>
+  </p:timing>
 </p:sld>
 </file>
 
@@ -10166,7 +13081,7 @@
         </p:nvSpPr>
         <p:spPr>
           <a:xfrm>
-            <a:off x="448965" y="433880"/>
+            <a:off x="296260" y="433880"/>
             <a:ext cx="6260905" cy="572644"/>
           </a:xfrm>
         </p:spPr>
@@ -10176,12 +13091,13 @@
           </a:bodyPr>
           <a:lstStyle/>
           <a:p>
+            <a:pPr algn="ctr"/>
             <a:r>
               <a:rPr lang="en-US" b="1" dirty="0">
                 <a:latin typeface="Arial" panose="020B0604020202020204" pitchFamily="34" charset="0"/>
                 <a:cs typeface="Arial" panose="020B0604020202020204" pitchFamily="34" charset="0"/>
               </a:rPr>
-              <a:t>Merge two datasets</a:t>
+              <a:t>Merge Two Datasets</a:t>
             </a:r>
           </a:p>
         </p:txBody>
@@ -11505,6 +14421,9 @@
   <p:clrMapOvr>
     <a:masterClrMapping/>
   </p:clrMapOvr>
+  <p:transition spd="med">
+    <p:pull/>
+  </p:transition>
   <p:timing>
     <p:tnLst>
       <p:par>
@@ -11730,13 +14649,19 @@
             <p:ph type="title"/>
           </p:nvPr>
         </p:nvSpPr>
-        <p:spPr/>
+        <p:spPr>
+          <a:xfrm>
+            <a:off x="143555" y="433880"/>
+            <a:ext cx="6260905" cy="572644"/>
+          </a:xfrm>
+        </p:spPr>
         <p:txBody>
           <a:bodyPr>
             <a:normAutofit fontScale="90000"/>
           </a:bodyPr>
           <a:lstStyle/>
           <a:p>
+            <a:pPr algn="ctr"/>
             <a:r>
               <a:rPr lang="en-US" b="1" dirty="0">
                 <a:latin typeface="Arial" panose="020B0604020202020204" pitchFamily="34" charset="0"/>
@@ -12284,6 +15209,9 @@
   <p:clrMapOvr>
     <a:masterClrMapping/>
   </p:clrMapOvr>
+  <p:transition spd="med">
+    <p:pull/>
+  </p:transition>
   <p:timing>
     <p:tnLst>
       <p:par>
@@ -13109,6 +16037,267 @@
 </a:theme>
 </file>
 
+<file path=ppt/theme/theme3.xml><?xml version="1.0" encoding="utf-8"?>
+<a:theme xmlns:a="http://schemas.openxmlformats.org/drawingml/2006/main" name="Office Theme">
+  <a:themeElements>
+    <a:clrScheme name="Office">
+      <a:dk1>
+        <a:sysClr val="windowText" lastClr="000000"/>
+      </a:dk1>
+      <a:lt1>
+        <a:sysClr val="window" lastClr="FFFFFF"/>
+      </a:lt1>
+      <a:dk2>
+        <a:srgbClr val="44546A"/>
+      </a:dk2>
+      <a:lt2>
+        <a:srgbClr val="E7E6E6"/>
+      </a:lt2>
+      <a:accent1>
+        <a:srgbClr val="5B9BD5"/>
+      </a:accent1>
+      <a:accent2>
+        <a:srgbClr val="ED7D31"/>
+      </a:accent2>
+      <a:accent3>
+        <a:srgbClr val="A5A5A5"/>
+      </a:accent3>
+      <a:accent4>
+        <a:srgbClr val="FFC000"/>
+      </a:accent4>
+      <a:accent5>
+        <a:srgbClr val="4472C4"/>
+      </a:accent5>
+      <a:accent6>
+        <a:srgbClr val="70AD47"/>
+      </a:accent6>
+      <a:hlink>
+        <a:srgbClr val="0563C1"/>
+      </a:hlink>
+      <a:folHlink>
+        <a:srgbClr val="954F72"/>
+      </a:folHlink>
+    </a:clrScheme>
+    <a:fontScheme name="Office">
+      <a:majorFont>
+        <a:latin typeface="Calibri Light" panose="020F0302020204030204"/>
+        <a:ea typeface=""/>
+        <a:cs typeface=""/>
+        <a:font script="Jpan" typeface="ＭＳ Ｐゴシック"/>
+        <a:font script="Hang" typeface="맑은 고딕"/>
+        <a:font script="Hans" typeface="宋体"/>
+        <a:font script="Hant" typeface="新細明體"/>
+        <a:font script="Arab" typeface="Times New Roman"/>
+        <a:font script="Hebr" typeface="Times New Roman"/>
+        <a:font script="Thai" typeface="Angsana New"/>
+        <a:font script="Ethi" typeface="Nyala"/>
+        <a:font script="Beng" typeface="Vrinda"/>
+        <a:font script="Gujr" typeface="Shruti"/>
+        <a:font script="Khmr" typeface="MoolBoran"/>
+        <a:font script="Knda" typeface="Tunga"/>
+        <a:font script="Guru" typeface="Raavi"/>
+        <a:font script="Cans" typeface="Euphemia"/>
+        <a:font script="Cher" typeface="Plantagenet Cherokee"/>
+        <a:font script="Yiii" typeface="Microsoft Yi Baiti"/>
+        <a:font script="Tibt" typeface="Microsoft Himalaya"/>
+        <a:font script="Thaa" typeface="MV Boli"/>
+        <a:font script="Deva" typeface="Mangal"/>
+        <a:font script="Telu" typeface="Gautami"/>
+        <a:font script="Taml" typeface="Latha"/>
+        <a:font script="Syrc" typeface="Estrangelo Edessa"/>
+        <a:font script="Orya" typeface="Kalinga"/>
+        <a:font script="Mlym" typeface="Kartika"/>
+        <a:font script="Laoo" typeface="DokChampa"/>
+        <a:font script="Sinh" typeface="Iskoola Pota"/>
+        <a:font script="Mong" typeface="Mongolian Baiti"/>
+        <a:font script="Viet" typeface="Times New Roman"/>
+        <a:font script="Uigh" typeface="Microsoft Uighur"/>
+        <a:font script="Geor" typeface="Sylfaen"/>
+      </a:majorFont>
+      <a:minorFont>
+        <a:latin typeface="Calibri" panose="020F0502020204030204"/>
+        <a:ea typeface=""/>
+        <a:cs typeface=""/>
+        <a:font script="Jpan" typeface="ＭＳ Ｐゴシック"/>
+        <a:font script="Hang" typeface="맑은 고딕"/>
+        <a:font script="Hans" typeface="宋体"/>
+        <a:font script="Hant" typeface="新細明體"/>
+        <a:font script="Arab" typeface="Arial"/>
+        <a:font script="Hebr" typeface="Arial"/>
+        <a:font script="Thai" typeface="Cordia New"/>
+        <a:font script="Ethi" typeface="Nyala"/>
+        <a:font script="Beng" typeface="Vrinda"/>
+        <a:font script="Gujr" typeface="Shruti"/>
+        <a:font script="Khmr" typeface="DaunPenh"/>
+        <a:font script="Knda" typeface="Tunga"/>
+        <a:font script="Guru" typeface="Raavi"/>
+        <a:font script="Cans" typeface="Euphemia"/>
+        <a:font script="Cher" typeface="Plantagenet Cherokee"/>
+        <a:font script="Yiii" typeface="Microsoft Yi Baiti"/>
+        <a:font script="Tibt" typeface="Microsoft Himalaya"/>
+        <a:font script="Thaa" typeface="MV Boli"/>
+        <a:font script="Deva" typeface="Mangal"/>
+        <a:font script="Telu" typeface="Gautami"/>
+        <a:font script="Taml" typeface="Latha"/>
+        <a:font script="Syrc" typeface="Estrangelo Edessa"/>
+        <a:font script="Orya" typeface="Kalinga"/>
+        <a:font script="Mlym" typeface="Kartika"/>
+        <a:font script="Laoo" typeface="DokChampa"/>
+        <a:font script="Sinh" typeface="Iskoola Pota"/>
+        <a:font script="Mong" typeface="Mongolian Baiti"/>
+        <a:font script="Viet" typeface="Arial"/>
+        <a:font script="Uigh" typeface="Microsoft Uighur"/>
+        <a:font script="Geor" typeface="Sylfaen"/>
+      </a:minorFont>
+    </a:fontScheme>
+    <a:fmtScheme name="Office">
+      <a:fillStyleLst>
+        <a:solidFill>
+          <a:schemeClr val="phClr"/>
+        </a:solidFill>
+        <a:gradFill rotWithShape="1">
+          <a:gsLst>
+            <a:gs pos="0">
+              <a:schemeClr val="phClr">
+                <a:lumMod val="110000"/>
+                <a:satMod val="105000"/>
+                <a:tint val="67000"/>
+              </a:schemeClr>
+            </a:gs>
+            <a:gs pos="50000">
+              <a:schemeClr val="phClr">
+                <a:lumMod val="105000"/>
+                <a:satMod val="103000"/>
+                <a:tint val="73000"/>
+              </a:schemeClr>
+            </a:gs>
+            <a:gs pos="100000">
+              <a:schemeClr val="phClr">
+                <a:lumMod val="105000"/>
+                <a:satMod val="109000"/>
+                <a:tint val="81000"/>
+              </a:schemeClr>
+            </a:gs>
+          </a:gsLst>
+          <a:lin ang="5400000" scaled="0"/>
+        </a:gradFill>
+        <a:gradFill rotWithShape="1">
+          <a:gsLst>
+            <a:gs pos="0">
+              <a:schemeClr val="phClr">
+                <a:satMod val="103000"/>
+                <a:lumMod val="102000"/>
+                <a:tint val="94000"/>
+              </a:schemeClr>
+            </a:gs>
+            <a:gs pos="50000">
+              <a:schemeClr val="phClr">
+                <a:satMod val="110000"/>
+                <a:lumMod val="100000"/>
+                <a:shade val="100000"/>
+              </a:schemeClr>
+            </a:gs>
+            <a:gs pos="100000">
+              <a:schemeClr val="phClr">
+                <a:lumMod val="99000"/>
+                <a:satMod val="120000"/>
+                <a:shade val="78000"/>
+              </a:schemeClr>
+            </a:gs>
+          </a:gsLst>
+          <a:lin ang="5400000" scaled="0"/>
+        </a:gradFill>
+      </a:fillStyleLst>
+      <a:lnStyleLst>
+        <a:ln w="6350" cap="flat" cmpd="sng" algn="ctr">
+          <a:solidFill>
+            <a:schemeClr val="phClr"/>
+          </a:solidFill>
+          <a:prstDash val="solid"/>
+          <a:miter lim="800000"/>
+        </a:ln>
+        <a:ln w="12700" cap="flat" cmpd="sng" algn="ctr">
+          <a:solidFill>
+            <a:schemeClr val="phClr"/>
+          </a:solidFill>
+          <a:prstDash val="solid"/>
+          <a:miter lim="800000"/>
+        </a:ln>
+        <a:ln w="19050" cap="flat" cmpd="sng" algn="ctr">
+          <a:solidFill>
+            <a:schemeClr val="phClr"/>
+          </a:solidFill>
+          <a:prstDash val="solid"/>
+          <a:miter lim="800000"/>
+        </a:ln>
+      </a:lnStyleLst>
+      <a:effectStyleLst>
+        <a:effectStyle>
+          <a:effectLst/>
+        </a:effectStyle>
+        <a:effectStyle>
+          <a:effectLst/>
+        </a:effectStyle>
+        <a:effectStyle>
+          <a:effectLst>
+            <a:outerShdw blurRad="57150" dist="19050" dir="5400000" algn="ctr" rotWithShape="0">
+              <a:srgbClr val="000000">
+                <a:alpha val="63000"/>
+              </a:srgbClr>
+            </a:outerShdw>
+          </a:effectLst>
+        </a:effectStyle>
+      </a:effectStyleLst>
+      <a:bgFillStyleLst>
+        <a:solidFill>
+          <a:schemeClr val="phClr"/>
+        </a:solidFill>
+        <a:solidFill>
+          <a:schemeClr val="phClr">
+            <a:tint val="95000"/>
+            <a:satMod val="170000"/>
+          </a:schemeClr>
+        </a:solidFill>
+        <a:gradFill rotWithShape="1">
+          <a:gsLst>
+            <a:gs pos="0">
+              <a:schemeClr val="phClr">
+                <a:tint val="93000"/>
+                <a:satMod val="150000"/>
+                <a:shade val="98000"/>
+                <a:lumMod val="102000"/>
+              </a:schemeClr>
+            </a:gs>
+            <a:gs pos="50000">
+              <a:schemeClr val="phClr">
+                <a:tint val="98000"/>
+                <a:satMod val="130000"/>
+                <a:shade val="90000"/>
+                <a:lumMod val="103000"/>
+              </a:schemeClr>
+            </a:gs>
+            <a:gs pos="100000">
+              <a:schemeClr val="phClr">
+                <a:shade val="63000"/>
+                <a:satMod val="120000"/>
+              </a:schemeClr>
+            </a:gs>
+          </a:gsLst>
+          <a:lin ang="5400000" scaled="0"/>
+        </a:gradFill>
+      </a:bgFillStyleLst>
+    </a:fmtScheme>
+  </a:themeElements>
+  <a:objectDefaults/>
+  <a:extraClrSchemeLst/>
+  <a:extLst>
+    <a:ext uri="{05A4C25C-085E-4340-85A3-A5531E510DB2}">
+      <thm15:themeFamily xmlns:thm15="http://schemas.microsoft.com/office/thememl/2012/main" name="Office Theme" id="{62F939B6-93AF-4DB8-9C6B-D6C7DFDC589F}" vid="{4A3C46E8-61CC-4603-A589-7422A47A8E4A}"/>
+    </a:ext>
+  </a:extLst>
+</a:theme>
+</file>
+
 <file path=ppt/theme/themeOverride1.xml><?xml version="1.0" encoding="utf-8"?>
 <a:themeOverride xmlns:a="http://schemas.openxmlformats.org/drawingml/2006/main">
   <a:clrScheme name="Office">
